--- a/slides/day 4/D4C2_ProbNNs.pptx
+++ b/slides/day 4/D4C2_ProbNNs.pptx
@@ -5,7 +5,7 @@
     <p:sldMasterId id="2147483648" r:id="rId1"/>
   </p:sldMasterIdLst>
   <p:notesMasterIdLst>
-    <p:notesMasterId r:id="rId27"/>
+    <p:notesMasterId r:id="rId29"/>
   </p:notesMasterIdLst>
   <p:sldIdLst>
     <p:sldId id="256" r:id="rId2"/>
@@ -33,6 +33,8 @@
     <p:sldId id="386" r:id="rId24"/>
     <p:sldId id="387" r:id="rId25"/>
     <p:sldId id="285" r:id="rId26"/>
+    <p:sldId id="321" r:id="rId27"/>
+    <p:sldId id="322" r:id="rId28"/>
   </p:sldIdLst>
   <p:sldSz cx="12192000" cy="6858000"/>
   <p:notesSz cx="6858000" cy="9144000"/>
@@ -5575,8 +5577,8 @@
           </a:p>
         </p:txBody>
       </p:sp>
-      <mc:AlternateContent xmlns:mc="http://schemas.openxmlformats.org/markup-compatibility/2006">
-        <mc:Choice xmlns:a14="http://schemas.microsoft.com/office/drawing/2010/main" Requires="a14">
+      <mc:AlternateContent xmlns:mc="http://schemas.openxmlformats.org/markup-compatibility/2006" xmlns:a14="http://schemas.microsoft.com/office/drawing/2010/main">
+        <mc:Choice Requires="a14">
           <p:sp>
             <p:nvSpPr>
               <p:cNvPr id="3" name="Content Placeholder 2">
@@ -5854,7 +5856,7 @@
             </p:txBody>
           </p:sp>
         </mc:Choice>
-        <mc:Fallback>
+        <mc:Fallback xmlns="">
           <p:sp>
             <p:nvSpPr>
               <p:cNvPr id="3" name="Content Placeholder 2">
@@ -6052,8 +6054,8 @@
           </a:p>
         </p:txBody>
       </p:sp>
-      <mc:AlternateContent xmlns:mc="http://schemas.openxmlformats.org/markup-compatibility/2006">
-        <mc:Choice xmlns:a14="http://schemas.microsoft.com/office/drawing/2010/main" Requires="a14">
+      <mc:AlternateContent xmlns:mc="http://schemas.openxmlformats.org/markup-compatibility/2006" xmlns:a14="http://schemas.microsoft.com/office/drawing/2010/main">
+        <mc:Choice Requires="a14">
           <p:sp>
             <p:nvSpPr>
               <p:cNvPr id="3" name="Content Placeholder 2">
@@ -6136,7 +6138,7 @@
             </p:txBody>
           </p:sp>
         </mc:Choice>
-        <mc:Fallback>
+        <mc:Fallback xmlns="">
           <p:sp>
             <p:nvSpPr>
               <p:cNvPr id="3" name="Content Placeholder 2">
@@ -8861,6 +8863,245 @@
 </p:sld>
 </file>
 
+<file path=ppt/slides/slide26.xml><?xml version="1.0" encoding="utf-8"?>
+<p:sld xmlns:a="http://schemas.openxmlformats.org/drawingml/2006/main" xmlns:r="http://schemas.openxmlformats.org/officeDocument/2006/relationships" xmlns:p="http://schemas.openxmlformats.org/presentationml/2006/main">
+  <p:cSld>
+    <p:spTree>
+      <p:nvGrpSpPr>
+        <p:cNvPr id="1" name=""/>
+        <p:cNvGrpSpPr/>
+        <p:nvPr/>
+      </p:nvGrpSpPr>
+      <p:grpSpPr>
+        <a:xfrm>
+          <a:off x="0" y="0"/>
+          <a:ext cx="0" cy="0"/>
+          <a:chOff x="0" y="0"/>
+          <a:chExt cx="0" cy="0"/>
+        </a:xfrm>
+      </p:grpSpPr>
+      <p:sp>
+        <p:nvSpPr>
+          <p:cNvPr id="2" name="Title 1">
+            <a:extLst>
+              <a:ext uri="{FF2B5EF4-FFF2-40B4-BE49-F238E27FC236}">
+                <a16:creationId xmlns:a16="http://schemas.microsoft.com/office/drawing/2014/main" id="{5272E10E-525F-42F7-F943-C6C1FF1B7CC1}"/>
+              </a:ext>
+            </a:extLst>
+          </p:cNvPr>
+          <p:cNvSpPr>
+            <a:spLocks noGrp="1"/>
+          </p:cNvSpPr>
+          <p:nvPr>
+            <p:ph type="title"/>
+          </p:nvPr>
+        </p:nvSpPr>
+        <p:spPr/>
+        <p:txBody>
+          <a:bodyPr/>
+          <a:lstStyle/>
+          <a:p>
+            <a:r>
+              <a:rPr lang="en-US" dirty="0"/>
+              <a:t>Next class</a:t>
+            </a:r>
+          </a:p>
+        </p:txBody>
+      </p:sp>
+      <p:sp>
+        <p:nvSpPr>
+          <p:cNvPr id="3" name="Content Placeholder 2">
+            <a:extLst>
+              <a:ext uri="{FF2B5EF4-FFF2-40B4-BE49-F238E27FC236}">
+                <a16:creationId xmlns:a16="http://schemas.microsoft.com/office/drawing/2014/main" id="{545CE5A4-43C6-FD2C-8481-C5B76C090569}"/>
+              </a:ext>
+            </a:extLst>
+          </p:cNvPr>
+          <p:cNvSpPr>
+            <a:spLocks noGrp="1"/>
+          </p:cNvSpPr>
+          <p:nvPr>
+            <p:ph idx="1"/>
+          </p:nvPr>
+        </p:nvSpPr>
+        <p:spPr/>
+        <p:txBody>
+          <a:bodyPr/>
+          <a:lstStyle/>
+          <a:p>
+            <a:r>
+              <a:rPr lang="en-US" dirty="0"/>
+              <a:t>Run through </a:t>
+            </a:r>
+            <a:r>
+              <a:rPr lang="en-US" dirty="0">
+                <a:latin typeface="Courier New" panose="02070309020205020404" pitchFamily="49" charset="0"/>
+                <a:cs typeface="Courier New" panose="02070309020205020404" pitchFamily="49" charset="0"/>
+              </a:rPr>
+              <a:t>D4C3_code.ipynb</a:t>
+            </a:r>
+          </a:p>
+        </p:txBody>
+      </p:sp>
+    </p:spTree>
+    <p:extLst>
+      <p:ext uri="{BB962C8B-B14F-4D97-AF65-F5344CB8AC3E}">
+        <p14:creationId xmlns:p14="http://schemas.microsoft.com/office/powerpoint/2010/main" val="306141301"/>
+      </p:ext>
+    </p:extLst>
+  </p:cSld>
+  <p:clrMapOvr>
+    <a:masterClrMapping/>
+  </p:clrMapOvr>
+</p:sld>
+</file>
+
+<file path=ppt/slides/slide27.xml><?xml version="1.0" encoding="utf-8"?>
+<p:sld xmlns:a="http://schemas.openxmlformats.org/drawingml/2006/main" xmlns:r="http://schemas.openxmlformats.org/officeDocument/2006/relationships" xmlns:p="http://schemas.openxmlformats.org/presentationml/2006/main">
+  <p:cSld>
+    <p:spTree>
+      <p:nvGrpSpPr>
+        <p:cNvPr id="1" name="">
+          <a:extLst>
+            <a:ext uri="{FF2B5EF4-FFF2-40B4-BE49-F238E27FC236}">
+              <a16:creationId xmlns:a16="http://schemas.microsoft.com/office/drawing/2014/main" id="{6F2D8B16-F77C-4502-E883-947833A5B714}"/>
+            </a:ext>
+          </a:extLst>
+        </p:cNvPr>
+        <p:cNvGrpSpPr/>
+        <p:nvPr/>
+      </p:nvGrpSpPr>
+      <p:grpSpPr>
+        <a:xfrm>
+          <a:off x="0" y="0"/>
+          <a:ext cx="0" cy="0"/>
+          <a:chOff x="0" y="0"/>
+          <a:chExt cx="0" cy="0"/>
+        </a:xfrm>
+      </p:grpSpPr>
+      <p:sp>
+        <p:nvSpPr>
+          <p:cNvPr id="5" name="Title 4">
+            <a:extLst>
+              <a:ext uri="{FF2B5EF4-FFF2-40B4-BE49-F238E27FC236}">
+                <a16:creationId xmlns:a16="http://schemas.microsoft.com/office/drawing/2014/main" id="{2D12BE41-29B7-DB52-F8D4-2A9E213272D8}"/>
+              </a:ext>
+            </a:extLst>
+          </p:cNvPr>
+          <p:cNvSpPr>
+            <a:spLocks noGrp="1"/>
+          </p:cNvSpPr>
+          <p:nvPr>
+            <p:ph type="title"/>
+          </p:nvPr>
+        </p:nvSpPr>
+        <p:spPr/>
+        <p:txBody>
+          <a:bodyPr/>
+          <a:lstStyle/>
+          <a:p>
+            <a:r>
+              <a:rPr lang="en-US" dirty="0"/>
+              <a:t>Afternoon session instructions</a:t>
+            </a:r>
+          </a:p>
+        </p:txBody>
+      </p:sp>
+      <p:sp>
+        <p:nvSpPr>
+          <p:cNvPr id="6" name="Content Placeholder 5">
+            <a:extLst>
+              <a:ext uri="{FF2B5EF4-FFF2-40B4-BE49-F238E27FC236}">
+                <a16:creationId xmlns:a16="http://schemas.microsoft.com/office/drawing/2014/main" id="{91C75756-92C0-C376-0050-04C81344C3D7}"/>
+              </a:ext>
+            </a:extLst>
+          </p:cNvPr>
+          <p:cNvSpPr>
+            <a:spLocks noGrp="1"/>
+          </p:cNvSpPr>
+          <p:nvPr>
+            <p:ph idx="1"/>
+          </p:nvPr>
+        </p:nvSpPr>
+        <p:spPr>
+          <a:xfrm>
+            <a:off x="838200" y="2306351"/>
+            <a:ext cx="5257800" cy="3668564"/>
+          </a:xfrm>
+        </p:spPr>
+        <p:txBody>
+          <a:bodyPr>
+            <a:normAutofit lnSpcReduction="10000"/>
+          </a:bodyPr>
+          <a:lstStyle/>
+          <a:p>
+            <a:pPr marL="514350" indent="-514350">
+              <a:buFont typeface="+mj-lt"/>
+              <a:buAutoNum type="arabicPeriod"/>
+            </a:pPr>
+            <a:r>
+              <a:rPr lang="en-US" dirty="0"/>
+              <a:t>(Download the ERA5 1 degree data set from XXX)</a:t>
+            </a:r>
+            <a:endParaRPr lang="en-US" dirty="0">
+              <a:solidFill>
+                <a:srgbClr val="00959F"/>
+              </a:solidFill>
+            </a:endParaRPr>
+          </a:p>
+          <a:p>
+            <a:pPr marL="514350" indent="-514350">
+              <a:buFont typeface="+mj-lt"/>
+              <a:buAutoNum type="arabicPeriod"/>
+            </a:pPr>
+            <a:r>
+              <a:rPr lang="en-US" dirty="0"/>
+              <a:t>Get an LLM to help you write a graph attention network to predict multiple variables across multiple slides</a:t>
+            </a:r>
+          </a:p>
+          <a:p>
+            <a:pPr marL="514350" indent="-514350">
+              <a:buFont typeface="+mj-lt"/>
+              <a:buAutoNum type="arabicPeriod"/>
+            </a:pPr>
+            <a:r>
+              <a:rPr lang="en-US" dirty="0"/>
+              <a:t>Stay small!</a:t>
+            </a:r>
+          </a:p>
+          <a:p>
+            <a:pPr marL="514350" indent="-514350">
+              <a:buFont typeface="+mj-lt"/>
+              <a:buAutoNum type="arabicPeriod"/>
+            </a:pPr>
+            <a:r>
+              <a:rPr lang="en-US" dirty="0"/>
+              <a:t>Present your </a:t>
+            </a:r>
+            <a:r>
+              <a:rPr lang="en-US" dirty="0" err="1"/>
+              <a:t>ipynb</a:t>
+            </a:r>
+            <a:r>
+              <a:rPr lang="en-US" dirty="0"/>
+              <a:t> file in 5 minutes</a:t>
+            </a:r>
+          </a:p>
+        </p:txBody>
+      </p:sp>
+    </p:spTree>
+    <p:extLst>
+      <p:ext uri="{BB962C8B-B14F-4D97-AF65-F5344CB8AC3E}">
+        <p14:creationId xmlns:p14="http://schemas.microsoft.com/office/powerpoint/2010/main" val="4204619743"/>
+      </p:ext>
+    </p:extLst>
+  </p:cSld>
+  <p:clrMapOvr>
+    <a:masterClrMapping/>
+  </p:clrMapOvr>
+</p:sld>
+</file>
+
 <file path=ppt/slides/slide3.xml><?xml version="1.0" encoding="utf-8"?>
 <p:sld xmlns:a="http://schemas.openxmlformats.org/drawingml/2006/main" xmlns:r="http://schemas.openxmlformats.org/officeDocument/2006/relationships" xmlns:p="http://schemas.openxmlformats.org/presentationml/2006/main">
   <p:cSld>
@@ -9214,8 +9455,8 @@
           </a:p>
         </p:txBody>
       </p:sp>
-      <mc:AlternateContent xmlns:mc="http://schemas.openxmlformats.org/markup-compatibility/2006">
-        <mc:Choice xmlns:a14="http://schemas.microsoft.com/office/drawing/2010/main" Requires="a14">
+      <mc:AlternateContent xmlns:mc="http://schemas.openxmlformats.org/markup-compatibility/2006" xmlns:a14="http://schemas.microsoft.com/office/drawing/2010/main">
+        <mc:Choice Requires="a14">
           <p:graphicFrame>
             <p:nvGraphicFramePr>
               <p:cNvPr id="4" name="Table 0">
@@ -9676,6 +9917,7 @@
                               </m:oMath>
                             </m:oMathPara>
                           </a14:m>
+                          <a:endParaRPr/>
                         </a:p>
                       </a:txBody>
                       <a:tcPr marL="121920" marR="121920" marT="60960" marB="60960">
@@ -10002,6 +10244,7 @@
                               </m:oMath>
                             </m:oMathPara>
                           </a14:m>
+                          <a:endParaRPr/>
                         </a:p>
                       </a:txBody>
                       <a:tcPr marL="121920" marR="121920" marT="60960" marB="60960">
@@ -10374,6 +10617,7 @@
                               </m:oMath>
                             </m:oMathPara>
                           </a14:m>
+                          <a:endParaRPr/>
                         </a:p>
                       </a:txBody>
                       <a:tcPr marL="121920" marR="121920" marT="60960" marB="60960">
@@ -10490,7 +10734,7 @@
             </a:graphic>
           </p:graphicFrame>
         </mc:Choice>
-        <mc:Fallback>
+        <mc:Fallback xmlns="">
           <p:graphicFrame>
             <p:nvGraphicFramePr>
               <p:cNvPr id="4" name="Table 0">
@@ -11342,8 +11586,8 @@
           </a:p>
         </p:txBody>
       </p:sp>
-      <mc:AlternateContent xmlns:mc="http://schemas.openxmlformats.org/markup-compatibility/2006">
-        <mc:Choice xmlns:a14="http://schemas.microsoft.com/office/drawing/2010/main" Requires="a14">
+      <mc:AlternateContent xmlns:mc="http://schemas.openxmlformats.org/markup-compatibility/2006" xmlns:a14="http://schemas.microsoft.com/office/drawing/2010/main">
+        <mc:Choice Requires="a14">
           <p:sp>
             <p:nvSpPr>
               <p:cNvPr id="3" name="Content Placeholder 2">
@@ -11568,7 +11812,7 @@
             </p:txBody>
           </p:sp>
         </mc:Choice>
-        <mc:Fallback>
+        <mc:Fallback xmlns="">
           <p:sp>
             <p:nvSpPr>
               <p:cNvPr id="3" name="Content Placeholder 2">
@@ -11698,8 +11942,8 @@
           </a:p>
         </p:txBody>
       </p:sp>
-      <mc:AlternateContent xmlns:mc="http://schemas.openxmlformats.org/markup-compatibility/2006">
-        <mc:Choice xmlns:a14="http://schemas.microsoft.com/office/drawing/2010/main" Requires="a14">
+      <mc:AlternateContent xmlns:mc="http://schemas.openxmlformats.org/markup-compatibility/2006" xmlns:a14="http://schemas.microsoft.com/office/drawing/2010/main">
+        <mc:Choice Requires="a14">
           <p:sp>
             <p:nvSpPr>
               <p:cNvPr id="3" name="Content Placeholder 2">
@@ -11908,7 +12152,7 @@
             </p:txBody>
           </p:sp>
         </mc:Choice>
-        <mc:Fallback>
+        <mc:Fallback xmlns="">
           <p:sp>
             <p:nvSpPr>
               <p:cNvPr id="3" name="Content Placeholder 2">
@@ -11952,8 +12196,8 @@
           </p:sp>
         </mc:Fallback>
       </mc:AlternateContent>
-      <mc:AlternateContent xmlns:mc="http://schemas.openxmlformats.org/markup-compatibility/2006">
-        <mc:Choice xmlns:a14="http://schemas.microsoft.com/office/drawing/2010/main" Requires="a14">
+      <mc:AlternateContent xmlns:mc="http://schemas.openxmlformats.org/markup-compatibility/2006" xmlns:a14="http://schemas.microsoft.com/office/drawing/2010/main">
+        <mc:Choice Requires="a14">
           <p:graphicFrame>
             <p:nvGraphicFramePr>
               <p:cNvPr id="4" name="Table 0">
@@ -12553,7 +12797,7 @@
             </a:graphic>
           </p:graphicFrame>
         </mc:Choice>
-        <mc:Fallback>
+        <mc:Fallback xmlns="">
           <p:graphicFrame>
             <p:nvGraphicFramePr>
               <p:cNvPr id="4" name="Table 0">
@@ -13146,8 +13390,8 @@
           </a:p>
         </p:txBody>
       </p:sp>
-      <mc:AlternateContent xmlns:mc="http://schemas.openxmlformats.org/markup-compatibility/2006">
-        <mc:Choice xmlns:a14="http://schemas.microsoft.com/office/drawing/2010/main" Requires="a14">
+      <mc:AlternateContent xmlns:mc="http://schemas.openxmlformats.org/markup-compatibility/2006" xmlns:a14="http://schemas.microsoft.com/office/drawing/2010/main">
+        <mc:Choice Requires="a14">
           <p:sp>
             <p:nvSpPr>
               <p:cNvPr id="3" name="Content Placeholder 2">
@@ -13468,7 +13712,7 @@
             </p:txBody>
           </p:sp>
         </mc:Choice>
-        <mc:Fallback>
+        <mc:Fallback xmlns="">
           <p:sp>
             <p:nvSpPr>
               <p:cNvPr id="3" name="Content Placeholder 2">

--- a/slides/day 4/D4C2_ProbNNs.pptx
+++ b/slides/day 4/D4C2_ProbNNs.pptx
@@ -4949,8 +4949,8 @@
           </a:p>
         </p:txBody>
       </p:sp>
-      <mc:AlternateContent xmlns:mc="http://schemas.openxmlformats.org/markup-compatibility/2006">
-        <mc:Choice xmlns:a14="http://schemas.microsoft.com/office/drawing/2010/main" Requires="a14">
+      <mc:AlternateContent xmlns:mc="http://schemas.openxmlformats.org/markup-compatibility/2006" xmlns:a14="http://schemas.microsoft.com/office/drawing/2010/main">
+        <mc:Choice Requires="a14">
           <p:sp>
             <p:nvSpPr>
               <p:cNvPr id="3" name="Content Placeholder 2">
@@ -5028,7 +5028,7 @@
             </p:txBody>
           </p:sp>
         </mc:Choice>
-        <mc:Fallback>
+        <mc:Fallback xmlns="">
           <p:sp>
             <p:nvSpPr>
               <p:cNvPr id="3" name="Content Placeholder 2">
@@ -6419,8 +6419,8 @@
           </a:p>
         </p:txBody>
       </p:sp>
-      <mc:AlternateContent xmlns:mc="http://schemas.openxmlformats.org/markup-compatibility/2006">
-        <mc:Choice xmlns:a14="http://schemas.microsoft.com/office/drawing/2010/main" Requires="a14">
+      <mc:AlternateContent xmlns:mc="http://schemas.openxmlformats.org/markup-compatibility/2006" xmlns:a14="http://schemas.microsoft.com/office/drawing/2010/main">
+        <mc:Choice Requires="a14">
           <p:sp>
             <p:nvSpPr>
               <p:cNvPr id="3" name="Content Placeholder 2">
@@ -6455,22 +6455,30 @@
                 <a14:m>
                   <m:oMath xmlns:m="http://schemas.openxmlformats.org/officeDocument/2006/math">
                     <m:r>
-                      <a:rPr lang="en-IE" i="1"/>
+                      <a:rPr lang="en-IE" i="1">
+                        <a:latin typeface="Cambria Math" panose="02040503050406030204" pitchFamily="18" charset="0"/>
+                      </a:rPr>
                       <m:t>𝑢</m:t>
                     </m:r>
                     <m:r>
-                      <a:rPr lang="en-IE"/>
+                      <a:rPr lang="en-IE">
+                        <a:latin typeface="Cambria Math" panose="02040503050406030204" pitchFamily="18" charset="0"/>
+                      </a:rPr>
                       <m:t>=</m:t>
                     </m:r>
                     <m:sSub>
                       <m:sSubPr>
                         <m:ctrlPr>
-                          <a:rPr lang="ar-AE" i="1"/>
+                          <a:rPr lang="ar-AE" i="1">
+                            <a:latin typeface="Cambria Math" panose="02040503050406030204" pitchFamily="18" charset="0"/>
+                          </a:rPr>
                         </m:ctrlPr>
                       </m:sSubPr>
                       <m:e>
                         <m:r>
-                          <a:rPr lang="ar-AE" i="1"/>
+                          <a:rPr lang="ar-AE" i="1">
+                            <a:latin typeface="Cambria Math" panose="02040503050406030204" pitchFamily="18" charset="0"/>
+                          </a:rPr>
                           <m:t>𝐹</m:t>
                         </m:r>
                       </m:e>
@@ -6487,12 +6495,16 @@
                     <m:d>
                       <m:dPr>
                         <m:ctrlPr>
-                          <a:rPr lang="ar-AE" i="1"/>
+                          <a:rPr lang="ar-AE" i="1">
+                            <a:latin typeface="Cambria Math" panose="02040503050406030204" pitchFamily="18" charset="0"/>
+                          </a:rPr>
                         </m:ctrlPr>
                       </m:dPr>
                       <m:e>
                         <m:r>
-                          <a:rPr lang="ar-AE" i="1"/>
+                          <a:rPr lang="ar-AE" i="1">
+                            <a:latin typeface="Cambria Math" panose="02040503050406030204" pitchFamily="18" charset="0"/>
+                          </a:rPr>
                           <m:t>𝑦</m:t>
                         </m:r>
                       </m:e>
@@ -6510,11 +6522,15 @@
                 <a14:m>
                   <m:oMath xmlns:m="http://schemas.openxmlformats.org/officeDocument/2006/math">
                     <m:r>
-                      <a:rPr lang="en-IE" i="1"/>
+                      <a:rPr lang="en-IE" i="1">
+                        <a:latin typeface="Cambria Math" panose="02040503050406030204" pitchFamily="18" charset="0"/>
+                      </a:rPr>
                       <m:t>𝑢</m:t>
                     </m:r>
                     <m:r>
-                      <a:rPr lang="en-IE"/>
+                      <a:rPr lang="en-IE">
+                        <a:latin typeface="Cambria Math" panose="02040503050406030204" pitchFamily="18" charset="0"/>
+                      </a:rPr>
                       <m:t>∼</m:t>
                     </m:r>
                     <m:r>
@@ -6624,7 +6640,7 @@
             </p:txBody>
           </p:sp>
         </mc:Choice>
-        <mc:Fallback>
+        <mc:Fallback xmlns="">
           <p:sp>
             <p:nvSpPr>
               <p:cNvPr id="3" name="Content Placeholder 2">
@@ -7718,7 +7734,7 @@
         </p:spPr>
         <p:txBody>
           <a:bodyPr>
-            <a:normAutofit lnSpcReduction="10000"/>
+            <a:normAutofit fontScale="92500" lnSpcReduction="10000"/>
           </a:bodyPr>
           <a:lstStyle/>
           <a:p>
@@ -7737,6 +7753,12 @@
             <a:r>
               <a:rPr lang="en-US" dirty="0"/>
               <a:t>Transfer learning: Leverages pretrained models or neighboring regions to boost weather forecasts when e.g. station data are scarce.</a:t>
+            </a:r>
+          </a:p>
+          <a:p>
+            <a:r>
+              <a:rPr lang="en-US" dirty="0"/>
+              <a:t>Extremal NNs: Changing the loss function to match either univariate or (even better) multivariate extreme value models.</a:t>
             </a:r>
             <a:endParaRPr lang="en-IE" dirty="0"/>
           </a:p>
@@ -10552,8 +10574,8 @@
           </a:p>
         </p:txBody>
       </p:sp>
-      <mc:AlternateContent xmlns:mc="http://schemas.openxmlformats.org/markup-compatibility/2006">
-        <mc:Choice xmlns:a14="http://schemas.microsoft.com/office/drawing/2010/main" Requires="a14">
+      <mc:AlternateContent xmlns:mc="http://schemas.openxmlformats.org/markup-compatibility/2006" xmlns:a14="http://schemas.microsoft.com/office/drawing/2010/main">
+        <mc:Choice Requires="a14">
           <p:sp>
             <p:nvSpPr>
               <p:cNvPr id="3" name="Content Placeholder 2">
@@ -10796,7 +10818,7 @@
             </p:txBody>
           </p:sp>
         </mc:Choice>
-        <mc:Fallback>
+        <mc:Fallback xmlns="">
           <p:sp>
             <p:nvSpPr>
               <p:cNvPr id="3" name="Content Placeholder 2">
@@ -10955,8 +10977,8 @@
           </a:p>
         </p:txBody>
       </p:sp>
-      <mc:AlternateContent xmlns:mc="http://schemas.openxmlformats.org/markup-compatibility/2006">
-        <mc:Choice xmlns:a14="http://schemas.microsoft.com/office/drawing/2010/main" Requires="a14">
+      <mc:AlternateContent xmlns:mc="http://schemas.openxmlformats.org/markup-compatibility/2006" xmlns:a14="http://schemas.microsoft.com/office/drawing/2010/main">
+        <mc:Choice Requires="a14">
           <p:sp>
             <p:nvSpPr>
               <p:cNvPr id="3" name="Content Placeholder 2">
@@ -11194,7 +11216,7 @@
             </p:txBody>
           </p:sp>
         </mc:Choice>
-        <mc:Fallback>
+        <mc:Fallback xmlns="">
           <p:sp>
             <p:nvSpPr>
               <p:cNvPr id="3" name="Content Placeholder 2">
@@ -12461,8 +12483,8 @@
           </a:p>
         </p:txBody>
       </p:sp>
-      <mc:AlternateContent xmlns:mc="http://schemas.openxmlformats.org/markup-compatibility/2006">
-        <mc:Choice xmlns:a14="http://schemas.microsoft.com/office/drawing/2010/main" Requires="a14">
+      <mc:AlternateContent xmlns:mc="http://schemas.openxmlformats.org/markup-compatibility/2006" xmlns:a14="http://schemas.microsoft.com/office/drawing/2010/main">
+        <mc:Choice Requires="a14">
           <p:sp>
             <p:nvSpPr>
               <p:cNvPr id="3" name="Content Placeholder 2">
@@ -12737,7 +12759,7 @@
             </p:txBody>
           </p:sp>
         </mc:Choice>
-        <mc:Fallback>
+        <mc:Fallback xmlns="">
           <p:sp>
             <p:nvSpPr>
               <p:cNvPr id="3" name="Content Placeholder 2">
@@ -13073,8 +13095,8 @@
           </a:p>
         </p:txBody>
       </p:sp>
-      <mc:AlternateContent xmlns:mc="http://schemas.openxmlformats.org/markup-compatibility/2006">
-        <mc:Choice xmlns:a14="http://schemas.microsoft.com/office/drawing/2010/main" Requires="a14">
+      <mc:AlternateContent xmlns:mc="http://schemas.openxmlformats.org/markup-compatibility/2006" xmlns:a14="http://schemas.microsoft.com/office/drawing/2010/main">
+        <mc:Choice Requires="a14">
           <p:sp>
             <p:nvSpPr>
               <p:cNvPr id="3" name="Content Placeholder 2">
@@ -13362,7 +13384,7 @@
             </p:txBody>
           </p:sp>
         </mc:Choice>
-        <mc:Fallback>
+        <mc:Fallback xmlns="">
           <p:sp>
             <p:nvSpPr>
               <p:cNvPr id="3" name="Content Placeholder 2">

--- a/slides/day 4/D4C2_ProbNNs.pptx
+++ b/slides/day 4/D4C2_ProbNNs.pptx
@@ -12,10 +12,10 @@
     <p:sldId id="363" r:id="rId3"/>
     <p:sldId id="366" r:id="rId4"/>
     <p:sldId id="367" r:id="rId5"/>
-    <p:sldId id="368" r:id="rId6"/>
-    <p:sldId id="369" r:id="rId7"/>
-    <p:sldId id="370" r:id="rId8"/>
-    <p:sldId id="372" r:id="rId9"/>
+    <p:sldId id="372" r:id="rId6"/>
+    <p:sldId id="368" r:id="rId7"/>
+    <p:sldId id="369" r:id="rId8"/>
+    <p:sldId id="370" r:id="rId9"/>
     <p:sldId id="374" r:id="rId10"/>
     <p:sldId id="388" r:id="rId11"/>
     <p:sldId id="389" r:id="rId12"/>
@@ -140,7 +140,7 @@
 <file path=ppt/charts/chart1.xml><?xml version="1.0" encoding="utf-8"?>
 <c:chartSpace xmlns:c="http://schemas.openxmlformats.org/drawingml/2006/chart" xmlns:a="http://schemas.openxmlformats.org/drawingml/2006/main" xmlns:r="http://schemas.openxmlformats.org/officeDocument/2006/relationships" xmlns:c16r2="http://schemas.microsoft.com/office/drawing/2015/06/chart">
   <c:date1904 val="0"/>
-  <c:lang val="en-US"/>
+  <c:lang val="en-GB"/>
   <c:roundedCorners val="1"/>
   <mc:AlternateContent xmlns:mc="http://schemas.openxmlformats.org/markup-compatibility/2006">
     <mc:Choice xmlns:c14="http://schemas.microsoft.com/office/drawing/2007/8/2/chart" Requires="c14">
@@ -577,7 +577,9 @@
         <c:majorUnit val="0.2"/>
       </c:valAx>
       <c:spPr>
-        <a:noFill/>
+        <a:solidFill>
+          <a:schemeClr val="bg1"/>
+        </a:solidFill>
         <a:ln>
           <a:noFill/>
         </a:ln>
@@ -604,370 +606,7 @@
 <file path=ppt/charts/chart2.xml><?xml version="1.0" encoding="utf-8"?>
 <c:chartSpace xmlns:c="http://schemas.openxmlformats.org/drawingml/2006/chart" xmlns:a="http://schemas.openxmlformats.org/drawingml/2006/main" xmlns:r="http://schemas.openxmlformats.org/officeDocument/2006/relationships" xmlns:c16r2="http://schemas.microsoft.com/office/drawing/2015/06/chart">
   <c:date1904 val="0"/>
-  <c:lang val="en-US"/>
-  <c:roundedCorners val="1"/>
-  <mc:AlternateContent xmlns:mc="http://schemas.openxmlformats.org/markup-compatibility/2006">
-    <mc:Choice xmlns:c14="http://schemas.microsoft.com/office/drawing/2007/8/2/chart" Requires="c14">
-      <c14:style val="102"/>
-    </mc:Choice>
-    <mc:Fallback>
-      <c:style val="2"/>
-    </mc:Fallback>
-  </mc:AlternateContent>
-  <c:chart>
-    <c:autoTitleDeleted val="1"/>
-    <c:plotArea>
-      <c:layout/>
-      <c:barChart>
-        <c:barDir val="col"/>
-        <c:grouping val="clustered"/>
-        <c:varyColors val="0"/>
-        <c:ser>
-          <c:idx val="0"/>
-          <c:order val="0"/>
-          <c:tx>
-            <c:strRef>
-              <c:f>Sheet1!$B$1</c:f>
-              <c:strCache>
-                <c:ptCount val="1"/>
-                <c:pt idx="0">
-                  <c:v>p</c:v>
-                </c:pt>
-              </c:strCache>
-            </c:strRef>
-          </c:tx>
-          <c:spPr>
-            <a:solidFill>
-              <a:srgbClr val="3C6E71"/>
-            </a:solidFill>
-            <a:effectLst/>
-          </c:spPr>
-          <c:invertIfNegative val="0"/>
-          <c:cat>
-            <c:strRef>
-              <c:f>Sheet1!$A$2:$A$5</c:f>
-              <c:strCache>
-                <c:ptCount val="4"/>
-                <c:pt idx="0">
-                  <c:v>F1</c:v>
-                </c:pt>
-                <c:pt idx="1">
-                  <c:v>F2</c:v>
-                </c:pt>
-                <c:pt idx="2">
-                  <c:v>F3</c:v>
-                </c:pt>
-                <c:pt idx="3">
-                  <c:v>F4</c:v>
-                </c:pt>
-              </c:strCache>
-            </c:strRef>
-          </c:cat>
-          <c:val>
-            <c:numRef>
-              <c:f>Sheet1!$B$2:$B$5</c:f>
-              <c:numCache>
-                <c:formatCode>General</c:formatCode>
-                <c:ptCount val="4"/>
-                <c:pt idx="0">
-                  <c:v>0.2</c:v>
-                </c:pt>
-                <c:pt idx="1">
-                  <c:v>0.7</c:v>
-                </c:pt>
-                <c:pt idx="2">
-                  <c:v>0.4</c:v>
-                </c:pt>
-                <c:pt idx="3">
-                  <c:v>0.9</c:v>
-                </c:pt>
-              </c:numCache>
-            </c:numRef>
-          </c:val>
-          <c:extLst>
-            <c:ext xmlns:c16="http://schemas.microsoft.com/office/drawing/2014/chart" uri="{C3380CC4-5D6E-409C-BE32-E72D297353CC}">
-              <c16:uniqueId val="{00000000-B1DD-1C46-97E7-DB26E248550E}"/>
-            </c:ext>
-          </c:extLst>
-        </c:ser>
-        <c:ser>
-          <c:idx val="1"/>
-          <c:order val="1"/>
-          <c:tx>
-            <c:strRef>
-              <c:f>Sheet1!$C$1</c:f>
-              <c:strCache>
-                <c:ptCount val="1"/>
-                <c:pt idx="0">
-                  <c:v>y</c:v>
-                </c:pt>
-              </c:strCache>
-            </c:strRef>
-          </c:tx>
-          <c:spPr>
-            <a:solidFill>
-              <a:srgbClr val="0A2342"/>
-            </a:solidFill>
-            <a:effectLst/>
-          </c:spPr>
-          <c:invertIfNegative val="0"/>
-          <c:cat>
-            <c:strRef>
-              <c:f>Sheet1!$A$2:$A$5</c:f>
-              <c:strCache>
-                <c:ptCount val="4"/>
-                <c:pt idx="0">
-                  <c:v>F1</c:v>
-                </c:pt>
-                <c:pt idx="1">
-                  <c:v>F2</c:v>
-                </c:pt>
-                <c:pt idx="2">
-                  <c:v>F3</c:v>
-                </c:pt>
-                <c:pt idx="3">
-                  <c:v>F4</c:v>
-                </c:pt>
-              </c:strCache>
-            </c:strRef>
-          </c:cat>
-          <c:val>
-            <c:numRef>
-              <c:f>Sheet1!$C$2:$C$5</c:f>
-              <c:numCache>
-                <c:formatCode>General</c:formatCode>
-                <c:ptCount val="4"/>
-                <c:pt idx="0">
-                  <c:v>0</c:v>
-                </c:pt>
-                <c:pt idx="1">
-                  <c:v>1</c:v>
-                </c:pt>
-                <c:pt idx="2">
-                  <c:v>0</c:v>
-                </c:pt>
-                <c:pt idx="3">
-                  <c:v>1</c:v>
-                </c:pt>
-              </c:numCache>
-            </c:numRef>
-          </c:val>
-          <c:extLst>
-            <c:ext xmlns:c16="http://schemas.microsoft.com/office/drawing/2014/chart" uri="{C3380CC4-5D6E-409C-BE32-E72D297353CC}">
-              <c16:uniqueId val="{00000001-B1DD-1C46-97E7-DB26E248550E}"/>
-            </c:ext>
-          </c:extLst>
-        </c:ser>
-        <c:ser>
-          <c:idx val="2"/>
-          <c:order val="2"/>
-          <c:tx>
-            <c:strRef>
-              <c:f>Sheet1!$D$1</c:f>
-              <c:strCache>
-                <c:ptCount val="1"/>
-                <c:pt idx="0">
-                  <c:v>Error (B)</c:v>
-                </c:pt>
-              </c:strCache>
-            </c:strRef>
-          </c:tx>
-          <c:spPr>
-            <a:solidFill>
-              <a:srgbClr val="284B63"/>
-            </a:solidFill>
-            <a:effectLst/>
-          </c:spPr>
-          <c:invertIfNegative val="0"/>
-          <c:cat>
-            <c:strRef>
-              <c:f>Sheet1!$A$2:$A$5</c:f>
-              <c:strCache>
-                <c:ptCount val="4"/>
-                <c:pt idx="0">
-                  <c:v>F1</c:v>
-                </c:pt>
-                <c:pt idx="1">
-                  <c:v>F2</c:v>
-                </c:pt>
-                <c:pt idx="2">
-                  <c:v>F3</c:v>
-                </c:pt>
-                <c:pt idx="3">
-                  <c:v>F4</c:v>
-                </c:pt>
-              </c:strCache>
-            </c:strRef>
-          </c:cat>
-          <c:val>
-            <c:numRef>
-              <c:f>Sheet1!$D$2:$D$5</c:f>
-              <c:numCache>
-                <c:formatCode>General</c:formatCode>
-                <c:ptCount val="4"/>
-                <c:pt idx="0">
-                  <c:v>7.9999999999999988E-2</c:v>
-                </c:pt>
-                <c:pt idx="1">
-                  <c:v>0.18000000000000005</c:v>
-                </c:pt>
-                <c:pt idx="2">
-                  <c:v>0.32000000000000006</c:v>
-                </c:pt>
-                <c:pt idx="3">
-                  <c:v>1.999999999999999E-2</c:v>
-                </c:pt>
-              </c:numCache>
-            </c:numRef>
-          </c:val>
-          <c:extLst>
-            <c:ext xmlns:c16="http://schemas.microsoft.com/office/drawing/2014/chart" uri="{C3380CC4-5D6E-409C-BE32-E72D297353CC}">
-              <c16:uniqueId val="{00000002-B1DD-1C46-97E7-DB26E248550E}"/>
-            </c:ext>
-          </c:extLst>
-        </c:ser>
-        <c:dLbls>
-          <c:showLegendKey val="0"/>
-          <c:showVal val="0"/>
-          <c:showCatName val="0"/>
-          <c:showSerName val="0"/>
-          <c:showPercent val="0"/>
-          <c:showBubbleSize val="0"/>
-        </c:dLbls>
-        <c:gapWidth val="150"/>
-        <c:axId val="2094734554"/>
-        <c:axId val="2094734552"/>
-      </c:barChart>
-      <c:catAx>
-        <c:axId val="2094734554"/>
-        <c:scaling>
-          <c:orientation val="minMax"/>
-        </c:scaling>
-        <c:delete val="0"/>
-        <c:axPos val="b"/>
-        <c:numFmt formatCode="General" sourceLinked="1"/>
-        <c:majorTickMark val="out"/>
-        <c:minorTickMark val="none"/>
-        <c:tickLblPos val="low"/>
-        <c:spPr>
-          <a:ln w="12700" cap="flat">
-            <a:solidFill>
-              <a:srgbClr val="888888"/>
-            </a:solidFill>
-            <a:prstDash val="solid"/>
-            <a:round/>
-          </a:ln>
-        </c:spPr>
-        <c:txPr>
-          <a:bodyPr/>
-          <a:lstStyle/>
-          <a:p>
-            <a:pPr>
-              <a:defRPr sz="1200" b="0" i="0" u="none" strike="noStrike">
-                <a:solidFill>
-                  <a:srgbClr val="000000"/>
-                </a:solidFill>
-                <a:latin typeface="Arial"/>
-              </a:defRPr>
-            </a:pPr>
-            <a:endParaRPr lang="en-US"/>
-          </a:p>
-        </c:txPr>
-        <c:crossAx val="2094734552"/>
-        <c:crosses val="autoZero"/>
-        <c:auto val="1"/>
-        <c:lblAlgn val="ctr"/>
-        <c:lblOffset val="100"/>
-        <c:noMultiLvlLbl val="1"/>
-      </c:catAx>
-      <c:valAx>
-        <c:axId val="2094734552"/>
-        <c:scaling>
-          <c:orientation val="minMax"/>
-          <c:max val="1.5"/>
-          <c:min val="0"/>
-        </c:scaling>
-        <c:delete val="0"/>
-        <c:axPos val="l"/>
-        <c:majorGridlines>
-          <c:spPr>
-            <a:ln w="12700" cap="flat">
-              <a:solidFill>
-                <a:srgbClr val="888888"/>
-              </a:solidFill>
-              <a:prstDash val="solid"/>
-              <a:round/>
-            </a:ln>
-          </c:spPr>
-        </c:majorGridlines>
-        <c:numFmt formatCode="General" sourceLinked="0"/>
-        <c:majorTickMark val="out"/>
-        <c:minorTickMark val="none"/>
-        <c:tickLblPos val="nextTo"/>
-        <c:spPr>
-          <a:ln w="12700" cap="flat">
-            <a:solidFill>
-              <a:srgbClr val="888888"/>
-            </a:solidFill>
-            <a:prstDash val="solid"/>
-            <a:round/>
-          </a:ln>
-        </c:spPr>
-        <c:txPr>
-          <a:bodyPr/>
-          <a:lstStyle/>
-          <a:p>
-            <a:pPr>
-              <a:defRPr sz="1200" b="0" i="0" u="none" strike="noStrike">
-                <a:solidFill>
-                  <a:srgbClr val="000000"/>
-                </a:solidFill>
-                <a:latin typeface="Arial"/>
-              </a:defRPr>
-            </a:pPr>
-            <a:endParaRPr lang="en-US"/>
-          </a:p>
-        </c:txPr>
-        <c:crossAx val="2094734554"/>
-        <c:crosses val="autoZero"/>
-        <c:crossBetween val="between"/>
-        <c:majorUnit val="0.5"/>
-      </c:valAx>
-      <c:spPr>
-        <a:noFill/>
-        <a:ln>
-          <a:noFill/>
-        </a:ln>
-        <a:effectLst/>
-      </c:spPr>
-    </c:plotArea>
-    <c:legend>
-      <c:legendPos val="b"/>
-      <c:overlay val="0"/>
-    </c:legend>
-    <c:plotVisOnly val="1"/>
-    <c:dispBlanksAs val="span"/>
-    <c:showDLblsOverMax val="1"/>
-  </c:chart>
-  <c:spPr>
-    <a:solidFill>
-      <a:schemeClr val="bg1"/>
-    </a:solidFill>
-    <a:ln>
-      <a:noFill/>
-    </a:ln>
-    <a:effectLst/>
-  </c:spPr>
-  <c:externalData r:id="rId1">
-    <c:autoUpdate val="0"/>
-  </c:externalData>
-</c:chartSpace>
-</file>
-
-<file path=ppt/charts/chart3.xml><?xml version="1.0" encoding="utf-8"?>
-<c:chartSpace xmlns:c="http://schemas.openxmlformats.org/drawingml/2006/chart" xmlns:a="http://schemas.openxmlformats.org/drawingml/2006/main" xmlns:r="http://schemas.openxmlformats.org/officeDocument/2006/relationships" xmlns:c16r2="http://schemas.microsoft.com/office/drawing/2015/06/chart">
-  <c:date1904 val="0"/>
-  <c:lang val="en-US"/>
+  <c:lang val="en-GB"/>
   <c:roundedCorners val="1"/>
   <mc:AlternateContent xmlns:mc="http://schemas.openxmlformats.org/markup-compatibility/2006">
     <mc:Choice xmlns:c14="http://schemas.microsoft.com/office/drawing/2007/8/2/chart" Requires="c14">
@@ -1378,10 +1017,10 @@
 </c:chartSpace>
 </file>
 
-<file path=ppt/charts/chart4.xml><?xml version="1.0" encoding="utf-8"?>
+<file path=ppt/charts/chart3.xml><?xml version="1.0" encoding="utf-8"?>
 <c:chartSpace xmlns:c="http://schemas.openxmlformats.org/drawingml/2006/chart" xmlns:a="http://schemas.openxmlformats.org/drawingml/2006/main" xmlns:r="http://schemas.openxmlformats.org/officeDocument/2006/relationships" xmlns:c16r2="http://schemas.microsoft.com/office/drawing/2015/06/chart">
   <c:date1904 val="0"/>
-  <c:lang val="en-US"/>
+  <c:lang val="en-GB"/>
   <c:roundedCorners val="1"/>
   <mc:AlternateContent xmlns:mc="http://schemas.openxmlformats.org/markup-compatibility/2006">
     <mc:Choice xmlns:c14="http://schemas.microsoft.com/office/drawing/2007/8/2/chart" Requires="c14">
@@ -1721,7 +1360,7 @@
           <a:p>
             <a:fld id="{FF5685EE-3D40-0A4E-BB88-46887330FC0A}" type="datetimeFigureOut">
               <a:rPr lang="en-US" smtClean="0"/>
-              <a:t>10/4/2025</a:t>
+              <a:t>10/8/25</a:t>
             </a:fld>
             <a:endParaRPr lang="en-US"/>
           </a:p>
@@ -2105,7 +1744,7 @@
           <a:p>
             <a:fld id="{D7043C3A-33ED-42EC-99E6-B5FE9049A83B}" type="datetime3">
               <a:rPr lang="en-IE" smtClean="0"/>
-              <a:t>4 October 2025</a:t>
+              <a:t>8 October 2025</a:t>
             </a:fld>
             <a:endParaRPr lang="en-US" dirty="0"/>
           </a:p>
@@ -2962,7 +2601,7 @@
           <a:p>
             <a:fld id="{A20550B1-742F-4033-AAB7-DC28BBBCACAB}" type="datetime3">
               <a:rPr lang="en-IE" smtClean="0"/>
-              <a:t>4 October 2025</a:t>
+              <a:t>8 October 2025</a:t>
             </a:fld>
             <a:endParaRPr lang="en-US" dirty="0"/>
           </a:p>
@@ -3239,7 +2878,7 @@
           <a:p>
             <a:fld id="{F1E91F8A-F806-4B78-A2A3-404C465D9606}" type="datetime3">
               <a:rPr lang="en-IE" smtClean="0"/>
-              <a:t>4 October 2025</a:t>
+              <a:t>8 October 2025</a:t>
             </a:fld>
             <a:endParaRPr lang="en-US" dirty="0"/>
           </a:p>
@@ -6419,8 +6058,8 @@
           </a:p>
         </p:txBody>
       </p:sp>
-      <mc:AlternateContent xmlns:mc="http://schemas.openxmlformats.org/markup-compatibility/2006" xmlns:a14="http://schemas.microsoft.com/office/drawing/2010/main">
-        <mc:Choice Requires="a14">
+      <mc:AlternateContent xmlns:mc="http://schemas.openxmlformats.org/markup-compatibility/2006">
+        <mc:Choice xmlns:a14="http://schemas.microsoft.com/office/drawing/2010/main" Requires="a14">
           <p:sp>
             <p:nvSpPr>
               <p:cNvPr id="3" name="Content Placeholder 2">
@@ -6445,12 +6084,8 @@
               <a:lstStyle/>
               <a:p>
                 <a:r>
-                  <a:rPr lang="en-IE" b="1" dirty="0"/>
-                  <a:t>What it is:</a:t>
-                </a:r>
-                <a:r>
                   <a:rPr lang="en-IE" dirty="0"/>
-                  <a:t> For each case compute </a:t>
+                  <a:t>For each case compute </a:t>
                 </a:r>
                 <a14:m>
                   <m:oMath xmlns:m="http://schemas.openxmlformats.org/officeDocument/2006/math">
@@ -6544,31 +6179,7 @@
                       <a:rPr lang="en-IE" b="0" i="1" smtClean="0">
                         <a:latin typeface="Cambria Math" panose="02040503050406030204" pitchFamily="18" charset="0"/>
                       </a:rPr>
-                      <m:t>(</m:t>
-                    </m:r>
-                    <m:r>
-                      <a:rPr lang="en-IE" b="0" i="1" smtClean="0">
-                        <a:latin typeface="Cambria Math" panose="02040503050406030204" pitchFamily="18" charset="0"/>
-                      </a:rPr>
-                      <m:t>0</m:t>
-                    </m:r>
-                    <m:r>
-                      <a:rPr lang="en-IE" b="0" i="1" smtClean="0">
-                        <a:latin typeface="Cambria Math" panose="02040503050406030204" pitchFamily="18" charset="0"/>
-                      </a:rPr>
-                      <m:t>,</m:t>
-                    </m:r>
-                    <m:r>
-                      <a:rPr lang="en-IE" b="0" i="1" smtClean="0">
-                        <a:latin typeface="Cambria Math" panose="02040503050406030204" pitchFamily="18" charset="0"/>
-                      </a:rPr>
-                      <m:t>1</m:t>
-                    </m:r>
-                    <m:r>
-                      <a:rPr lang="en-IE" b="0" i="1" smtClean="0">
-                        <a:latin typeface="Cambria Math" panose="02040503050406030204" pitchFamily="18" charset="0"/>
-                      </a:rPr>
-                      <m:t>)</m:t>
+                      <m:t>(0,1)</m:t>
                     </m:r>
                   </m:oMath>
                 </a14:m>
@@ -6583,8 +6194,8 @@
               </a:p>
               <a:p>
                 <a:r>
-                  <a:rPr lang="en-US" b="1" dirty="0"/>
-                  <a:t>How to read it:</a:t>
+                  <a:rPr lang="en-US" dirty="0"/>
+                  <a:t>Look for:</a:t>
                 </a:r>
               </a:p>
               <a:p>
@@ -6625,22 +6236,14 @@
               <a:p>
                 <a:r>
                   <a:rPr lang="en-US" dirty="0"/>
-                  <a:t>Checks </a:t>
-                </a:r>
-                <a:r>
-                  <a:rPr lang="en-US" b="1" dirty="0"/>
-                  <a:t>calibration across the full CDF</a:t>
-                </a:r>
-                <a:r>
-                  <a:rPr lang="en-US" dirty="0"/>
-                  <a:t>; complements single-number scores like CRPS/NLL.</a:t>
+                  <a:t>Checks calibration across the full CDF; complements single-number scores like CRPS/NLL.</a:t>
                 </a:r>
                 <a:endParaRPr lang="en-IE" dirty="0"/>
               </a:p>
             </p:txBody>
           </p:sp>
         </mc:Choice>
-        <mc:Fallback xmlns="">
+        <mc:Fallback>
           <p:sp>
             <p:nvSpPr>
               <p:cNvPr id="3" name="Content Placeholder 2">
@@ -6661,7 +6264,7 @@
               <a:blipFill>
                 <a:blip r:embed="rId2"/>
                 <a:stretch>
-                  <a:fillRect l="-1169" t="-2790" r="-292"/>
+                  <a:fillRect l="-1216" t="-2744" r="-912"/>
                 </a:stretch>
               </a:blipFill>
             </p:spPr>
@@ -6670,7 +6273,7 @@
               <a:lstStyle/>
               <a:p>
                 <a:r>
-                  <a:rPr lang="en-IE">
+                  <a:rPr lang="en-US">
                     <a:noFill/>
                   </a:rPr>
                   <a:t> </a:t>
@@ -7996,15 +7599,7 @@
             </a:pPr>
             <a:r>
               <a:rPr lang="en-US" dirty="0"/>
-              <a:t>Present your </a:t>
-            </a:r>
-            <a:r>
-              <a:rPr lang="en-US" dirty="0" err="1"/>
-              <a:t>ipynb</a:t>
-            </a:r>
-            <a:r>
-              <a:rPr lang="en-US" dirty="0"/>
-              <a:t> file in 5 minutes</a:t>
+              <a:t>Present your file in 5 minutes</a:t>
             </a:r>
           </a:p>
         </p:txBody>
@@ -8133,7 +7728,7 @@
           <p:nvPr>
             <p:extLst>
               <p:ext uri="{D42A27DB-BD31-4B8C-83A1-F6EECF244321}">
-                <p14:modId xmlns:p14="http://schemas.microsoft.com/office/powerpoint/2010/main" val="2574665423"/>
+                <p14:modId xmlns:p14="http://schemas.microsoft.com/office/powerpoint/2010/main" val="4209095247"/>
               </p:ext>
             </p:extLst>
           </p:nvPr>
@@ -8368,12 +7963,12 @@
         <p:spPr>
           <a:xfrm>
             <a:off x="838200" y="1825625"/>
-            <a:ext cx="5887065" cy="4149290"/>
+            <a:ext cx="8403236" cy="3036770"/>
           </a:xfrm>
         </p:spPr>
         <p:txBody>
           <a:bodyPr>
-            <a:normAutofit fontScale="92500" lnSpcReduction="20000"/>
+            <a:normAutofit fontScale="92500" lnSpcReduction="10000"/>
           </a:bodyPr>
           <a:lstStyle/>
           <a:p>
@@ -8414,2079 +8009,6 @@
           </a:p>
         </p:txBody>
       </p:sp>
-      <mc:AlternateContent xmlns:mc="http://schemas.openxmlformats.org/markup-compatibility/2006" xmlns:a14="http://schemas.microsoft.com/office/drawing/2010/main">
-        <mc:Choice Requires="a14">
-          <p:graphicFrame>
-            <p:nvGraphicFramePr>
-              <p:cNvPr id="4" name="Table 0">
-                <a:extLst>
-                  <a:ext uri="{FF2B5EF4-FFF2-40B4-BE49-F238E27FC236}">
-                    <a16:creationId xmlns:a16="http://schemas.microsoft.com/office/drawing/2014/main" id="{7A5CB185-D895-A603-E9F9-E8C77334F687}"/>
-                  </a:ext>
-                </a:extLst>
-              </p:cNvPr>
-              <p:cNvGraphicFramePr>
-                <a:graphicFrameLocks noGrp="1"/>
-              </p:cNvGraphicFramePr>
-              <p:nvPr>
-                <p:extLst>
-                  <p:ext uri="{D42A27DB-BD31-4B8C-83A1-F6EECF244321}">
-                    <p14:modId xmlns:p14="http://schemas.microsoft.com/office/powerpoint/2010/main" val="3064530314"/>
-                  </p:ext>
-                </p:extLst>
-              </p:nvPr>
-            </p:nvGraphicFramePr>
-            <p:xfrm>
-              <a:off x="7378618" y="1935480"/>
-              <a:ext cx="4267200" cy="2987040"/>
-            </p:xfrm>
-            <a:graphic>
-              <a:graphicData uri="http://schemas.openxmlformats.org/drawingml/2006/table">
-                <a:tbl>
-                  <a:tblPr/>
-                  <a:tblGrid>
-                    <a:gridCol w="769866">
-                      <a:extLst>
-                        <a:ext uri="{9D8B030D-6E8A-4147-A177-3AD203B41FA5}">
-                          <a16:colId xmlns:a16="http://schemas.microsoft.com/office/drawing/2014/main" val="20000"/>
-                        </a:ext>
-                      </a:extLst>
-                    </a:gridCol>
-                    <a:gridCol w="2278134">
-                      <a:extLst>
-                        <a:ext uri="{9D8B030D-6E8A-4147-A177-3AD203B41FA5}">
-                          <a16:colId xmlns:a16="http://schemas.microsoft.com/office/drawing/2014/main" val="20001"/>
-                        </a:ext>
-                      </a:extLst>
-                    </a:gridCol>
-                    <a:gridCol w="1219200">
-                      <a:extLst>
-                        <a:ext uri="{9D8B030D-6E8A-4147-A177-3AD203B41FA5}">
-                          <a16:colId xmlns:a16="http://schemas.microsoft.com/office/drawing/2014/main" val="20002"/>
-                        </a:ext>
-                      </a:extLst>
-                    </a:gridCol>
-                  </a:tblGrid>
-                  <a:tr h="426720">
-                    <a:tc>
-                      <a:txBody>
-                        <a:bodyPr/>
-                        <a:lstStyle/>
-                        <a:p>
-                          <a:pPr marL="0" indent="0">
-                            <a:buNone/>
-                          </a:pPr>
-                          <a:r>
-                            <a:rPr lang="en-US" sz="1200" b="1" dirty="0">
-                              <a:solidFill>
-                                <a:srgbClr val="000000"/>
-                              </a:solidFill>
-                            </a:rPr>
-                            <a:t>Rule</a:t>
-                          </a:r>
-                          <a:endParaRPr lang="en-US" sz="1200" dirty="0"/>
-                        </a:p>
-                      </a:txBody>
-                      <a:tcPr marL="121920" marR="121920" marT="60960" marB="60960">
-                        <a:lnL w="6350" cap="flat" cmpd="sng" algn="ctr">
-                          <a:solidFill>
-                            <a:srgbClr val="0A2342"/>
-                          </a:solidFill>
-                          <a:prstDash val="solid"/>
-                          <a:round/>
-                          <a:headEnd type="none" w="med" len="med"/>
-                          <a:tailEnd type="none" w="med" len="med"/>
-                        </a:lnL>
-                        <a:lnR w="6350" cap="flat" cmpd="sng" algn="ctr">
-                          <a:solidFill>
-                            <a:srgbClr val="0A2342"/>
-                          </a:solidFill>
-                          <a:prstDash val="solid"/>
-                          <a:round/>
-                          <a:headEnd type="none" w="med" len="med"/>
-                          <a:tailEnd type="none" w="med" len="med"/>
-                        </a:lnR>
-                        <a:lnT w="6350" cap="flat" cmpd="sng" algn="ctr">
-                          <a:solidFill>
-                            <a:srgbClr val="0A2342"/>
-                          </a:solidFill>
-                          <a:prstDash val="solid"/>
-                          <a:round/>
-                          <a:headEnd type="none" w="med" len="med"/>
-                          <a:tailEnd type="none" w="med" len="med"/>
-                        </a:lnT>
-                        <a:lnB w="6350" cap="flat" cmpd="sng" algn="ctr">
-                          <a:solidFill>
-                            <a:srgbClr val="0A2342"/>
-                          </a:solidFill>
-                          <a:prstDash val="solid"/>
-                          <a:round/>
-                          <a:headEnd type="none" w="med" len="med"/>
-                          <a:tailEnd type="none" w="med" len="med"/>
-                        </a:lnB>
-                        <a:solidFill>
-                          <a:schemeClr val="bg1"/>
-                        </a:solidFill>
-                      </a:tcPr>
-                    </a:tc>
-                    <a:tc>
-                      <a:txBody>
-                        <a:bodyPr/>
-                        <a:lstStyle/>
-                        <a:p>
-                          <a:pPr marL="0" indent="0">
-                            <a:buNone/>
-                          </a:pPr>
-                          <a:r>
-                            <a:rPr lang="en-US" sz="1200" b="1" dirty="0">
-                              <a:solidFill>
-                                <a:srgbClr val="000000"/>
-                              </a:solidFill>
-                            </a:rPr>
-                            <a:t>Definition</a:t>
-                          </a:r>
-                          <a:endParaRPr lang="en-US" sz="1200" dirty="0"/>
-                        </a:p>
-                      </a:txBody>
-                      <a:tcPr marL="121920" marR="121920" marT="60960" marB="60960">
-                        <a:lnL w="6350" cap="flat" cmpd="sng" algn="ctr">
-                          <a:solidFill>
-                            <a:srgbClr val="0A2342"/>
-                          </a:solidFill>
-                          <a:prstDash val="solid"/>
-                          <a:round/>
-                          <a:headEnd type="none" w="med" len="med"/>
-                          <a:tailEnd type="none" w="med" len="med"/>
-                        </a:lnL>
-                        <a:lnR w="6350" cap="flat" cmpd="sng" algn="ctr">
-                          <a:solidFill>
-                            <a:srgbClr val="0A2342"/>
-                          </a:solidFill>
-                          <a:prstDash val="solid"/>
-                          <a:round/>
-                          <a:headEnd type="none" w="med" len="med"/>
-                          <a:tailEnd type="none" w="med" len="med"/>
-                        </a:lnR>
-                        <a:lnT w="6350" cap="flat" cmpd="sng" algn="ctr">
-                          <a:solidFill>
-                            <a:srgbClr val="0A2342"/>
-                          </a:solidFill>
-                          <a:prstDash val="solid"/>
-                          <a:round/>
-                          <a:headEnd type="none" w="med" len="med"/>
-                          <a:tailEnd type="none" w="med" len="med"/>
-                        </a:lnT>
-                        <a:lnB w="6350" cap="flat" cmpd="sng" algn="ctr">
-                          <a:solidFill>
-                            <a:srgbClr val="0A2342"/>
-                          </a:solidFill>
-                          <a:prstDash val="solid"/>
-                          <a:round/>
-                          <a:headEnd type="none" w="med" len="med"/>
-                          <a:tailEnd type="none" w="med" len="med"/>
-                        </a:lnB>
-                        <a:solidFill>
-                          <a:schemeClr val="bg1"/>
-                        </a:solidFill>
-                      </a:tcPr>
-                    </a:tc>
-                    <a:tc>
-                      <a:txBody>
-                        <a:bodyPr/>
-                        <a:lstStyle/>
-                        <a:p>
-                          <a:pPr marL="0" indent="0">
-                            <a:buNone/>
-                          </a:pPr>
-                          <a:r>
-                            <a:rPr lang="en-US" sz="1200" b="1" dirty="0">
-                              <a:solidFill>
-                                <a:srgbClr val="000000"/>
-                              </a:solidFill>
-                            </a:rPr>
-                            <a:t>Properties</a:t>
-                          </a:r>
-                          <a:endParaRPr lang="en-US" sz="1200" dirty="0"/>
-                        </a:p>
-                      </a:txBody>
-                      <a:tcPr marL="121920" marR="121920" marT="60960" marB="60960">
-                        <a:lnL w="6350" cap="flat" cmpd="sng" algn="ctr">
-                          <a:solidFill>
-                            <a:srgbClr val="0A2342"/>
-                          </a:solidFill>
-                          <a:prstDash val="solid"/>
-                          <a:round/>
-                          <a:headEnd type="none" w="med" len="med"/>
-                          <a:tailEnd type="none" w="med" len="med"/>
-                        </a:lnL>
-                        <a:lnR w="6350" cap="flat" cmpd="sng" algn="ctr">
-                          <a:solidFill>
-                            <a:srgbClr val="0A2342"/>
-                          </a:solidFill>
-                          <a:prstDash val="solid"/>
-                          <a:round/>
-                          <a:headEnd type="none" w="med" len="med"/>
-                          <a:tailEnd type="none" w="med" len="med"/>
-                        </a:lnR>
-                        <a:lnT w="6350" cap="flat" cmpd="sng" algn="ctr">
-                          <a:solidFill>
-                            <a:srgbClr val="0A2342"/>
-                          </a:solidFill>
-                          <a:prstDash val="solid"/>
-                          <a:round/>
-                          <a:headEnd type="none" w="med" len="med"/>
-                          <a:tailEnd type="none" w="med" len="med"/>
-                        </a:lnT>
-                        <a:lnB w="6350" cap="flat" cmpd="sng" algn="ctr">
-                          <a:solidFill>
-                            <a:srgbClr val="0A2342"/>
-                          </a:solidFill>
-                          <a:prstDash val="solid"/>
-                          <a:round/>
-                          <a:headEnd type="none" w="med" len="med"/>
-                          <a:tailEnd type="none" w="med" len="med"/>
-                        </a:lnB>
-                        <a:solidFill>
-                          <a:schemeClr val="bg1"/>
-                        </a:solidFill>
-                      </a:tcPr>
-                    </a:tc>
-                    <a:extLst>
-                      <a:ext uri="{0D108BD9-81ED-4DB2-BD59-A6C34878D82A}">
-                        <a16:rowId xmlns:a16="http://schemas.microsoft.com/office/drawing/2014/main" val="10000"/>
-                      </a:ext>
-                    </a:extLst>
-                  </a:tr>
-                  <a:tr h="853440">
-                    <a:tc>
-                      <a:txBody>
-                        <a:bodyPr/>
-                        <a:lstStyle/>
-                        <a:p>
-                          <a:pPr marL="0" indent="0">
-                            <a:buNone/>
-                          </a:pPr>
-                          <a:r>
-                            <a:rPr lang="en-US" sz="1200" dirty="0">
-                              <a:solidFill>
-                                <a:srgbClr val="000000"/>
-                              </a:solidFill>
-                            </a:rPr>
-                            <a:t>Brier</a:t>
-                          </a:r>
-                          <a:endParaRPr lang="en-US" sz="1200" dirty="0"/>
-                        </a:p>
-                      </a:txBody>
-                      <a:tcPr marL="121920" marR="121920" marT="60960" marB="60960">
-                        <a:lnL w="6350" cap="flat" cmpd="sng" algn="ctr">
-                          <a:solidFill>
-                            <a:srgbClr val="0A2342"/>
-                          </a:solidFill>
-                          <a:prstDash val="solid"/>
-                          <a:round/>
-                          <a:headEnd type="none" w="med" len="med"/>
-                          <a:tailEnd type="none" w="med" len="med"/>
-                        </a:lnL>
-                        <a:lnR w="6350" cap="flat" cmpd="sng" algn="ctr">
-                          <a:solidFill>
-                            <a:srgbClr val="0A2342"/>
-                          </a:solidFill>
-                          <a:prstDash val="solid"/>
-                          <a:round/>
-                          <a:headEnd type="none" w="med" len="med"/>
-                          <a:tailEnd type="none" w="med" len="med"/>
-                        </a:lnR>
-                        <a:lnT w="6350" cap="flat" cmpd="sng" algn="ctr">
-                          <a:solidFill>
-                            <a:srgbClr val="0A2342"/>
-                          </a:solidFill>
-                          <a:prstDash val="solid"/>
-                          <a:round/>
-                          <a:headEnd type="none" w="med" len="med"/>
-                          <a:tailEnd type="none" w="med" len="med"/>
-                        </a:lnT>
-                        <a:lnB w="6350" cap="flat" cmpd="sng" algn="ctr">
-                          <a:solidFill>
-                            <a:srgbClr val="0A2342"/>
-                          </a:solidFill>
-                          <a:prstDash val="solid"/>
-                          <a:round/>
-                          <a:headEnd type="none" w="med" len="med"/>
-                          <a:tailEnd type="none" w="med" len="med"/>
-                        </a:lnB>
-                        <a:solidFill>
-                          <a:schemeClr val="bg1"/>
-                        </a:solidFill>
-                      </a:tcPr>
-                    </a:tc>
-                    <a:tc>
-                      <a:txBody>
-                        <a:bodyPr/>
-                        <a:lstStyle/>
-                        <a:p>
-                          <a:pPr marL="0" indent="0">
-                            <a:buNone/>
-                          </a:pPr>
-                          <a14:m>
-                            <m:oMathPara xmlns:m="http://schemas.openxmlformats.org/officeDocument/2006/math">
-                              <m:oMathParaPr>
-                                <m:jc m:val="centerGroup"/>
-                              </m:oMathParaPr>
-                              <m:oMath xmlns:m="http://schemas.openxmlformats.org/officeDocument/2006/math">
-                                <m:r>
-                                  <a:rPr lang="en-US" sz="1200" i="1" dirty="0" smtClean="0">
-                                    <a:solidFill>
-                                      <a:srgbClr val="000000"/>
-                                    </a:solidFill>
-                                    <a:latin typeface="Cambria Math" panose="02040503050406030204" pitchFamily="18" charset="0"/>
-                                  </a:rPr>
-                                  <m:t>𝐵</m:t>
-                                </m:r>
-                                <m:r>
-                                  <a:rPr lang="en-US" sz="1200" i="1" dirty="0" smtClean="0">
-                                    <a:solidFill>
-                                      <a:srgbClr val="000000"/>
-                                    </a:solidFill>
-                                    <a:latin typeface="Cambria Math" panose="02040503050406030204" pitchFamily="18" charset="0"/>
-                                  </a:rPr>
-                                  <m:t>(</m:t>
-                                </m:r>
-                                <m:r>
-                                  <a:rPr lang="en-US" sz="1200" i="1" dirty="0" smtClean="0">
-                                    <a:solidFill>
-                                      <a:srgbClr val="000000"/>
-                                    </a:solidFill>
-                                    <a:latin typeface="Cambria Math" panose="02040503050406030204" pitchFamily="18" charset="0"/>
-                                  </a:rPr>
-                                  <m:t>𝑟</m:t>
-                                </m:r>
-                                <m:r>
-                                  <a:rPr lang="en-US" sz="1200" i="1" dirty="0" smtClean="0">
-                                    <a:solidFill>
-                                      <a:srgbClr val="000000"/>
-                                    </a:solidFill>
-                                    <a:latin typeface="Cambria Math" panose="02040503050406030204" pitchFamily="18" charset="0"/>
-                                  </a:rPr>
-                                  <m:t>,</m:t>
-                                </m:r>
-                                <m:r>
-                                  <a:rPr lang="en-US" sz="1200" i="1" dirty="0" smtClean="0">
-                                    <a:solidFill>
-                                      <a:srgbClr val="000000"/>
-                                    </a:solidFill>
-                                    <a:latin typeface="Cambria Math" panose="02040503050406030204" pitchFamily="18" charset="0"/>
-                                  </a:rPr>
-                                  <m:t>𝑖</m:t>
-                                </m:r>
-                                <m:r>
-                                  <a:rPr lang="en-US" sz="1200" i="1" dirty="0" smtClean="0">
-                                    <a:solidFill>
-                                      <a:srgbClr val="000000"/>
-                                    </a:solidFill>
-                                    <a:latin typeface="Cambria Math" panose="02040503050406030204" pitchFamily="18" charset="0"/>
-                                  </a:rPr>
-                                  <m:t>)=∑(</m:t>
-                                </m:r>
-                                <m:sSub>
-                                  <m:sSubPr>
-                                    <m:ctrlPr>
-                                      <a:rPr lang="en-US" sz="1200" i="1" dirty="0" smtClean="0">
-                                        <a:solidFill>
-                                          <a:srgbClr val="000000"/>
-                                        </a:solidFill>
-                                        <a:latin typeface="Cambria Math" panose="02040503050406030204" pitchFamily="18" charset="0"/>
-                                      </a:rPr>
-                                    </m:ctrlPr>
-                                  </m:sSubPr>
-                                  <m:e>
-                                    <m:r>
-                                      <a:rPr lang="en-US" sz="1200" i="1" dirty="0" smtClean="0">
-                                        <a:solidFill>
-                                          <a:srgbClr val="000000"/>
-                                        </a:solidFill>
-                                        <a:latin typeface="Cambria Math" panose="02040503050406030204" pitchFamily="18" charset="0"/>
-                                      </a:rPr>
-                                      <m:t>𝑦</m:t>
-                                    </m:r>
-                                  </m:e>
-                                  <m:sub>
-                                    <m:r>
-                                      <a:rPr lang="en-US" sz="1200" i="1" dirty="0" smtClean="0">
-                                        <a:solidFill>
-                                          <a:srgbClr val="000000"/>
-                                        </a:solidFill>
-                                        <a:latin typeface="Cambria Math" panose="02040503050406030204" pitchFamily="18" charset="0"/>
-                                      </a:rPr>
-                                      <m:t>𝑗</m:t>
-                                    </m:r>
-                                  </m:sub>
-                                </m:sSub>
-                                <m:r>
-                                  <a:rPr lang="en-US" sz="1200" i="1" dirty="0" smtClean="0">
-                                    <a:solidFill>
-                                      <a:srgbClr val="000000"/>
-                                    </a:solidFill>
-                                    <a:latin typeface="Cambria Math" panose="02040503050406030204" pitchFamily="18" charset="0"/>
-                                  </a:rPr>
-                                  <m:t>−</m:t>
-                                </m:r>
-                                <m:sSub>
-                                  <m:sSubPr>
-                                    <m:ctrlPr>
-                                      <a:rPr lang="en-US" sz="1200" i="1" dirty="0" smtClean="0">
-                                        <a:solidFill>
-                                          <a:srgbClr val="000000"/>
-                                        </a:solidFill>
-                                        <a:latin typeface="Cambria Math" panose="02040503050406030204" pitchFamily="18" charset="0"/>
-                                      </a:rPr>
-                                    </m:ctrlPr>
-                                  </m:sSubPr>
-                                  <m:e>
-                                    <m:r>
-                                      <a:rPr lang="en-US" sz="1200" i="1" dirty="0" smtClean="0">
-                                        <a:solidFill>
-                                          <a:srgbClr val="000000"/>
-                                        </a:solidFill>
-                                        <a:latin typeface="Cambria Math" panose="02040503050406030204" pitchFamily="18" charset="0"/>
-                                      </a:rPr>
-                                      <m:t>𝑟</m:t>
-                                    </m:r>
-                                  </m:e>
-                                  <m:sub>
-                                    <m:r>
-                                      <a:rPr lang="en-US" sz="1200" i="1" dirty="0" smtClean="0">
-                                        <a:solidFill>
-                                          <a:srgbClr val="000000"/>
-                                        </a:solidFill>
-                                        <a:latin typeface="Cambria Math" panose="02040503050406030204" pitchFamily="18" charset="0"/>
-                                      </a:rPr>
-                                      <m:t>𝑗</m:t>
-                                    </m:r>
-                                  </m:sub>
-                                </m:sSub>
-                                <m:r>
-                                  <a:rPr lang="en-US" sz="1200" i="1" dirty="0" smtClean="0">
-                                    <a:solidFill>
-                                      <a:srgbClr val="000000"/>
-                                    </a:solidFill>
-                                    <a:latin typeface="Cambria Math" panose="02040503050406030204" pitchFamily="18" charset="0"/>
-                                  </a:rPr>
-                                  <m:t>)^2</m:t>
-                                </m:r>
-                              </m:oMath>
-                            </m:oMathPara>
-                          </a14:m>
-                          <a:endParaRPr/>
-                        </a:p>
-                      </a:txBody>
-                      <a:tcPr marL="121920" marR="121920" marT="60960" marB="60960">
-                        <a:lnL w="6350" cap="flat" cmpd="sng" algn="ctr">
-                          <a:solidFill>
-                            <a:srgbClr val="0A2342"/>
-                          </a:solidFill>
-                          <a:prstDash val="solid"/>
-                          <a:round/>
-                          <a:headEnd type="none" w="med" len="med"/>
-                          <a:tailEnd type="none" w="med" len="med"/>
-                        </a:lnL>
-                        <a:lnR w="6350" cap="flat" cmpd="sng" algn="ctr">
-                          <a:solidFill>
-                            <a:srgbClr val="0A2342"/>
-                          </a:solidFill>
-                          <a:prstDash val="solid"/>
-                          <a:round/>
-                          <a:headEnd type="none" w="med" len="med"/>
-                          <a:tailEnd type="none" w="med" len="med"/>
-                        </a:lnR>
-                        <a:lnT w="6350" cap="flat" cmpd="sng" algn="ctr">
-                          <a:solidFill>
-                            <a:srgbClr val="0A2342"/>
-                          </a:solidFill>
-                          <a:prstDash val="solid"/>
-                          <a:round/>
-                          <a:headEnd type="none" w="med" len="med"/>
-                          <a:tailEnd type="none" w="med" len="med"/>
-                        </a:lnT>
-                        <a:lnB w="6350" cap="flat" cmpd="sng" algn="ctr">
-                          <a:solidFill>
-                            <a:srgbClr val="0A2342"/>
-                          </a:solidFill>
-                          <a:prstDash val="solid"/>
-                          <a:round/>
-                          <a:headEnd type="none" w="med" len="med"/>
-                          <a:tailEnd type="none" w="med" len="med"/>
-                        </a:lnB>
-                        <a:solidFill>
-                          <a:schemeClr val="bg1"/>
-                        </a:solidFill>
-                      </a:tcPr>
-                    </a:tc>
-                    <a:tc>
-                      <a:txBody>
-                        <a:bodyPr/>
-                        <a:lstStyle/>
-                        <a:p>
-                          <a:pPr marL="0" indent="0">
-                            <a:buNone/>
-                          </a:pPr>
-                          <a:r>
-                            <a:rPr lang="en-US" sz="1200" dirty="0">
-                              <a:solidFill>
-                                <a:srgbClr val="000000"/>
-                              </a:solidFill>
-                            </a:rPr>
-                            <a:t>Quadratic, strictly proper, for discrete outcomes</a:t>
-                          </a:r>
-                          <a:endParaRPr lang="en-US" sz="1200" dirty="0"/>
-                        </a:p>
-                      </a:txBody>
-                      <a:tcPr marL="121920" marR="121920" marT="60960" marB="60960">
-                        <a:lnL w="6350" cap="flat" cmpd="sng" algn="ctr">
-                          <a:solidFill>
-                            <a:srgbClr val="0A2342"/>
-                          </a:solidFill>
-                          <a:prstDash val="solid"/>
-                          <a:round/>
-                          <a:headEnd type="none" w="med" len="med"/>
-                          <a:tailEnd type="none" w="med" len="med"/>
-                        </a:lnL>
-                        <a:lnR w="6350" cap="flat" cmpd="sng" algn="ctr">
-                          <a:solidFill>
-                            <a:srgbClr val="0A2342"/>
-                          </a:solidFill>
-                          <a:prstDash val="solid"/>
-                          <a:round/>
-                          <a:headEnd type="none" w="med" len="med"/>
-                          <a:tailEnd type="none" w="med" len="med"/>
-                        </a:lnR>
-                        <a:lnT w="6350" cap="flat" cmpd="sng" algn="ctr">
-                          <a:solidFill>
-                            <a:srgbClr val="0A2342"/>
-                          </a:solidFill>
-                          <a:prstDash val="solid"/>
-                          <a:round/>
-                          <a:headEnd type="none" w="med" len="med"/>
-                          <a:tailEnd type="none" w="med" len="med"/>
-                        </a:lnT>
-                        <a:lnB w="6350" cap="flat" cmpd="sng" algn="ctr">
-                          <a:solidFill>
-                            <a:srgbClr val="0A2342"/>
-                          </a:solidFill>
-                          <a:prstDash val="solid"/>
-                          <a:round/>
-                          <a:headEnd type="none" w="med" len="med"/>
-                          <a:tailEnd type="none" w="med" len="med"/>
-                        </a:lnB>
-                        <a:solidFill>
-                          <a:schemeClr val="bg1"/>
-                        </a:solidFill>
-                      </a:tcPr>
-                    </a:tc>
-                    <a:extLst>
-                      <a:ext uri="{0D108BD9-81ED-4DB2-BD59-A6C34878D82A}">
-                        <a16:rowId xmlns:a16="http://schemas.microsoft.com/office/drawing/2014/main" val="10001"/>
-                      </a:ext>
-                    </a:extLst>
-                  </a:tr>
-                  <a:tr h="853440">
-                    <a:tc>
-                      <a:txBody>
-                        <a:bodyPr/>
-                        <a:lstStyle/>
-                        <a:p>
-                          <a:pPr marL="0" indent="0">
-                            <a:buNone/>
-                          </a:pPr>
-                          <a:r>
-                            <a:rPr lang="en-US" sz="1200" dirty="0">
-                              <a:solidFill>
-                                <a:srgbClr val="000000"/>
-                              </a:solidFill>
-                            </a:rPr>
-                            <a:t>Log</a:t>
-                          </a:r>
-                          <a:endParaRPr lang="en-US" sz="1200" dirty="0"/>
-                        </a:p>
-                      </a:txBody>
-                      <a:tcPr marL="121920" marR="121920" marT="60960" marB="60960">
-                        <a:lnL w="6350" cap="flat" cmpd="sng" algn="ctr">
-                          <a:solidFill>
-                            <a:srgbClr val="0A2342"/>
-                          </a:solidFill>
-                          <a:prstDash val="solid"/>
-                          <a:round/>
-                          <a:headEnd type="none" w="med" len="med"/>
-                          <a:tailEnd type="none" w="med" len="med"/>
-                        </a:lnL>
-                        <a:lnR w="6350" cap="flat" cmpd="sng" algn="ctr">
-                          <a:solidFill>
-                            <a:srgbClr val="0A2342"/>
-                          </a:solidFill>
-                          <a:prstDash val="solid"/>
-                          <a:round/>
-                          <a:headEnd type="none" w="med" len="med"/>
-                          <a:tailEnd type="none" w="med" len="med"/>
-                        </a:lnR>
-                        <a:lnT w="6350" cap="flat" cmpd="sng" algn="ctr">
-                          <a:solidFill>
-                            <a:srgbClr val="0A2342"/>
-                          </a:solidFill>
-                          <a:prstDash val="solid"/>
-                          <a:round/>
-                          <a:headEnd type="none" w="med" len="med"/>
-                          <a:tailEnd type="none" w="med" len="med"/>
-                        </a:lnT>
-                        <a:lnB w="6350" cap="flat" cmpd="sng" algn="ctr">
-                          <a:solidFill>
-                            <a:srgbClr val="0A2342"/>
-                          </a:solidFill>
-                          <a:prstDash val="solid"/>
-                          <a:round/>
-                          <a:headEnd type="none" w="med" len="med"/>
-                          <a:tailEnd type="none" w="med" len="med"/>
-                        </a:lnB>
-                        <a:solidFill>
-                          <a:schemeClr val="bg1"/>
-                        </a:solidFill>
-                      </a:tcPr>
-                    </a:tc>
-                    <a:tc>
-                      <a:txBody>
-                        <a:bodyPr/>
-                        <a:lstStyle/>
-                        <a:p>
-                          <a:pPr marL="0" indent="0">
-                            <a:buNone/>
-                          </a:pPr>
-                          <a14:m>
-                            <m:oMathPara xmlns:m="http://schemas.openxmlformats.org/officeDocument/2006/math">
-                              <m:oMathParaPr>
-                                <m:jc m:val="centerGroup"/>
-                              </m:oMathParaPr>
-                              <m:oMath xmlns:m="http://schemas.openxmlformats.org/officeDocument/2006/math">
-                                <m:r>
-                                  <a:rPr lang="en-US" sz="1200" i="1" dirty="0" smtClean="0">
-                                    <a:solidFill>
-                                      <a:srgbClr val="000000"/>
-                                    </a:solidFill>
-                                    <a:latin typeface="Cambria Math" panose="02040503050406030204" pitchFamily="18" charset="0"/>
-                                  </a:rPr>
-                                  <m:t>𝐿</m:t>
-                                </m:r>
-                                <m:r>
-                                  <a:rPr lang="en-US" sz="1200" i="1" dirty="0" smtClean="0">
-                                    <a:solidFill>
-                                      <a:srgbClr val="000000"/>
-                                    </a:solidFill>
-                                    <a:latin typeface="Cambria Math" panose="02040503050406030204" pitchFamily="18" charset="0"/>
-                                  </a:rPr>
-                                  <m:t>(</m:t>
-                                </m:r>
-                                <m:r>
-                                  <a:rPr lang="en-US" sz="1200" i="1" dirty="0" smtClean="0">
-                                    <a:solidFill>
-                                      <a:srgbClr val="000000"/>
-                                    </a:solidFill>
-                                    <a:latin typeface="Cambria Math" panose="02040503050406030204" pitchFamily="18" charset="0"/>
-                                  </a:rPr>
-                                  <m:t>𝐷</m:t>
-                                </m:r>
-                                <m:r>
-                                  <a:rPr lang="en-US" sz="1200" i="1" dirty="0" smtClean="0">
-                                    <a:solidFill>
-                                      <a:srgbClr val="000000"/>
-                                    </a:solidFill>
-                                    <a:latin typeface="Cambria Math" panose="02040503050406030204" pitchFamily="18" charset="0"/>
-                                  </a:rPr>
-                                  <m:t>,</m:t>
-                                </m:r>
-                                <m:r>
-                                  <a:rPr lang="en-US" sz="1200" i="1" dirty="0" smtClean="0">
-                                    <a:solidFill>
-                                      <a:srgbClr val="000000"/>
-                                    </a:solidFill>
-                                    <a:latin typeface="Cambria Math" panose="02040503050406030204" pitchFamily="18" charset="0"/>
-                                  </a:rPr>
-                                  <m:t>𝑦</m:t>
-                                </m:r>
-                                <m:r>
-                                  <a:rPr lang="en-US" sz="1200" i="1" dirty="0" smtClean="0">
-                                    <a:solidFill>
-                                      <a:srgbClr val="000000"/>
-                                    </a:solidFill>
-                                    <a:latin typeface="Cambria Math" panose="02040503050406030204" pitchFamily="18" charset="0"/>
-                                  </a:rPr>
-                                  <m:t>)=−</m:t>
-                                </m:r>
-                                <m:r>
-                                  <m:rPr>
-                                    <m:sty m:val="p"/>
-                                  </m:rPr>
-                                  <a:rPr lang="en-US" sz="1200" i="1" dirty="0" smtClean="0">
-                                    <a:solidFill>
-                                      <a:srgbClr val="000000"/>
-                                    </a:solidFill>
-                                    <a:latin typeface="Cambria Math" panose="02040503050406030204" pitchFamily="18" charset="0"/>
-                                  </a:rPr>
-                                  <m:t>ln</m:t>
-                                </m:r>
-                                <m:r>
-                                  <a:rPr lang="en-US" sz="1200" i="1" dirty="0" smtClean="0">
-                                    <a:solidFill>
-                                      <a:srgbClr val="000000"/>
-                                    </a:solidFill>
-                                    <a:latin typeface="Cambria Math" panose="02040503050406030204" pitchFamily="18" charset="0"/>
-                                  </a:rPr>
-                                  <m:t>⁡</m:t>
-                                </m:r>
-                                <m:sSub>
-                                  <m:sSubPr>
-                                    <m:ctrlPr>
-                                      <a:rPr lang="en-US" sz="1200" i="1" dirty="0" smtClean="0">
-                                        <a:solidFill>
-                                          <a:srgbClr val="000000"/>
-                                        </a:solidFill>
-                                        <a:latin typeface="Cambria Math" panose="02040503050406030204" pitchFamily="18" charset="0"/>
-                                      </a:rPr>
-                                    </m:ctrlPr>
-                                  </m:sSubPr>
-                                  <m:e>
-                                    <m:r>
-                                      <a:rPr lang="en-US" sz="1200" i="1" dirty="0" smtClean="0">
-                                        <a:solidFill>
-                                          <a:srgbClr val="000000"/>
-                                        </a:solidFill>
-                                        <a:latin typeface="Cambria Math" panose="02040503050406030204" pitchFamily="18" charset="0"/>
-                                      </a:rPr>
-                                      <m:t>𝑓</m:t>
-                                    </m:r>
-                                  </m:e>
-                                  <m:sub>
-                                    <m:r>
-                                      <a:rPr lang="en-US" sz="1200" i="1" dirty="0" smtClean="0">
-                                        <a:solidFill>
-                                          <a:srgbClr val="000000"/>
-                                        </a:solidFill>
-                                        <a:latin typeface="Cambria Math" panose="02040503050406030204" pitchFamily="18" charset="0"/>
-                                      </a:rPr>
-                                      <m:t>𝐷</m:t>
-                                    </m:r>
-                                  </m:sub>
-                                </m:sSub>
-                                <m:r>
-                                  <a:rPr lang="en-US" sz="1200" i="1" dirty="0" smtClean="0">
-                                    <a:solidFill>
-                                      <a:srgbClr val="000000"/>
-                                    </a:solidFill>
-                                    <a:latin typeface="Cambria Math" panose="02040503050406030204" pitchFamily="18" charset="0"/>
-                                  </a:rPr>
-                                  <m:t>(</m:t>
-                                </m:r>
-                                <m:r>
-                                  <a:rPr lang="en-US" sz="1200" i="1" dirty="0" smtClean="0">
-                                    <a:solidFill>
-                                      <a:srgbClr val="000000"/>
-                                    </a:solidFill>
-                                    <a:latin typeface="Cambria Math" panose="02040503050406030204" pitchFamily="18" charset="0"/>
-                                  </a:rPr>
-                                  <m:t>𝑦</m:t>
-                                </m:r>
-                                <m:r>
-                                  <a:rPr lang="en-US" sz="1200" i="1" dirty="0" smtClean="0">
-                                    <a:solidFill>
-                                      <a:srgbClr val="000000"/>
-                                    </a:solidFill>
-                                    <a:latin typeface="Cambria Math" panose="02040503050406030204" pitchFamily="18" charset="0"/>
-                                  </a:rPr>
-                                  <m:t>)</m:t>
-                                </m:r>
-                              </m:oMath>
-                            </m:oMathPara>
-                          </a14:m>
-                          <a:endParaRPr/>
-                        </a:p>
-                      </a:txBody>
-                      <a:tcPr marL="121920" marR="121920" marT="60960" marB="60960">
-                        <a:lnL w="6350" cap="flat" cmpd="sng" algn="ctr">
-                          <a:solidFill>
-                            <a:srgbClr val="0A2342"/>
-                          </a:solidFill>
-                          <a:prstDash val="solid"/>
-                          <a:round/>
-                          <a:headEnd type="none" w="med" len="med"/>
-                          <a:tailEnd type="none" w="med" len="med"/>
-                        </a:lnL>
-                        <a:lnR w="6350" cap="flat" cmpd="sng" algn="ctr">
-                          <a:solidFill>
-                            <a:srgbClr val="0A2342"/>
-                          </a:solidFill>
-                          <a:prstDash val="solid"/>
-                          <a:round/>
-                          <a:headEnd type="none" w="med" len="med"/>
-                          <a:tailEnd type="none" w="med" len="med"/>
-                        </a:lnR>
-                        <a:lnT w="6350" cap="flat" cmpd="sng" algn="ctr">
-                          <a:solidFill>
-                            <a:srgbClr val="0A2342"/>
-                          </a:solidFill>
-                          <a:prstDash val="solid"/>
-                          <a:round/>
-                          <a:headEnd type="none" w="med" len="med"/>
-                          <a:tailEnd type="none" w="med" len="med"/>
-                        </a:lnT>
-                        <a:lnB w="6350" cap="flat" cmpd="sng" algn="ctr">
-                          <a:solidFill>
-                            <a:srgbClr val="0A2342"/>
-                          </a:solidFill>
-                          <a:prstDash val="solid"/>
-                          <a:round/>
-                          <a:headEnd type="none" w="med" len="med"/>
-                          <a:tailEnd type="none" w="med" len="med"/>
-                        </a:lnB>
-                        <a:solidFill>
-                          <a:schemeClr val="bg1"/>
-                        </a:solidFill>
-                      </a:tcPr>
-                    </a:tc>
-                    <a:tc>
-                      <a:txBody>
-                        <a:bodyPr/>
-                        <a:lstStyle/>
-                        <a:p>
-                          <a:pPr marL="0" indent="0">
-                            <a:buNone/>
-                          </a:pPr>
-                          <a:r>
-                            <a:rPr lang="en-US" sz="1200" dirty="0">
-                              <a:solidFill>
-                                <a:srgbClr val="000000"/>
-                              </a:solidFill>
-                            </a:rPr>
-                            <a:t>Strictly proper, sensitive to tail probabilities</a:t>
-                          </a:r>
-                          <a:endParaRPr lang="en-US" sz="1200" dirty="0"/>
-                        </a:p>
-                      </a:txBody>
-                      <a:tcPr marL="121920" marR="121920" marT="60960" marB="60960">
-                        <a:lnL w="6350" cap="flat" cmpd="sng" algn="ctr">
-                          <a:solidFill>
-                            <a:srgbClr val="0A2342"/>
-                          </a:solidFill>
-                          <a:prstDash val="solid"/>
-                          <a:round/>
-                          <a:headEnd type="none" w="med" len="med"/>
-                          <a:tailEnd type="none" w="med" len="med"/>
-                        </a:lnL>
-                        <a:lnR w="6350" cap="flat" cmpd="sng" algn="ctr">
-                          <a:solidFill>
-                            <a:srgbClr val="0A2342"/>
-                          </a:solidFill>
-                          <a:prstDash val="solid"/>
-                          <a:round/>
-                          <a:headEnd type="none" w="med" len="med"/>
-                          <a:tailEnd type="none" w="med" len="med"/>
-                        </a:lnR>
-                        <a:lnT w="6350" cap="flat" cmpd="sng" algn="ctr">
-                          <a:solidFill>
-                            <a:srgbClr val="0A2342"/>
-                          </a:solidFill>
-                          <a:prstDash val="solid"/>
-                          <a:round/>
-                          <a:headEnd type="none" w="med" len="med"/>
-                          <a:tailEnd type="none" w="med" len="med"/>
-                        </a:lnT>
-                        <a:lnB w="6350" cap="flat" cmpd="sng" algn="ctr">
-                          <a:solidFill>
-                            <a:srgbClr val="0A2342"/>
-                          </a:solidFill>
-                          <a:prstDash val="solid"/>
-                          <a:round/>
-                          <a:headEnd type="none" w="med" len="med"/>
-                          <a:tailEnd type="none" w="med" len="med"/>
-                        </a:lnB>
-                        <a:solidFill>
-                          <a:schemeClr val="bg1"/>
-                        </a:solidFill>
-                      </a:tcPr>
-                    </a:tc>
-                    <a:extLst>
-                      <a:ext uri="{0D108BD9-81ED-4DB2-BD59-A6C34878D82A}">
-                        <a16:rowId xmlns:a16="http://schemas.microsoft.com/office/drawing/2014/main" val="10002"/>
-                      </a:ext>
-                    </a:extLst>
-                  </a:tr>
-                  <a:tr h="853440">
-                    <a:tc>
-                      <a:txBody>
-                        <a:bodyPr/>
-                        <a:lstStyle/>
-                        <a:p>
-                          <a:pPr marL="0" indent="0">
-                            <a:buNone/>
-                          </a:pPr>
-                          <a:r>
-                            <a:rPr lang="en-US" sz="1200" dirty="0">
-                              <a:solidFill>
-                                <a:srgbClr val="000000"/>
-                              </a:solidFill>
-                            </a:rPr>
-                            <a:t>CRPS</a:t>
-                          </a:r>
-                          <a:endParaRPr lang="en-US" sz="1200" dirty="0"/>
-                        </a:p>
-                      </a:txBody>
-                      <a:tcPr marL="121920" marR="121920" marT="60960" marB="60960">
-                        <a:lnL w="6350" cap="flat" cmpd="sng" algn="ctr">
-                          <a:solidFill>
-                            <a:srgbClr val="0A2342"/>
-                          </a:solidFill>
-                          <a:prstDash val="solid"/>
-                          <a:round/>
-                          <a:headEnd type="none" w="med" len="med"/>
-                          <a:tailEnd type="none" w="med" len="med"/>
-                        </a:lnL>
-                        <a:lnR w="6350" cap="flat" cmpd="sng" algn="ctr">
-                          <a:solidFill>
-                            <a:srgbClr val="0A2342"/>
-                          </a:solidFill>
-                          <a:prstDash val="solid"/>
-                          <a:round/>
-                          <a:headEnd type="none" w="med" len="med"/>
-                          <a:tailEnd type="none" w="med" len="med"/>
-                        </a:lnR>
-                        <a:lnT w="6350" cap="flat" cmpd="sng" algn="ctr">
-                          <a:solidFill>
-                            <a:srgbClr val="0A2342"/>
-                          </a:solidFill>
-                          <a:prstDash val="solid"/>
-                          <a:round/>
-                          <a:headEnd type="none" w="med" len="med"/>
-                          <a:tailEnd type="none" w="med" len="med"/>
-                        </a:lnT>
-                        <a:lnB w="6350" cap="flat" cmpd="sng" algn="ctr">
-                          <a:solidFill>
-                            <a:srgbClr val="0A2342"/>
-                          </a:solidFill>
-                          <a:prstDash val="solid"/>
-                          <a:round/>
-                          <a:headEnd type="none" w="med" len="med"/>
-                          <a:tailEnd type="none" w="med" len="med"/>
-                        </a:lnB>
-                        <a:solidFill>
-                          <a:schemeClr val="bg1"/>
-                        </a:solidFill>
-                      </a:tcPr>
-                    </a:tc>
-                    <a:tc>
-                      <a:txBody>
-                        <a:bodyPr/>
-                        <a:lstStyle/>
-                        <a:p>
-                          <a:pPr marL="0" indent="0">
-                            <a:buNone/>
-                          </a:pPr>
-                          <a14:m>
-                            <m:oMathPara xmlns:m="http://schemas.openxmlformats.org/officeDocument/2006/math">
-                              <m:oMathParaPr>
-                                <m:jc m:val="centerGroup"/>
-                              </m:oMathParaPr>
-                              <m:oMath xmlns:m="http://schemas.openxmlformats.org/officeDocument/2006/math">
-                                <m:r>
-                                  <a:rPr lang="en-US" sz="1200" i="1" dirty="0" smtClean="0">
-                                    <a:solidFill>
-                                      <a:srgbClr val="000000"/>
-                                    </a:solidFill>
-                                    <a:latin typeface="Cambria Math" panose="02040503050406030204" pitchFamily="18" charset="0"/>
-                                  </a:rPr>
-                                  <m:t>∫</m:t>
-                                </m:r>
-                                <m:sSup>
-                                  <m:sSupPr>
-                                    <m:ctrlPr>
-                                      <a:rPr lang="en-US" sz="1200" i="1" dirty="0" smtClean="0">
-                                        <a:solidFill>
-                                          <a:srgbClr val="000000"/>
-                                        </a:solidFill>
-                                        <a:latin typeface="Cambria Math" panose="02040503050406030204" pitchFamily="18" charset="0"/>
-                                      </a:rPr>
-                                    </m:ctrlPr>
-                                  </m:sSupPr>
-                                  <m:e>
-                                    <m:d>
-                                      <m:dPr>
-                                        <m:ctrlPr>
-                                          <a:rPr lang="en-US" sz="1200" i="1" dirty="0" smtClean="0">
-                                            <a:solidFill>
-                                              <a:srgbClr val="000000"/>
-                                            </a:solidFill>
-                                            <a:latin typeface="Cambria Math" panose="02040503050406030204" pitchFamily="18" charset="0"/>
-                                          </a:rPr>
-                                        </m:ctrlPr>
-                                      </m:dPr>
-                                      <m:e>
-                                        <m:sSub>
-                                          <m:sSubPr>
-                                            <m:ctrlPr>
-                                              <a:rPr lang="en-US" sz="1200" i="1" dirty="0" smtClean="0">
-                                                <a:solidFill>
-                                                  <a:srgbClr val="000000"/>
-                                                </a:solidFill>
-                                                <a:latin typeface="Cambria Math" panose="02040503050406030204" pitchFamily="18" charset="0"/>
-                                              </a:rPr>
-                                            </m:ctrlPr>
-                                          </m:sSubPr>
-                                          <m:e>
-                                            <m:r>
-                                              <a:rPr lang="en-US" sz="1200" i="1" dirty="0" smtClean="0">
-                                                <a:solidFill>
-                                                  <a:srgbClr val="000000"/>
-                                                </a:solidFill>
-                                                <a:latin typeface="Cambria Math" panose="02040503050406030204" pitchFamily="18" charset="0"/>
-                                              </a:rPr>
-                                              <m:t>𝐹</m:t>
-                                            </m:r>
-                                          </m:e>
-                                          <m:sub>
-                                            <m:r>
-                                              <a:rPr lang="en-US" sz="1200" i="1" dirty="0" smtClean="0">
-                                                <a:solidFill>
-                                                  <a:srgbClr val="000000"/>
-                                                </a:solidFill>
-                                                <a:latin typeface="Cambria Math" panose="02040503050406030204" pitchFamily="18" charset="0"/>
-                                              </a:rPr>
-                                              <m:t>𝐷</m:t>
-                                            </m:r>
-                                          </m:sub>
-                                        </m:sSub>
-                                        <m:d>
-                                          <m:dPr>
-                                            <m:ctrlPr>
-                                              <a:rPr lang="en-US" sz="1200" i="1" dirty="0" smtClean="0">
-                                                <a:solidFill>
-                                                  <a:srgbClr val="000000"/>
-                                                </a:solidFill>
-                                                <a:latin typeface="Cambria Math" panose="02040503050406030204" pitchFamily="18" charset="0"/>
-                                              </a:rPr>
-                                            </m:ctrlPr>
-                                          </m:dPr>
-                                          <m:e>
-                                            <m:r>
-                                              <a:rPr lang="en-US" sz="1200" i="1" dirty="0" smtClean="0">
-                                                <a:solidFill>
-                                                  <a:srgbClr val="000000"/>
-                                                </a:solidFill>
-                                                <a:latin typeface="Cambria Math" panose="02040503050406030204" pitchFamily="18" charset="0"/>
-                                              </a:rPr>
-                                              <m:t>𝑥</m:t>
-                                            </m:r>
-                                          </m:e>
-                                        </m:d>
-                                        <m:r>
-                                          <a:rPr lang="en-US" sz="1200" i="1" dirty="0" smtClean="0">
-                                            <a:solidFill>
-                                              <a:srgbClr val="000000"/>
-                                            </a:solidFill>
-                                            <a:latin typeface="Cambria Math" panose="02040503050406030204" pitchFamily="18" charset="0"/>
-                                          </a:rPr>
-                                          <m:t>−</m:t>
-                                        </m:r>
-                                        <m:r>
-                                          <a:rPr lang="en-US" sz="1200" i="1" dirty="0" smtClean="0">
-                                            <a:solidFill>
-                                              <a:srgbClr val="000000"/>
-                                            </a:solidFill>
-                                            <a:latin typeface="Cambria Math" panose="02040503050406030204" pitchFamily="18" charset="0"/>
-                                          </a:rPr>
-                                          <m:t>𝐻</m:t>
-                                        </m:r>
-                                        <m:d>
-                                          <m:dPr>
-                                            <m:ctrlPr>
-                                              <a:rPr lang="en-US" sz="1200" i="1" dirty="0" smtClean="0">
-                                                <a:solidFill>
-                                                  <a:srgbClr val="000000"/>
-                                                </a:solidFill>
-                                                <a:latin typeface="Cambria Math" panose="02040503050406030204" pitchFamily="18" charset="0"/>
-                                              </a:rPr>
-                                            </m:ctrlPr>
-                                          </m:dPr>
-                                          <m:e>
-                                            <m:r>
-                                              <a:rPr lang="en-US" sz="1200" i="1" dirty="0" smtClean="0">
-                                                <a:solidFill>
-                                                  <a:srgbClr val="000000"/>
-                                                </a:solidFill>
-                                                <a:latin typeface="Cambria Math" panose="02040503050406030204" pitchFamily="18" charset="0"/>
-                                              </a:rPr>
-                                              <m:t>𝑥</m:t>
-                                            </m:r>
-                                            <m:r>
-                                              <a:rPr lang="en-US" sz="1200" i="1" dirty="0" smtClean="0">
-                                                <a:solidFill>
-                                                  <a:srgbClr val="000000"/>
-                                                </a:solidFill>
-                                                <a:latin typeface="Cambria Math" panose="02040503050406030204" pitchFamily="18" charset="0"/>
-                                              </a:rPr>
-                                              <m:t>−</m:t>
-                                            </m:r>
-                                            <m:r>
-                                              <a:rPr lang="en-US" sz="1200" i="1" dirty="0" smtClean="0">
-                                                <a:solidFill>
-                                                  <a:srgbClr val="000000"/>
-                                                </a:solidFill>
-                                                <a:latin typeface="Cambria Math" panose="02040503050406030204" pitchFamily="18" charset="0"/>
-                                              </a:rPr>
-                                              <m:t>𝑦</m:t>
-                                            </m:r>
-                                          </m:e>
-                                        </m:d>
-                                      </m:e>
-                                    </m:d>
-                                  </m:e>
-                                  <m:sup>
-                                    <m:r>
-                                      <a:rPr lang="en-IE" sz="1200" b="0" i="1" dirty="0" smtClean="0">
-                                        <a:solidFill>
-                                          <a:srgbClr val="000000"/>
-                                        </a:solidFill>
-                                        <a:latin typeface="Cambria Math" panose="02040503050406030204" pitchFamily="18" charset="0"/>
-                                      </a:rPr>
-                                      <m:t>2</m:t>
-                                    </m:r>
-                                  </m:sup>
-                                </m:sSup>
-                                <m:r>
-                                  <a:rPr lang="en-US" sz="1200" i="1" dirty="0" smtClean="0">
-                                    <a:solidFill>
-                                      <a:srgbClr val="000000"/>
-                                    </a:solidFill>
-                                    <a:latin typeface="Cambria Math" panose="02040503050406030204" pitchFamily="18" charset="0"/>
-                                  </a:rPr>
-                                  <m:t> </m:t>
-                                </m:r>
-                                <m:r>
-                                  <a:rPr lang="en-US" sz="1200" i="1" dirty="0" smtClean="0">
-                                    <a:solidFill>
-                                      <a:srgbClr val="000000"/>
-                                    </a:solidFill>
-                                    <a:latin typeface="Cambria Math" panose="02040503050406030204" pitchFamily="18" charset="0"/>
-                                  </a:rPr>
-                                  <m:t>𝑑𝑥</m:t>
-                                </m:r>
-                              </m:oMath>
-                            </m:oMathPara>
-                          </a14:m>
-                          <a:endParaRPr/>
-                        </a:p>
-                      </a:txBody>
-                      <a:tcPr marL="121920" marR="121920" marT="60960" marB="60960">
-                        <a:lnL w="6350" cap="flat" cmpd="sng" algn="ctr">
-                          <a:solidFill>
-                            <a:srgbClr val="0A2342"/>
-                          </a:solidFill>
-                          <a:prstDash val="solid"/>
-                          <a:round/>
-                          <a:headEnd type="none" w="med" len="med"/>
-                          <a:tailEnd type="none" w="med" len="med"/>
-                        </a:lnL>
-                        <a:lnR w="6350" cap="flat" cmpd="sng" algn="ctr">
-                          <a:solidFill>
-                            <a:srgbClr val="0A2342"/>
-                          </a:solidFill>
-                          <a:prstDash val="solid"/>
-                          <a:round/>
-                          <a:headEnd type="none" w="med" len="med"/>
-                          <a:tailEnd type="none" w="med" len="med"/>
-                        </a:lnR>
-                        <a:lnT w="6350" cap="flat" cmpd="sng" algn="ctr">
-                          <a:solidFill>
-                            <a:srgbClr val="0A2342"/>
-                          </a:solidFill>
-                          <a:prstDash val="solid"/>
-                          <a:round/>
-                          <a:headEnd type="none" w="med" len="med"/>
-                          <a:tailEnd type="none" w="med" len="med"/>
-                        </a:lnT>
-                        <a:lnB w="6350" cap="flat" cmpd="sng" algn="ctr">
-                          <a:solidFill>
-                            <a:srgbClr val="0A2342"/>
-                          </a:solidFill>
-                          <a:prstDash val="solid"/>
-                          <a:round/>
-                          <a:headEnd type="none" w="med" len="med"/>
-                          <a:tailEnd type="none" w="med" len="med"/>
-                        </a:lnB>
-                        <a:solidFill>
-                          <a:schemeClr val="bg1"/>
-                        </a:solidFill>
-                      </a:tcPr>
-                    </a:tc>
-                    <a:tc>
-                      <a:txBody>
-                        <a:bodyPr/>
-                        <a:lstStyle/>
-                        <a:p>
-                          <a:pPr marL="0" indent="0">
-                            <a:buNone/>
-                          </a:pPr>
-                          <a:r>
-                            <a:rPr lang="en-US" sz="1200" dirty="0">
-                              <a:solidFill>
-                                <a:srgbClr val="000000"/>
-                              </a:solidFill>
-                            </a:rPr>
-                            <a:t>Strictly proper, extension of MAE to distributions</a:t>
-                          </a:r>
-                          <a:endParaRPr lang="en-US" sz="1200" dirty="0"/>
-                        </a:p>
-                      </a:txBody>
-                      <a:tcPr marL="121920" marR="121920" marT="60960" marB="60960">
-                        <a:lnL w="6350" cap="flat" cmpd="sng" algn="ctr">
-                          <a:solidFill>
-                            <a:srgbClr val="0A2342"/>
-                          </a:solidFill>
-                          <a:prstDash val="solid"/>
-                          <a:round/>
-                          <a:headEnd type="none" w="med" len="med"/>
-                          <a:tailEnd type="none" w="med" len="med"/>
-                        </a:lnL>
-                        <a:lnR w="6350" cap="flat" cmpd="sng" algn="ctr">
-                          <a:solidFill>
-                            <a:srgbClr val="0A2342"/>
-                          </a:solidFill>
-                          <a:prstDash val="solid"/>
-                          <a:round/>
-                          <a:headEnd type="none" w="med" len="med"/>
-                          <a:tailEnd type="none" w="med" len="med"/>
-                        </a:lnR>
-                        <a:lnT w="6350" cap="flat" cmpd="sng" algn="ctr">
-                          <a:solidFill>
-                            <a:srgbClr val="0A2342"/>
-                          </a:solidFill>
-                          <a:prstDash val="solid"/>
-                          <a:round/>
-                          <a:headEnd type="none" w="med" len="med"/>
-                          <a:tailEnd type="none" w="med" len="med"/>
-                        </a:lnT>
-                        <a:lnB w="6350" cap="flat" cmpd="sng" algn="ctr">
-                          <a:solidFill>
-                            <a:srgbClr val="0A2342"/>
-                          </a:solidFill>
-                          <a:prstDash val="solid"/>
-                          <a:round/>
-                          <a:headEnd type="none" w="med" len="med"/>
-                          <a:tailEnd type="none" w="med" len="med"/>
-                        </a:lnB>
-                        <a:solidFill>
-                          <a:schemeClr val="bg1"/>
-                        </a:solidFill>
-                      </a:tcPr>
-                    </a:tc>
-                    <a:extLst>
-                      <a:ext uri="{0D108BD9-81ED-4DB2-BD59-A6C34878D82A}">
-                        <a16:rowId xmlns:a16="http://schemas.microsoft.com/office/drawing/2014/main" val="10003"/>
-                      </a:ext>
-                    </a:extLst>
-                  </a:tr>
-                </a:tbl>
-              </a:graphicData>
-            </a:graphic>
-          </p:graphicFrame>
-        </mc:Choice>
-        <mc:Fallback xmlns="">
-          <p:graphicFrame>
-            <p:nvGraphicFramePr>
-              <p:cNvPr id="4" name="Table 0">
-                <a:extLst>
-                  <a:ext uri="{FF2B5EF4-FFF2-40B4-BE49-F238E27FC236}">
-                    <a16:creationId xmlns:a16="http://schemas.microsoft.com/office/drawing/2014/main" id="{7A5CB185-D895-A603-E9F9-E8C77334F687}"/>
-                  </a:ext>
-                </a:extLst>
-              </p:cNvPr>
-              <p:cNvGraphicFramePr>
-                <a:graphicFrameLocks noGrp="1"/>
-              </p:cNvGraphicFramePr>
-              <p:nvPr>
-                <p:extLst>
-                  <p:ext uri="{D42A27DB-BD31-4B8C-83A1-F6EECF244321}">
-                    <p14:modId xmlns:p14="http://schemas.microsoft.com/office/powerpoint/2010/main" val="3064530314"/>
-                  </p:ext>
-                </p:extLst>
-              </p:nvPr>
-            </p:nvGraphicFramePr>
-            <p:xfrm>
-              <a:off x="7378618" y="1935480"/>
-              <a:ext cx="4267200" cy="2987040"/>
-            </p:xfrm>
-            <a:graphic>
-              <a:graphicData uri="http://schemas.openxmlformats.org/drawingml/2006/table">
-                <a:tbl>
-                  <a:tblPr/>
-                  <a:tblGrid>
-                    <a:gridCol w="769866">
-                      <a:extLst>
-                        <a:ext uri="{9D8B030D-6E8A-4147-A177-3AD203B41FA5}">
-                          <a16:colId xmlns:a16="http://schemas.microsoft.com/office/drawing/2014/main" val="20000"/>
-                        </a:ext>
-                      </a:extLst>
-                    </a:gridCol>
-                    <a:gridCol w="2278134">
-                      <a:extLst>
-                        <a:ext uri="{9D8B030D-6E8A-4147-A177-3AD203B41FA5}">
-                          <a16:colId xmlns:a16="http://schemas.microsoft.com/office/drawing/2014/main" val="20001"/>
-                        </a:ext>
-                      </a:extLst>
-                    </a:gridCol>
-                    <a:gridCol w="1219200">
-                      <a:extLst>
-                        <a:ext uri="{9D8B030D-6E8A-4147-A177-3AD203B41FA5}">
-                          <a16:colId xmlns:a16="http://schemas.microsoft.com/office/drawing/2014/main" val="20002"/>
-                        </a:ext>
-                      </a:extLst>
-                    </a:gridCol>
-                  </a:tblGrid>
-                  <a:tr h="426720">
-                    <a:tc>
-                      <a:txBody>
-                        <a:bodyPr/>
-                        <a:lstStyle/>
-                        <a:p>
-                          <a:pPr marL="0" indent="0">
-                            <a:buNone/>
-                          </a:pPr>
-                          <a:r>
-                            <a:rPr lang="en-US" sz="1200" b="1" dirty="0">
-                              <a:solidFill>
-                                <a:srgbClr val="000000"/>
-                              </a:solidFill>
-                            </a:rPr>
-                            <a:t>Rule</a:t>
-                          </a:r>
-                          <a:endParaRPr lang="en-US" sz="1200" dirty="0"/>
-                        </a:p>
-                      </a:txBody>
-                      <a:tcPr marL="121920" marR="121920" marT="60960" marB="60960">
-                        <a:lnL w="6350" cap="flat" cmpd="sng" algn="ctr">
-                          <a:solidFill>
-                            <a:srgbClr val="0A2342"/>
-                          </a:solidFill>
-                          <a:prstDash val="solid"/>
-                          <a:round/>
-                          <a:headEnd type="none" w="med" len="med"/>
-                          <a:tailEnd type="none" w="med" len="med"/>
-                        </a:lnL>
-                        <a:lnR w="6350" cap="flat" cmpd="sng" algn="ctr">
-                          <a:solidFill>
-                            <a:srgbClr val="0A2342"/>
-                          </a:solidFill>
-                          <a:prstDash val="solid"/>
-                          <a:round/>
-                          <a:headEnd type="none" w="med" len="med"/>
-                          <a:tailEnd type="none" w="med" len="med"/>
-                        </a:lnR>
-                        <a:lnT w="6350" cap="flat" cmpd="sng" algn="ctr">
-                          <a:solidFill>
-                            <a:srgbClr val="0A2342"/>
-                          </a:solidFill>
-                          <a:prstDash val="solid"/>
-                          <a:round/>
-                          <a:headEnd type="none" w="med" len="med"/>
-                          <a:tailEnd type="none" w="med" len="med"/>
-                        </a:lnT>
-                        <a:lnB w="6350" cap="flat" cmpd="sng" algn="ctr">
-                          <a:solidFill>
-                            <a:srgbClr val="0A2342"/>
-                          </a:solidFill>
-                          <a:prstDash val="solid"/>
-                          <a:round/>
-                          <a:headEnd type="none" w="med" len="med"/>
-                          <a:tailEnd type="none" w="med" len="med"/>
-                        </a:lnB>
-                        <a:solidFill>
-                          <a:schemeClr val="bg1"/>
-                        </a:solidFill>
-                      </a:tcPr>
-                    </a:tc>
-                    <a:tc>
-                      <a:txBody>
-                        <a:bodyPr/>
-                        <a:lstStyle/>
-                        <a:p>
-                          <a:pPr marL="0" indent="0">
-                            <a:buNone/>
-                          </a:pPr>
-                          <a:r>
-                            <a:rPr lang="en-US" sz="1200" b="1" dirty="0">
-                              <a:solidFill>
-                                <a:srgbClr val="000000"/>
-                              </a:solidFill>
-                            </a:rPr>
-                            <a:t>Definition</a:t>
-                          </a:r>
-                          <a:endParaRPr lang="en-US" sz="1200" dirty="0"/>
-                        </a:p>
-                      </a:txBody>
-                      <a:tcPr marL="121920" marR="121920" marT="60960" marB="60960">
-                        <a:lnL w="6350" cap="flat" cmpd="sng" algn="ctr">
-                          <a:solidFill>
-                            <a:srgbClr val="0A2342"/>
-                          </a:solidFill>
-                          <a:prstDash val="solid"/>
-                          <a:round/>
-                          <a:headEnd type="none" w="med" len="med"/>
-                          <a:tailEnd type="none" w="med" len="med"/>
-                        </a:lnL>
-                        <a:lnR w="6350" cap="flat" cmpd="sng" algn="ctr">
-                          <a:solidFill>
-                            <a:srgbClr val="0A2342"/>
-                          </a:solidFill>
-                          <a:prstDash val="solid"/>
-                          <a:round/>
-                          <a:headEnd type="none" w="med" len="med"/>
-                          <a:tailEnd type="none" w="med" len="med"/>
-                        </a:lnR>
-                        <a:lnT w="6350" cap="flat" cmpd="sng" algn="ctr">
-                          <a:solidFill>
-                            <a:srgbClr val="0A2342"/>
-                          </a:solidFill>
-                          <a:prstDash val="solid"/>
-                          <a:round/>
-                          <a:headEnd type="none" w="med" len="med"/>
-                          <a:tailEnd type="none" w="med" len="med"/>
-                        </a:lnT>
-                        <a:lnB w="6350" cap="flat" cmpd="sng" algn="ctr">
-                          <a:solidFill>
-                            <a:srgbClr val="0A2342"/>
-                          </a:solidFill>
-                          <a:prstDash val="solid"/>
-                          <a:round/>
-                          <a:headEnd type="none" w="med" len="med"/>
-                          <a:tailEnd type="none" w="med" len="med"/>
-                        </a:lnB>
-                        <a:solidFill>
-                          <a:schemeClr val="bg1"/>
-                        </a:solidFill>
-                      </a:tcPr>
-                    </a:tc>
-                    <a:tc>
-                      <a:txBody>
-                        <a:bodyPr/>
-                        <a:lstStyle/>
-                        <a:p>
-                          <a:pPr marL="0" indent="0">
-                            <a:buNone/>
-                          </a:pPr>
-                          <a:r>
-                            <a:rPr lang="en-US" sz="1200" b="1" dirty="0">
-                              <a:solidFill>
-                                <a:srgbClr val="000000"/>
-                              </a:solidFill>
-                            </a:rPr>
-                            <a:t>Properties</a:t>
-                          </a:r>
-                          <a:endParaRPr lang="en-US" sz="1200" dirty="0"/>
-                        </a:p>
-                      </a:txBody>
-                      <a:tcPr marL="121920" marR="121920" marT="60960" marB="60960">
-                        <a:lnL w="6350" cap="flat" cmpd="sng" algn="ctr">
-                          <a:solidFill>
-                            <a:srgbClr val="0A2342"/>
-                          </a:solidFill>
-                          <a:prstDash val="solid"/>
-                          <a:round/>
-                          <a:headEnd type="none" w="med" len="med"/>
-                          <a:tailEnd type="none" w="med" len="med"/>
-                        </a:lnL>
-                        <a:lnR w="6350" cap="flat" cmpd="sng" algn="ctr">
-                          <a:solidFill>
-                            <a:srgbClr val="0A2342"/>
-                          </a:solidFill>
-                          <a:prstDash val="solid"/>
-                          <a:round/>
-                          <a:headEnd type="none" w="med" len="med"/>
-                          <a:tailEnd type="none" w="med" len="med"/>
-                        </a:lnR>
-                        <a:lnT w="6350" cap="flat" cmpd="sng" algn="ctr">
-                          <a:solidFill>
-                            <a:srgbClr val="0A2342"/>
-                          </a:solidFill>
-                          <a:prstDash val="solid"/>
-                          <a:round/>
-                          <a:headEnd type="none" w="med" len="med"/>
-                          <a:tailEnd type="none" w="med" len="med"/>
-                        </a:lnT>
-                        <a:lnB w="6350" cap="flat" cmpd="sng" algn="ctr">
-                          <a:solidFill>
-                            <a:srgbClr val="0A2342"/>
-                          </a:solidFill>
-                          <a:prstDash val="solid"/>
-                          <a:round/>
-                          <a:headEnd type="none" w="med" len="med"/>
-                          <a:tailEnd type="none" w="med" len="med"/>
-                        </a:lnB>
-                        <a:solidFill>
-                          <a:schemeClr val="bg1"/>
-                        </a:solidFill>
-                      </a:tcPr>
-                    </a:tc>
-                    <a:extLst>
-                      <a:ext uri="{0D108BD9-81ED-4DB2-BD59-A6C34878D82A}">
-                        <a16:rowId xmlns:a16="http://schemas.microsoft.com/office/drawing/2014/main" val="10000"/>
-                      </a:ext>
-                    </a:extLst>
-                  </a:tr>
-                  <a:tr h="853440">
-                    <a:tc>
-                      <a:txBody>
-                        <a:bodyPr/>
-                        <a:lstStyle/>
-                        <a:p>
-                          <a:pPr marL="0" indent="0">
-                            <a:buNone/>
-                          </a:pPr>
-                          <a:r>
-                            <a:rPr lang="en-US" sz="1200" dirty="0">
-                              <a:solidFill>
-                                <a:srgbClr val="000000"/>
-                              </a:solidFill>
-                            </a:rPr>
-                            <a:t>Brier</a:t>
-                          </a:r>
-                          <a:endParaRPr lang="en-US" sz="1200" dirty="0"/>
-                        </a:p>
-                      </a:txBody>
-                      <a:tcPr marL="121920" marR="121920" marT="60960" marB="60960">
-                        <a:lnL w="6350" cap="flat" cmpd="sng" algn="ctr">
-                          <a:solidFill>
-                            <a:srgbClr val="0A2342"/>
-                          </a:solidFill>
-                          <a:prstDash val="solid"/>
-                          <a:round/>
-                          <a:headEnd type="none" w="med" len="med"/>
-                          <a:tailEnd type="none" w="med" len="med"/>
-                        </a:lnL>
-                        <a:lnR w="6350" cap="flat" cmpd="sng" algn="ctr">
-                          <a:solidFill>
-                            <a:srgbClr val="0A2342"/>
-                          </a:solidFill>
-                          <a:prstDash val="solid"/>
-                          <a:round/>
-                          <a:headEnd type="none" w="med" len="med"/>
-                          <a:tailEnd type="none" w="med" len="med"/>
-                        </a:lnR>
-                        <a:lnT w="6350" cap="flat" cmpd="sng" algn="ctr">
-                          <a:solidFill>
-                            <a:srgbClr val="0A2342"/>
-                          </a:solidFill>
-                          <a:prstDash val="solid"/>
-                          <a:round/>
-                          <a:headEnd type="none" w="med" len="med"/>
-                          <a:tailEnd type="none" w="med" len="med"/>
-                        </a:lnT>
-                        <a:lnB w="6350" cap="flat" cmpd="sng" algn="ctr">
-                          <a:solidFill>
-                            <a:srgbClr val="0A2342"/>
-                          </a:solidFill>
-                          <a:prstDash val="solid"/>
-                          <a:round/>
-                          <a:headEnd type="none" w="med" len="med"/>
-                          <a:tailEnd type="none" w="med" len="med"/>
-                        </a:lnB>
-                        <a:solidFill>
-                          <a:schemeClr val="bg1"/>
-                        </a:solidFill>
-                      </a:tcPr>
-                    </a:tc>
-                    <a:tc>
-                      <a:txBody>
-                        <a:bodyPr/>
-                        <a:lstStyle/>
-                        <a:p>
-                          <a:endParaRPr lang="en-US"/>
-                        </a:p>
-                      </a:txBody>
-                      <a:tcPr marL="121920" marR="121920" marT="60960" marB="60960">
-                        <a:lnL w="6350" cap="flat" cmpd="sng" algn="ctr">
-                          <a:solidFill>
-                            <a:srgbClr val="0A2342"/>
-                          </a:solidFill>
-                          <a:prstDash val="solid"/>
-                          <a:round/>
-                          <a:headEnd type="none" w="med" len="med"/>
-                          <a:tailEnd type="none" w="med" len="med"/>
-                        </a:lnL>
-                        <a:lnR w="6350" cap="flat" cmpd="sng" algn="ctr">
-                          <a:solidFill>
-                            <a:srgbClr val="0A2342"/>
-                          </a:solidFill>
-                          <a:prstDash val="solid"/>
-                          <a:round/>
-                          <a:headEnd type="none" w="med" len="med"/>
-                          <a:tailEnd type="none" w="med" len="med"/>
-                        </a:lnR>
-                        <a:lnT w="6350" cap="flat" cmpd="sng" algn="ctr">
-                          <a:solidFill>
-                            <a:srgbClr val="0A2342"/>
-                          </a:solidFill>
-                          <a:prstDash val="solid"/>
-                          <a:round/>
-                          <a:headEnd type="none" w="med" len="med"/>
-                          <a:tailEnd type="none" w="med" len="med"/>
-                        </a:lnT>
-                        <a:lnB w="6350" cap="flat" cmpd="sng" algn="ctr">
-                          <a:solidFill>
-                            <a:srgbClr val="0A2342"/>
-                          </a:solidFill>
-                          <a:prstDash val="solid"/>
-                          <a:round/>
-                          <a:headEnd type="none" w="med" len="med"/>
-                          <a:tailEnd type="none" w="med" len="med"/>
-                        </a:lnB>
-                        <a:blipFill>
-                          <a:blip r:embed="rId2"/>
-                          <a:stretch>
-                            <a:fillRect l="-33889" t="-52239" r="-53889" b="-204478"/>
-                          </a:stretch>
-                        </a:blipFill>
-                      </a:tcPr>
-                    </a:tc>
-                    <a:tc>
-                      <a:txBody>
-                        <a:bodyPr/>
-                        <a:lstStyle/>
-                        <a:p>
-                          <a:pPr marL="0" indent="0">
-                            <a:buNone/>
-                          </a:pPr>
-                          <a:r>
-                            <a:rPr lang="en-US" sz="1200" dirty="0">
-                              <a:solidFill>
-                                <a:srgbClr val="000000"/>
-                              </a:solidFill>
-                            </a:rPr>
-                            <a:t>Quadratic, strictly proper, for discrete outcomes</a:t>
-                          </a:r>
-                          <a:endParaRPr lang="en-US" sz="1200" dirty="0"/>
-                        </a:p>
-                      </a:txBody>
-                      <a:tcPr marL="121920" marR="121920" marT="60960" marB="60960">
-                        <a:lnL w="6350" cap="flat" cmpd="sng" algn="ctr">
-                          <a:solidFill>
-                            <a:srgbClr val="0A2342"/>
-                          </a:solidFill>
-                          <a:prstDash val="solid"/>
-                          <a:round/>
-                          <a:headEnd type="none" w="med" len="med"/>
-                          <a:tailEnd type="none" w="med" len="med"/>
-                        </a:lnL>
-                        <a:lnR w="6350" cap="flat" cmpd="sng" algn="ctr">
-                          <a:solidFill>
-                            <a:srgbClr val="0A2342"/>
-                          </a:solidFill>
-                          <a:prstDash val="solid"/>
-                          <a:round/>
-                          <a:headEnd type="none" w="med" len="med"/>
-                          <a:tailEnd type="none" w="med" len="med"/>
-                        </a:lnR>
-                        <a:lnT w="6350" cap="flat" cmpd="sng" algn="ctr">
-                          <a:solidFill>
-                            <a:srgbClr val="0A2342"/>
-                          </a:solidFill>
-                          <a:prstDash val="solid"/>
-                          <a:round/>
-                          <a:headEnd type="none" w="med" len="med"/>
-                          <a:tailEnd type="none" w="med" len="med"/>
-                        </a:lnT>
-                        <a:lnB w="6350" cap="flat" cmpd="sng" algn="ctr">
-                          <a:solidFill>
-                            <a:srgbClr val="0A2342"/>
-                          </a:solidFill>
-                          <a:prstDash val="solid"/>
-                          <a:round/>
-                          <a:headEnd type="none" w="med" len="med"/>
-                          <a:tailEnd type="none" w="med" len="med"/>
-                        </a:lnB>
-                        <a:solidFill>
-                          <a:schemeClr val="bg1"/>
-                        </a:solidFill>
-                      </a:tcPr>
-                    </a:tc>
-                    <a:extLst>
-                      <a:ext uri="{0D108BD9-81ED-4DB2-BD59-A6C34878D82A}">
-                        <a16:rowId xmlns:a16="http://schemas.microsoft.com/office/drawing/2014/main" val="10001"/>
-                      </a:ext>
-                    </a:extLst>
-                  </a:tr>
-                  <a:tr h="853440">
-                    <a:tc>
-                      <a:txBody>
-                        <a:bodyPr/>
-                        <a:lstStyle/>
-                        <a:p>
-                          <a:pPr marL="0" indent="0">
-                            <a:buNone/>
-                          </a:pPr>
-                          <a:r>
-                            <a:rPr lang="en-US" sz="1200" dirty="0">
-                              <a:solidFill>
-                                <a:srgbClr val="000000"/>
-                              </a:solidFill>
-                            </a:rPr>
-                            <a:t>Log</a:t>
-                          </a:r>
-                          <a:endParaRPr lang="en-US" sz="1200" dirty="0"/>
-                        </a:p>
-                      </a:txBody>
-                      <a:tcPr marL="121920" marR="121920" marT="60960" marB="60960">
-                        <a:lnL w="6350" cap="flat" cmpd="sng" algn="ctr">
-                          <a:solidFill>
-                            <a:srgbClr val="0A2342"/>
-                          </a:solidFill>
-                          <a:prstDash val="solid"/>
-                          <a:round/>
-                          <a:headEnd type="none" w="med" len="med"/>
-                          <a:tailEnd type="none" w="med" len="med"/>
-                        </a:lnL>
-                        <a:lnR w="6350" cap="flat" cmpd="sng" algn="ctr">
-                          <a:solidFill>
-                            <a:srgbClr val="0A2342"/>
-                          </a:solidFill>
-                          <a:prstDash val="solid"/>
-                          <a:round/>
-                          <a:headEnd type="none" w="med" len="med"/>
-                          <a:tailEnd type="none" w="med" len="med"/>
-                        </a:lnR>
-                        <a:lnT w="6350" cap="flat" cmpd="sng" algn="ctr">
-                          <a:solidFill>
-                            <a:srgbClr val="0A2342"/>
-                          </a:solidFill>
-                          <a:prstDash val="solid"/>
-                          <a:round/>
-                          <a:headEnd type="none" w="med" len="med"/>
-                          <a:tailEnd type="none" w="med" len="med"/>
-                        </a:lnT>
-                        <a:lnB w="6350" cap="flat" cmpd="sng" algn="ctr">
-                          <a:solidFill>
-                            <a:srgbClr val="0A2342"/>
-                          </a:solidFill>
-                          <a:prstDash val="solid"/>
-                          <a:round/>
-                          <a:headEnd type="none" w="med" len="med"/>
-                          <a:tailEnd type="none" w="med" len="med"/>
-                        </a:lnB>
-                        <a:solidFill>
-                          <a:schemeClr val="bg1"/>
-                        </a:solidFill>
-                      </a:tcPr>
-                    </a:tc>
-                    <a:tc>
-                      <a:txBody>
-                        <a:bodyPr/>
-                        <a:lstStyle/>
-                        <a:p>
-                          <a:endParaRPr lang="en-US"/>
-                        </a:p>
-                      </a:txBody>
-                      <a:tcPr marL="121920" marR="121920" marT="60960" marB="60960">
-                        <a:lnL w="6350" cap="flat" cmpd="sng" algn="ctr">
-                          <a:solidFill>
-                            <a:srgbClr val="0A2342"/>
-                          </a:solidFill>
-                          <a:prstDash val="solid"/>
-                          <a:round/>
-                          <a:headEnd type="none" w="med" len="med"/>
-                          <a:tailEnd type="none" w="med" len="med"/>
-                        </a:lnL>
-                        <a:lnR w="6350" cap="flat" cmpd="sng" algn="ctr">
-                          <a:solidFill>
-                            <a:srgbClr val="0A2342"/>
-                          </a:solidFill>
-                          <a:prstDash val="solid"/>
-                          <a:round/>
-                          <a:headEnd type="none" w="med" len="med"/>
-                          <a:tailEnd type="none" w="med" len="med"/>
-                        </a:lnR>
-                        <a:lnT w="6350" cap="flat" cmpd="sng" algn="ctr">
-                          <a:solidFill>
-                            <a:srgbClr val="0A2342"/>
-                          </a:solidFill>
-                          <a:prstDash val="solid"/>
-                          <a:round/>
-                          <a:headEnd type="none" w="med" len="med"/>
-                          <a:tailEnd type="none" w="med" len="med"/>
-                        </a:lnT>
-                        <a:lnB w="6350" cap="flat" cmpd="sng" algn="ctr">
-                          <a:solidFill>
-                            <a:srgbClr val="0A2342"/>
-                          </a:solidFill>
-                          <a:prstDash val="solid"/>
-                          <a:round/>
-                          <a:headEnd type="none" w="med" len="med"/>
-                          <a:tailEnd type="none" w="med" len="med"/>
-                        </a:lnB>
-                        <a:blipFill>
-                          <a:blip r:embed="rId2"/>
-                          <a:stretch>
-                            <a:fillRect l="-33889" t="-150000" r="-53889" b="-101471"/>
-                          </a:stretch>
-                        </a:blipFill>
-                      </a:tcPr>
-                    </a:tc>
-                    <a:tc>
-                      <a:txBody>
-                        <a:bodyPr/>
-                        <a:lstStyle/>
-                        <a:p>
-                          <a:pPr marL="0" indent="0">
-                            <a:buNone/>
-                          </a:pPr>
-                          <a:r>
-                            <a:rPr lang="en-US" sz="1200" dirty="0">
-                              <a:solidFill>
-                                <a:srgbClr val="000000"/>
-                              </a:solidFill>
-                            </a:rPr>
-                            <a:t>Strictly proper, sensitive to tail probabilities</a:t>
-                          </a:r>
-                          <a:endParaRPr lang="en-US" sz="1200" dirty="0"/>
-                        </a:p>
-                      </a:txBody>
-                      <a:tcPr marL="121920" marR="121920" marT="60960" marB="60960">
-                        <a:lnL w="6350" cap="flat" cmpd="sng" algn="ctr">
-                          <a:solidFill>
-                            <a:srgbClr val="0A2342"/>
-                          </a:solidFill>
-                          <a:prstDash val="solid"/>
-                          <a:round/>
-                          <a:headEnd type="none" w="med" len="med"/>
-                          <a:tailEnd type="none" w="med" len="med"/>
-                        </a:lnL>
-                        <a:lnR w="6350" cap="flat" cmpd="sng" algn="ctr">
-                          <a:solidFill>
-                            <a:srgbClr val="0A2342"/>
-                          </a:solidFill>
-                          <a:prstDash val="solid"/>
-                          <a:round/>
-                          <a:headEnd type="none" w="med" len="med"/>
-                          <a:tailEnd type="none" w="med" len="med"/>
-                        </a:lnR>
-                        <a:lnT w="6350" cap="flat" cmpd="sng" algn="ctr">
-                          <a:solidFill>
-                            <a:srgbClr val="0A2342"/>
-                          </a:solidFill>
-                          <a:prstDash val="solid"/>
-                          <a:round/>
-                          <a:headEnd type="none" w="med" len="med"/>
-                          <a:tailEnd type="none" w="med" len="med"/>
-                        </a:lnT>
-                        <a:lnB w="6350" cap="flat" cmpd="sng" algn="ctr">
-                          <a:solidFill>
-                            <a:srgbClr val="0A2342"/>
-                          </a:solidFill>
-                          <a:prstDash val="solid"/>
-                          <a:round/>
-                          <a:headEnd type="none" w="med" len="med"/>
-                          <a:tailEnd type="none" w="med" len="med"/>
-                        </a:lnB>
-                        <a:solidFill>
-                          <a:schemeClr val="bg1"/>
-                        </a:solidFill>
-                      </a:tcPr>
-                    </a:tc>
-                    <a:extLst>
-                      <a:ext uri="{0D108BD9-81ED-4DB2-BD59-A6C34878D82A}">
-                        <a16:rowId xmlns:a16="http://schemas.microsoft.com/office/drawing/2014/main" val="10002"/>
-                      </a:ext>
-                    </a:extLst>
-                  </a:tr>
-                  <a:tr h="853440">
-                    <a:tc>
-                      <a:txBody>
-                        <a:bodyPr/>
-                        <a:lstStyle/>
-                        <a:p>
-                          <a:pPr marL="0" indent="0">
-                            <a:buNone/>
-                          </a:pPr>
-                          <a:r>
-                            <a:rPr lang="en-US" sz="1200" dirty="0">
-                              <a:solidFill>
-                                <a:srgbClr val="000000"/>
-                              </a:solidFill>
-                            </a:rPr>
-                            <a:t>CRPS</a:t>
-                          </a:r>
-                          <a:endParaRPr lang="en-US" sz="1200" dirty="0"/>
-                        </a:p>
-                      </a:txBody>
-                      <a:tcPr marL="121920" marR="121920" marT="60960" marB="60960">
-                        <a:lnL w="6350" cap="flat" cmpd="sng" algn="ctr">
-                          <a:solidFill>
-                            <a:srgbClr val="0A2342"/>
-                          </a:solidFill>
-                          <a:prstDash val="solid"/>
-                          <a:round/>
-                          <a:headEnd type="none" w="med" len="med"/>
-                          <a:tailEnd type="none" w="med" len="med"/>
-                        </a:lnL>
-                        <a:lnR w="6350" cap="flat" cmpd="sng" algn="ctr">
-                          <a:solidFill>
-                            <a:srgbClr val="0A2342"/>
-                          </a:solidFill>
-                          <a:prstDash val="solid"/>
-                          <a:round/>
-                          <a:headEnd type="none" w="med" len="med"/>
-                          <a:tailEnd type="none" w="med" len="med"/>
-                        </a:lnR>
-                        <a:lnT w="6350" cap="flat" cmpd="sng" algn="ctr">
-                          <a:solidFill>
-                            <a:srgbClr val="0A2342"/>
-                          </a:solidFill>
-                          <a:prstDash val="solid"/>
-                          <a:round/>
-                          <a:headEnd type="none" w="med" len="med"/>
-                          <a:tailEnd type="none" w="med" len="med"/>
-                        </a:lnT>
-                        <a:lnB w="6350" cap="flat" cmpd="sng" algn="ctr">
-                          <a:solidFill>
-                            <a:srgbClr val="0A2342"/>
-                          </a:solidFill>
-                          <a:prstDash val="solid"/>
-                          <a:round/>
-                          <a:headEnd type="none" w="med" len="med"/>
-                          <a:tailEnd type="none" w="med" len="med"/>
-                        </a:lnB>
-                        <a:solidFill>
-                          <a:schemeClr val="bg1"/>
-                        </a:solidFill>
-                      </a:tcPr>
-                    </a:tc>
-                    <a:tc>
-                      <a:txBody>
-                        <a:bodyPr/>
-                        <a:lstStyle/>
-                        <a:p>
-                          <a:endParaRPr lang="en-US"/>
-                        </a:p>
-                      </a:txBody>
-                      <a:tcPr marL="121920" marR="121920" marT="60960" marB="60960">
-                        <a:lnL w="6350" cap="flat" cmpd="sng" algn="ctr">
-                          <a:solidFill>
-                            <a:srgbClr val="0A2342"/>
-                          </a:solidFill>
-                          <a:prstDash val="solid"/>
-                          <a:round/>
-                          <a:headEnd type="none" w="med" len="med"/>
-                          <a:tailEnd type="none" w="med" len="med"/>
-                        </a:lnL>
-                        <a:lnR w="6350" cap="flat" cmpd="sng" algn="ctr">
-                          <a:solidFill>
-                            <a:srgbClr val="0A2342"/>
-                          </a:solidFill>
-                          <a:prstDash val="solid"/>
-                          <a:round/>
-                          <a:headEnd type="none" w="med" len="med"/>
-                          <a:tailEnd type="none" w="med" len="med"/>
-                        </a:lnR>
-                        <a:lnT w="6350" cap="flat" cmpd="sng" algn="ctr">
-                          <a:solidFill>
-                            <a:srgbClr val="0A2342"/>
-                          </a:solidFill>
-                          <a:prstDash val="solid"/>
-                          <a:round/>
-                          <a:headEnd type="none" w="med" len="med"/>
-                          <a:tailEnd type="none" w="med" len="med"/>
-                        </a:lnT>
-                        <a:lnB w="6350" cap="flat" cmpd="sng" algn="ctr">
-                          <a:solidFill>
-                            <a:srgbClr val="0A2342"/>
-                          </a:solidFill>
-                          <a:prstDash val="solid"/>
-                          <a:round/>
-                          <a:headEnd type="none" w="med" len="med"/>
-                          <a:tailEnd type="none" w="med" len="med"/>
-                        </a:lnB>
-                        <a:blipFill>
-                          <a:blip r:embed="rId2"/>
-                          <a:stretch>
-                            <a:fillRect l="-33889" t="-253731" r="-53889" b="-2985"/>
-                          </a:stretch>
-                        </a:blipFill>
-                      </a:tcPr>
-                    </a:tc>
-                    <a:tc>
-                      <a:txBody>
-                        <a:bodyPr/>
-                        <a:lstStyle/>
-                        <a:p>
-                          <a:pPr marL="0" indent="0">
-                            <a:buNone/>
-                          </a:pPr>
-                          <a:r>
-                            <a:rPr lang="en-US" sz="1200" dirty="0">
-                              <a:solidFill>
-                                <a:srgbClr val="000000"/>
-                              </a:solidFill>
-                            </a:rPr>
-                            <a:t>Strictly proper, extension of MAE to distributions</a:t>
-                          </a:r>
-                          <a:endParaRPr lang="en-US" sz="1200" dirty="0"/>
-                        </a:p>
-                      </a:txBody>
-                      <a:tcPr marL="121920" marR="121920" marT="60960" marB="60960">
-                        <a:lnL w="6350" cap="flat" cmpd="sng" algn="ctr">
-                          <a:solidFill>
-                            <a:srgbClr val="0A2342"/>
-                          </a:solidFill>
-                          <a:prstDash val="solid"/>
-                          <a:round/>
-                          <a:headEnd type="none" w="med" len="med"/>
-                          <a:tailEnd type="none" w="med" len="med"/>
-                        </a:lnL>
-                        <a:lnR w="6350" cap="flat" cmpd="sng" algn="ctr">
-                          <a:solidFill>
-                            <a:srgbClr val="0A2342"/>
-                          </a:solidFill>
-                          <a:prstDash val="solid"/>
-                          <a:round/>
-                          <a:headEnd type="none" w="med" len="med"/>
-                          <a:tailEnd type="none" w="med" len="med"/>
-                        </a:lnR>
-                        <a:lnT w="6350" cap="flat" cmpd="sng" algn="ctr">
-                          <a:solidFill>
-                            <a:srgbClr val="0A2342"/>
-                          </a:solidFill>
-                          <a:prstDash val="solid"/>
-                          <a:round/>
-                          <a:headEnd type="none" w="med" len="med"/>
-                          <a:tailEnd type="none" w="med" len="med"/>
-                        </a:lnT>
-                        <a:lnB w="6350" cap="flat" cmpd="sng" algn="ctr">
-                          <a:solidFill>
-                            <a:srgbClr val="0A2342"/>
-                          </a:solidFill>
-                          <a:prstDash val="solid"/>
-                          <a:round/>
-                          <a:headEnd type="none" w="med" len="med"/>
-                          <a:tailEnd type="none" w="med" len="med"/>
-                        </a:lnB>
-                        <a:solidFill>
-                          <a:schemeClr val="bg1"/>
-                        </a:solidFill>
-                      </a:tcPr>
-                    </a:tc>
-                    <a:extLst>
-                      <a:ext uri="{0D108BD9-81ED-4DB2-BD59-A6C34878D82A}">
-                        <a16:rowId xmlns:a16="http://schemas.microsoft.com/office/drawing/2014/main" val="10003"/>
-                      </a:ext>
-                    </a:extLst>
-                  </a:tr>
-                </a:tbl>
-              </a:graphicData>
-            </a:graphic>
-          </p:graphicFrame>
-        </mc:Fallback>
-      </mc:AlternateContent>
       <p:sp>
         <p:nvSpPr>
           <p:cNvPr id="5" name="Slide Number Placeholder 4">
@@ -10516,6 +8038,357 @@
           </a:p>
         </p:txBody>
       </p:sp>
+      <p:graphicFrame>
+        <p:nvGraphicFramePr>
+          <p:cNvPr id="6" name="Table 5">
+            <a:extLst>
+              <a:ext uri="{FF2B5EF4-FFF2-40B4-BE49-F238E27FC236}">
+                <a16:creationId xmlns:a16="http://schemas.microsoft.com/office/drawing/2014/main" id="{F119D037-EE20-1E16-CE3E-E6E1407F9DB7}"/>
+              </a:ext>
+            </a:extLst>
+          </p:cNvPr>
+          <p:cNvGraphicFramePr>
+            <a:graphicFrameLocks noGrp="1"/>
+          </p:cNvGraphicFramePr>
+          <p:nvPr>
+            <p:extLst>
+              <p:ext uri="{D42A27DB-BD31-4B8C-83A1-F6EECF244321}">
+                <p14:modId xmlns:p14="http://schemas.microsoft.com/office/powerpoint/2010/main" val="4133786701"/>
+              </p:ext>
+            </p:extLst>
+          </p:nvPr>
+        </p:nvGraphicFramePr>
+        <p:xfrm>
+          <a:off x="838200" y="4997332"/>
+          <a:ext cx="8128002" cy="1112520"/>
+        </p:xfrm>
+        <a:graphic>
+          <a:graphicData uri="http://schemas.openxmlformats.org/drawingml/2006/table">
+            <a:tbl>
+              <a:tblPr firstRow="1" bandRow="1">
+                <a:tableStyleId>{5C22544A-7EE6-4342-B048-85BDC9FD1C3A}</a:tableStyleId>
+              </a:tblPr>
+              <a:tblGrid>
+                <a:gridCol w="1354667">
+                  <a:extLst>
+                    <a:ext uri="{9D8B030D-6E8A-4147-A177-3AD203B41FA5}">
+                      <a16:colId xmlns:a16="http://schemas.microsoft.com/office/drawing/2014/main" val="3239652989"/>
+                    </a:ext>
+                  </a:extLst>
+                </a:gridCol>
+                <a:gridCol w="1354667">
+                  <a:extLst>
+                    <a:ext uri="{9D8B030D-6E8A-4147-A177-3AD203B41FA5}">
+                      <a16:colId xmlns:a16="http://schemas.microsoft.com/office/drawing/2014/main" val="3818513952"/>
+                    </a:ext>
+                  </a:extLst>
+                </a:gridCol>
+                <a:gridCol w="1354667">
+                  <a:extLst>
+                    <a:ext uri="{9D8B030D-6E8A-4147-A177-3AD203B41FA5}">
+                      <a16:colId xmlns:a16="http://schemas.microsoft.com/office/drawing/2014/main" val="2284104770"/>
+                    </a:ext>
+                  </a:extLst>
+                </a:gridCol>
+                <a:gridCol w="1354667">
+                  <a:extLst>
+                    <a:ext uri="{9D8B030D-6E8A-4147-A177-3AD203B41FA5}">
+                      <a16:colId xmlns:a16="http://schemas.microsoft.com/office/drawing/2014/main" val="2542112471"/>
+                    </a:ext>
+                  </a:extLst>
+                </a:gridCol>
+                <a:gridCol w="1354667">
+                  <a:extLst>
+                    <a:ext uri="{9D8B030D-6E8A-4147-A177-3AD203B41FA5}">
+                      <a16:colId xmlns:a16="http://schemas.microsoft.com/office/drawing/2014/main" val="1543439081"/>
+                    </a:ext>
+                  </a:extLst>
+                </a:gridCol>
+                <a:gridCol w="1354667">
+                  <a:extLst>
+                    <a:ext uri="{9D8B030D-6E8A-4147-A177-3AD203B41FA5}">
+                      <a16:colId xmlns:a16="http://schemas.microsoft.com/office/drawing/2014/main" val="1275539915"/>
+                    </a:ext>
+                  </a:extLst>
+                </a:gridCol>
+              </a:tblGrid>
+              <a:tr h="370840">
+                <a:tc>
+                  <a:txBody>
+                    <a:bodyPr/>
+                    <a:lstStyle/>
+                    <a:p>
+                      <a:pPr>
+                        <a:buNone/>
+                      </a:pPr>
+                      <a:r>
+                        <a:rPr lang="en-IE" sz="1600" b="0" dirty="0"/>
+                        <a:t>Model</a:t>
+                      </a:r>
+                    </a:p>
+                  </a:txBody>
+                  <a:tcPr anchor="ctr"/>
+                </a:tc>
+                <a:tc>
+                  <a:txBody>
+                    <a:bodyPr/>
+                    <a:lstStyle/>
+                    <a:p>
+                      <a:pPr>
+                        <a:buNone/>
+                      </a:pPr>
+                      <a:r>
+                        <a:rPr lang="en-IE" sz="1600" b="0" dirty="0"/>
+                        <a:t>Mean</a:t>
+                      </a:r>
+                    </a:p>
+                  </a:txBody>
+                  <a:tcPr anchor="ctr"/>
+                </a:tc>
+                <a:tc>
+                  <a:txBody>
+                    <a:bodyPr/>
+                    <a:lstStyle/>
+                    <a:p>
+                      <a:pPr>
+                        <a:buNone/>
+                      </a:pPr>
+                      <a:r>
+                        <a:rPr lang="en-IE" sz="1600" b="0" dirty="0"/>
+                        <a:t>Std deviation</a:t>
+                      </a:r>
+                    </a:p>
+                  </a:txBody>
+                  <a:tcPr anchor="ctr"/>
+                </a:tc>
+                <a:tc>
+                  <a:txBody>
+                    <a:bodyPr/>
+                    <a:lstStyle/>
+                    <a:p>
+                      <a:pPr>
+                        <a:buNone/>
+                      </a:pPr>
+                      <a:r>
+                        <a:rPr lang="en-IE" sz="1600" b="0"/>
+                        <a:t>Observation</a:t>
+                      </a:r>
+                    </a:p>
+                  </a:txBody>
+                  <a:tcPr anchor="ctr"/>
+                </a:tc>
+                <a:tc>
+                  <a:txBody>
+                    <a:bodyPr/>
+                    <a:lstStyle/>
+                    <a:p>
+                      <a:pPr>
+                        <a:buNone/>
+                      </a:pPr>
+                      <a:r>
+                        <a:rPr lang="en-IE" sz="1600" b="0" dirty="0"/>
+                        <a:t>Scoring rule</a:t>
+                      </a:r>
+                    </a:p>
+                  </a:txBody>
+                  <a:tcPr anchor="ctr"/>
+                </a:tc>
+                <a:tc>
+                  <a:txBody>
+                    <a:bodyPr/>
+                    <a:lstStyle/>
+                    <a:p>
+                      <a:pPr>
+                        <a:buNone/>
+                      </a:pPr>
+                      <a:r>
+                        <a:rPr lang="en-IE" sz="1600" b="0" dirty="0"/>
+                        <a:t>MSE</a:t>
+                      </a:r>
+                    </a:p>
+                  </a:txBody>
+                  <a:tcPr anchor="ctr"/>
+                </a:tc>
+                <a:extLst>
+                  <a:ext uri="{0D108BD9-81ED-4DB2-BD59-A6C34878D82A}">
+                    <a16:rowId xmlns:a16="http://schemas.microsoft.com/office/drawing/2014/main" val="3898820243"/>
+                  </a:ext>
+                </a:extLst>
+              </a:tr>
+              <a:tr h="370840">
+                <a:tc>
+                  <a:txBody>
+                    <a:bodyPr/>
+                    <a:lstStyle/>
+                    <a:p>
+                      <a:r>
+                        <a:rPr lang="en-US" dirty="0"/>
+                        <a:t>A</a:t>
+                      </a:r>
+                    </a:p>
+                  </a:txBody>
+                  <a:tcPr/>
+                </a:tc>
+                <a:tc>
+                  <a:txBody>
+                    <a:bodyPr/>
+                    <a:lstStyle/>
+                    <a:p>
+                      <a:r>
+                        <a:rPr lang="en-US" dirty="0"/>
+                        <a:t>20°C</a:t>
+                      </a:r>
+                    </a:p>
+                  </a:txBody>
+                  <a:tcPr/>
+                </a:tc>
+                <a:tc>
+                  <a:txBody>
+                    <a:bodyPr/>
+                    <a:lstStyle/>
+                    <a:p>
+                      <a:r>
+                        <a:rPr lang="en-US" dirty="0"/>
+                        <a:t>1°C</a:t>
+                      </a:r>
+                    </a:p>
+                  </a:txBody>
+                  <a:tcPr/>
+                </a:tc>
+                <a:tc>
+                  <a:txBody>
+                    <a:bodyPr/>
+                    <a:lstStyle/>
+                    <a:p>
+                      <a:r>
+                        <a:rPr lang="en-US" dirty="0"/>
+                        <a:t>19°C</a:t>
+                      </a:r>
+                    </a:p>
+                  </a:txBody>
+                  <a:tcPr/>
+                </a:tc>
+                <a:tc>
+                  <a:txBody>
+                    <a:bodyPr/>
+                    <a:lstStyle/>
+                    <a:p>
+                      <a:r>
+                        <a:rPr lang="en-US" dirty="0"/>
+                        <a:t>1.42</a:t>
+                      </a:r>
+                    </a:p>
+                  </a:txBody>
+                  <a:tcPr/>
+                </a:tc>
+                <a:tc>
+                  <a:txBody>
+                    <a:bodyPr/>
+                    <a:lstStyle/>
+                    <a:p>
+                      <a:r>
+                        <a:rPr lang="en-US" dirty="0"/>
+                        <a:t>1</a:t>
+                      </a:r>
+                    </a:p>
+                  </a:txBody>
+                  <a:tcPr/>
+                </a:tc>
+                <a:extLst>
+                  <a:ext uri="{0D108BD9-81ED-4DB2-BD59-A6C34878D82A}">
+                    <a16:rowId xmlns:a16="http://schemas.microsoft.com/office/drawing/2014/main" val="2470027981"/>
+                  </a:ext>
+                </a:extLst>
+              </a:tr>
+              <a:tr h="370840">
+                <a:tc>
+                  <a:txBody>
+                    <a:bodyPr/>
+                    <a:lstStyle/>
+                    <a:p>
+                      <a:r>
+                        <a:rPr lang="en-US" dirty="0"/>
+                        <a:t>B</a:t>
+                      </a:r>
+                    </a:p>
+                  </a:txBody>
+                  <a:tcPr/>
+                </a:tc>
+                <a:tc>
+                  <a:txBody>
+                    <a:bodyPr/>
+                    <a:lstStyle/>
+                    <a:p>
+                      <a:r>
+                        <a:rPr lang="en-US" dirty="0"/>
+                        <a:t>20°C</a:t>
+                      </a:r>
+                    </a:p>
+                  </a:txBody>
+                  <a:tcPr/>
+                </a:tc>
+                <a:tc>
+                  <a:txBody>
+                    <a:bodyPr/>
+                    <a:lstStyle/>
+                    <a:p>
+                      <a:r>
+                        <a:rPr lang="en-US" dirty="0"/>
+                        <a:t>3°C</a:t>
+                      </a:r>
+                    </a:p>
+                  </a:txBody>
+                  <a:tcPr/>
+                </a:tc>
+                <a:tc>
+                  <a:txBody>
+                    <a:bodyPr/>
+                    <a:lstStyle/>
+                    <a:p>
+                      <a:r>
+                        <a:rPr lang="en-US" dirty="0"/>
+                        <a:t>19°C</a:t>
+                      </a:r>
+                    </a:p>
+                  </a:txBody>
+                  <a:tcPr/>
+                </a:tc>
+                <a:tc>
+                  <a:txBody>
+                    <a:bodyPr/>
+                    <a:lstStyle/>
+                    <a:p>
+                      <a:r>
+                        <a:rPr lang="en-US" dirty="0"/>
+                        <a:t>1.94</a:t>
+                      </a:r>
+                    </a:p>
+                  </a:txBody>
+                  <a:tcPr/>
+                </a:tc>
+                <a:tc>
+                  <a:txBody>
+                    <a:bodyPr/>
+                    <a:lstStyle/>
+                    <a:p>
+                      <a:r>
+                        <a:rPr lang="en-US" dirty="0"/>
+                        <a:t>1</a:t>
+                      </a:r>
+                    </a:p>
+                  </a:txBody>
+                  <a:tcPr/>
+                </a:tc>
+                <a:extLst>
+                  <a:ext uri="{0D108BD9-81ED-4DB2-BD59-A6C34878D82A}">
+                    <a16:rowId xmlns:a16="http://schemas.microsoft.com/office/drawing/2014/main" val="112411086"/>
+                  </a:ext>
+                </a:extLst>
+              </a:tr>
+            </a:tbl>
+          </a:graphicData>
+        </a:graphic>
+      </p:graphicFrame>
     </p:spTree>
     <p:extLst>
       <p:ext uri="{BB962C8B-B14F-4D97-AF65-F5344CB8AC3E}">
@@ -10551,7 +8424,7 @@
           <p:cNvPr id="2" name="Title 1">
             <a:extLst>
               <a:ext uri="{FF2B5EF4-FFF2-40B4-BE49-F238E27FC236}">
-                <a16:creationId xmlns:a16="http://schemas.microsoft.com/office/drawing/2014/main" id="{00F491F6-5030-A6B2-F910-36C692E13BC4}"/>
+                <a16:creationId xmlns:a16="http://schemas.microsoft.com/office/drawing/2014/main" id="{DD318252-4496-DC1D-C78F-A2FC8216BFA7}"/>
               </a:ext>
             </a:extLst>
           </p:cNvPr>
@@ -10569,13 +8442,216 @@
           <a:p>
             <a:r>
               <a:rPr lang="en-US" dirty="0"/>
-              <a:t>Brier score</a:t>
+              <a:t>Calibration and sharpness</a:t>
             </a:r>
           </a:p>
         </p:txBody>
       </p:sp>
-      <mc:AlternateContent xmlns:mc="http://schemas.openxmlformats.org/markup-compatibility/2006" xmlns:a14="http://schemas.microsoft.com/office/drawing/2010/main">
-        <mc:Choice Requires="a14">
+      <p:sp>
+        <p:nvSpPr>
+          <p:cNvPr id="3" name="Content Placeholder 2">
+            <a:extLst>
+              <a:ext uri="{FF2B5EF4-FFF2-40B4-BE49-F238E27FC236}">
+                <a16:creationId xmlns:a16="http://schemas.microsoft.com/office/drawing/2014/main" id="{7025A2D9-9FB8-EB60-BA99-7771EAD6D97D}"/>
+              </a:ext>
+            </a:extLst>
+          </p:cNvPr>
+          <p:cNvSpPr>
+            <a:spLocks noGrp="1"/>
+          </p:cNvSpPr>
+          <p:nvPr>
+            <p:ph idx="1"/>
+          </p:nvPr>
+        </p:nvSpPr>
+        <p:spPr>
+          <a:xfrm>
+            <a:off x="838200" y="1825625"/>
+            <a:ext cx="5164394" cy="4149290"/>
+          </a:xfrm>
+        </p:spPr>
+        <p:txBody>
+          <a:bodyPr>
+            <a:normAutofit/>
+          </a:bodyPr>
+          <a:lstStyle/>
+          <a:p>
+            <a:r>
+              <a:rPr lang="en-US" dirty="0"/>
+              <a:t>Reliability: predicted probabilities match observed frequencies.</a:t>
+            </a:r>
+          </a:p>
+          <a:p>
+            <a:r>
+              <a:rPr lang="en-US" dirty="0"/>
+              <a:t>Sharpness: predictive distributions are as concentrated as possible.</a:t>
+            </a:r>
+          </a:p>
+          <a:p>
+            <a:r>
+              <a:rPr lang="en-US" dirty="0"/>
+              <a:t>Aim: reliability diagrams close to diagonal and narrow prediction intervals.</a:t>
+            </a:r>
+          </a:p>
+        </p:txBody>
+      </p:sp>
+      <p:graphicFrame>
+        <p:nvGraphicFramePr>
+          <p:cNvPr id="4" name="Chart 0">
+            <a:extLst>
+              <a:ext uri="{FF2B5EF4-FFF2-40B4-BE49-F238E27FC236}">
+                <a16:creationId xmlns:a16="http://schemas.microsoft.com/office/drawing/2014/main" id="{64FB3AD5-17A0-490E-2A29-96676CF6A348}"/>
+              </a:ext>
+            </a:extLst>
+          </p:cNvPr>
+          <p:cNvGraphicFramePr/>
+          <p:nvPr>
+            <p:extLst>
+              <p:ext uri="{D42A27DB-BD31-4B8C-83A1-F6EECF244321}">
+                <p14:modId xmlns:p14="http://schemas.microsoft.com/office/powerpoint/2010/main" val="3842082671"/>
+              </p:ext>
+            </p:extLst>
+          </p:nvPr>
+        </p:nvGraphicFramePr>
+        <p:xfrm>
+          <a:off x="6189408" y="1690688"/>
+          <a:ext cx="5608320" cy="3048000"/>
+        </p:xfrm>
+        <a:graphic>
+          <a:graphicData uri="http://schemas.openxmlformats.org/drawingml/2006/chart">
+            <c:chart xmlns:c="http://schemas.openxmlformats.org/drawingml/2006/chart" xmlns:r="http://schemas.openxmlformats.org/officeDocument/2006/relationships" r:id="rId2"/>
+          </a:graphicData>
+        </a:graphic>
+      </p:graphicFrame>
+      <p:sp>
+        <p:nvSpPr>
+          <p:cNvPr id="5" name="Text 2">
+            <a:extLst>
+              <a:ext uri="{FF2B5EF4-FFF2-40B4-BE49-F238E27FC236}">
+                <a16:creationId xmlns:a16="http://schemas.microsoft.com/office/drawing/2014/main" id="{23F12CFE-3280-D206-9724-E662087EFA2F}"/>
+              </a:ext>
+            </a:extLst>
+          </p:cNvPr>
+          <p:cNvSpPr/>
+          <p:nvPr/>
+        </p:nvSpPr>
+        <p:spPr>
+          <a:xfrm>
+            <a:off x="6189408" y="4705752"/>
+            <a:ext cx="5608320" cy="365760"/>
+          </a:xfrm>
+          <a:prstGeom prst="rect">
+            <a:avLst/>
+          </a:prstGeom>
+          <a:solidFill>
+            <a:schemeClr val="bg1"/>
+          </a:solidFill>
+          <a:ln/>
+        </p:spPr>
+        <p:txBody>
+          <a:bodyPr wrap="square" rtlCol="0" anchor="ctr"/>
+          <a:lstStyle/>
+          <a:p>
+            <a:r>
+              <a:rPr lang="en-US" sz="1067" dirty="0">
+                <a:solidFill>
+                  <a:srgbClr val="0A2342"/>
+                </a:solidFill>
+              </a:rPr>
+              <a:t>Reliability diagram</a:t>
+            </a:r>
+            <a:endParaRPr lang="en-US" sz="1067" dirty="0"/>
+          </a:p>
+        </p:txBody>
+      </p:sp>
+      <p:sp>
+        <p:nvSpPr>
+          <p:cNvPr id="6" name="Slide Number Placeholder 5">
+            <a:extLst>
+              <a:ext uri="{FF2B5EF4-FFF2-40B4-BE49-F238E27FC236}">
+                <a16:creationId xmlns:a16="http://schemas.microsoft.com/office/drawing/2014/main" id="{4DA77822-C8CD-9E70-D67D-40EFBC558546}"/>
+              </a:ext>
+            </a:extLst>
+          </p:cNvPr>
+          <p:cNvSpPr>
+            <a:spLocks noGrp="1"/>
+          </p:cNvSpPr>
+          <p:nvPr>
+            <p:ph type="sldNum" sz="quarter" idx="12"/>
+          </p:nvPr>
+        </p:nvSpPr>
+        <p:spPr/>
+        <p:txBody>
+          <a:bodyPr/>
+          <a:lstStyle/>
+          <a:p>
+            <a:fld id="{5A064C77-022D-3743-A04E-645624933D1D}" type="slidenum">
+              <a:rPr lang="en-US" smtClean="0"/>
+              <a:t>5</a:t>
+            </a:fld>
+            <a:endParaRPr lang="en-US"/>
+          </a:p>
+        </p:txBody>
+      </p:sp>
+    </p:spTree>
+    <p:extLst>
+      <p:ext uri="{BB962C8B-B14F-4D97-AF65-F5344CB8AC3E}">
+        <p14:creationId xmlns:p14="http://schemas.microsoft.com/office/powerpoint/2010/main" val="1734932489"/>
+      </p:ext>
+    </p:extLst>
+  </p:cSld>
+  <p:clrMapOvr>
+    <a:masterClrMapping/>
+  </p:clrMapOvr>
+</p:sld>
+</file>
+
+<file path=ppt/slides/slide6.xml><?xml version="1.0" encoding="utf-8"?>
+<p:sld xmlns:a="http://schemas.openxmlformats.org/drawingml/2006/main" xmlns:r="http://schemas.openxmlformats.org/officeDocument/2006/relationships" xmlns:p="http://schemas.openxmlformats.org/presentationml/2006/main">
+  <p:cSld>
+    <p:spTree>
+      <p:nvGrpSpPr>
+        <p:cNvPr id="1" name=""/>
+        <p:cNvGrpSpPr/>
+        <p:nvPr/>
+      </p:nvGrpSpPr>
+      <p:grpSpPr>
+        <a:xfrm>
+          <a:off x="0" y="0"/>
+          <a:ext cx="0" cy="0"/>
+          <a:chOff x="0" y="0"/>
+          <a:chExt cx="0" cy="0"/>
+        </a:xfrm>
+      </p:grpSpPr>
+      <p:sp>
+        <p:nvSpPr>
+          <p:cNvPr id="2" name="Title 1">
+            <a:extLst>
+              <a:ext uri="{FF2B5EF4-FFF2-40B4-BE49-F238E27FC236}">
+                <a16:creationId xmlns:a16="http://schemas.microsoft.com/office/drawing/2014/main" id="{00F491F6-5030-A6B2-F910-36C692E13BC4}"/>
+              </a:ext>
+            </a:extLst>
+          </p:cNvPr>
+          <p:cNvSpPr>
+            <a:spLocks noGrp="1"/>
+          </p:cNvSpPr>
+          <p:nvPr>
+            <p:ph type="title"/>
+          </p:nvPr>
+        </p:nvSpPr>
+        <p:spPr/>
+        <p:txBody>
+          <a:bodyPr/>
+          <a:lstStyle/>
+          <a:p>
+            <a:r>
+              <a:rPr lang="en-US" dirty="0"/>
+              <a:t>Brier score</a:t>
+            </a:r>
+          </a:p>
+        </p:txBody>
+      </p:sp>
+      <mc:AlternateContent xmlns:mc="http://schemas.openxmlformats.org/markup-compatibility/2006">
+        <mc:Choice xmlns:a14="http://schemas.microsoft.com/office/drawing/2010/main" Requires="a14">
           <p:sp>
             <p:nvSpPr>
               <p:cNvPr id="3" name="Content Placeholder 2">
@@ -10595,11 +8671,13 @@
             <p:spPr>
               <a:xfrm>
                 <a:off x="838200" y="1825625"/>
-                <a:ext cx="5083277" cy="4149290"/>
+                <a:ext cx="8245839" cy="4149290"/>
               </a:xfrm>
             </p:spPr>
             <p:txBody>
-              <a:bodyPr/>
+              <a:bodyPr>
+                <a:normAutofit fontScale="92500"/>
+              </a:bodyPr>
               <a:lstStyle/>
               <a:p>
                 <a:r>
@@ -10660,138 +8738,150 @@
                       <a:rPr lang="en-US" i="1" dirty="0" smtClean="0">
                         <a:latin typeface="Cambria Math" panose="02040503050406030204" pitchFamily="18" charset="0"/>
                       </a:rPr>
-                      <m:t> = </m:t>
+                      <m:t> =</m:t>
                     </m:r>
                     <m:sSup>
                       <m:sSupPr>
                         <m:ctrlPr>
-                          <a:rPr lang="en-US" i="1" dirty="0" smtClean="0">
+                          <a:rPr lang="en-IE" i="1" dirty="0">
                             <a:latin typeface="Cambria Math" panose="02040503050406030204" pitchFamily="18" charset="0"/>
                           </a:rPr>
                         </m:ctrlPr>
                       </m:sSupPr>
                       <m:e>
-                        <m:d>
-                          <m:dPr>
+                        <m:f>
+                          <m:fPr>
                             <m:ctrlPr>
-                              <a:rPr lang="en-US" i="1" dirty="0" smtClean="0">
+                              <a:rPr lang="en-IE" b="0" i="1" dirty="0" smtClean="0">
                                 <a:latin typeface="Cambria Math" panose="02040503050406030204" pitchFamily="18" charset="0"/>
                               </a:rPr>
                             </m:ctrlPr>
-                          </m:dPr>
-                          <m:e>
+                          </m:fPr>
+                          <m:num>
                             <m:r>
-                              <a:rPr lang="en-US" i="1" dirty="0" smtClean="0">
+                              <a:rPr lang="en-IE" b="0" i="1" dirty="0" smtClean="0">
                                 <a:latin typeface="Cambria Math" panose="02040503050406030204" pitchFamily="18" charset="0"/>
                               </a:rPr>
-                              <m:t>𝑦</m:t>
+                              <m:t>1</m:t>
                             </m:r>
+                          </m:num>
+                          <m:den>
                             <m:r>
-                              <a:rPr lang="en-US" i="1" dirty="0" smtClean="0">
+                              <a:rPr lang="en-IE" b="0" i="1" dirty="0" smtClean="0">
                                 <a:latin typeface="Cambria Math" panose="02040503050406030204" pitchFamily="18" charset="0"/>
                               </a:rPr>
-                              <m:t>−</m:t>
+                              <m:t>𝑁</m:t>
                             </m:r>
-                            <m:r>
-                              <a:rPr lang="en-US" i="1" dirty="0" smtClean="0">
-                                <a:latin typeface="Cambria Math" panose="02040503050406030204" pitchFamily="18" charset="0"/>
-                              </a:rPr>
-                              <m:t>𝑝</m:t>
-                            </m:r>
-                          </m:e>
-                        </m:d>
-                      </m:e>
-                      <m:sup>
-                        <m:r>
-                          <a:rPr lang="en-IE" b="0" i="1" dirty="0" smtClean="0">
-                            <a:latin typeface="Cambria Math" panose="02040503050406030204" pitchFamily="18" charset="0"/>
-                          </a:rPr>
-                          <m:t>2</m:t>
-                        </m:r>
-                      </m:sup>
-                    </m:sSup>
-                    <m:r>
-                      <a:rPr lang="en-US" i="1" dirty="0" smtClean="0">
-                        <a:latin typeface="Cambria Math" panose="02040503050406030204" pitchFamily="18" charset="0"/>
-                      </a:rPr>
-                      <m:t> + </m:t>
-                    </m:r>
-                    <m:sSup>
-                      <m:sSupPr>
-                        <m:ctrlPr>
-                          <a:rPr lang="en-US" i="1" dirty="0" smtClean="0">
-                            <a:latin typeface="Cambria Math" panose="02040503050406030204" pitchFamily="18" charset="0"/>
-                          </a:rPr>
-                        </m:ctrlPr>
-                      </m:sSupPr>
-                      <m:e>
-                        <m:d>
-                          <m:dPr>
+                          </m:den>
+                        </m:f>
+                        <m:nary>
+                          <m:naryPr>
+                            <m:chr m:val="∑"/>
                             <m:ctrlPr>
-                              <a:rPr lang="en-US" i="1" dirty="0" smtClean="0">
+                              <a:rPr lang="en-US" i="1" dirty="0">
                                 <a:latin typeface="Cambria Math" panose="02040503050406030204" pitchFamily="18" charset="0"/>
                               </a:rPr>
                             </m:ctrlPr>
-                          </m:dPr>
+                          </m:naryPr>
+                          <m:sub>
+                            <m:r>
+                              <m:rPr>
+                                <m:brk m:alnAt="23"/>
+                              </m:rPr>
+                              <a:rPr lang="en-IE" i="1" dirty="0">
+                                <a:latin typeface="Cambria Math" panose="02040503050406030204" pitchFamily="18" charset="0"/>
+                              </a:rPr>
+                              <m:t>𝑖</m:t>
+                            </m:r>
+                            <m:r>
+                              <a:rPr lang="en-IE" i="1" dirty="0">
+                                <a:latin typeface="Cambria Math" panose="02040503050406030204" pitchFamily="18" charset="0"/>
+                              </a:rPr>
+                              <m:t>=1</m:t>
+                            </m:r>
+                          </m:sub>
+                          <m:sup>
+                            <m:r>
+                              <a:rPr lang="en-IE" i="1" dirty="0">
+                                <a:latin typeface="Cambria Math" panose="02040503050406030204" pitchFamily="18" charset="0"/>
+                              </a:rPr>
+                              <m:t>𝑁</m:t>
+                            </m:r>
+                          </m:sup>
                           <m:e>
                             <m:d>
                               <m:dPr>
                                 <m:ctrlPr>
-                                  <a:rPr lang="en-US" i="1" dirty="0" smtClean="0">
+                                  <a:rPr lang="en-US" i="1" dirty="0">
                                     <a:latin typeface="Cambria Math" panose="02040503050406030204" pitchFamily="18" charset="0"/>
                                   </a:rPr>
                                 </m:ctrlPr>
                               </m:dPr>
                               <m:e>
+                                <m:sSub>
+                                  <m:sSubPr>
+                                    <m:ctrlPr>
+                                      <a:rPr lang="en-IE" b="0" i="1" dirty="0" smtClean="0">
+                                        <a:latin typeface="Cambria Math" panose="02040503050406030204" pitchFamily="18" charset="0"/>
+                                      </a:rPr>
+                                    </m:ctrlPr>
+                                  </m:sSubPr>
+                                  <m:e>
+                                    <m:r>
+                                      <a:rPr lang="en-US" i="1" dirty="0">
+                                        <a:latin typeface="Cambria Math" panose="02040503050406030204" pitchFamily="18" charset="0"/>
+                                      </a:rPr>
+                                      <m:t>𝑦</m:t>
+                                    </m:r>
+                                  </m:e>
+                                  <m:sub>
+                                    <m:r>
+                                      <a:rPr lang="en-IE" b="0" i="1" dirty="0" smtClean="0">
+                                        <a:latin typeface="Cambria Math" panose="02040503050406030204" pitchFamily="18" charset="0"/>
+                                      </a:rPr>
+                                      <m:t>𝑖</m:t>
+                                    </m:r>
+                                  </m:sub>
+                                </m:sSub>
                                 <m:r>
-                                  <a:rPr lang="en-US" i="1" dirty="0" smtClean="0">
+                                  <a:rPr lang="en-US" i="1" dirty="0">
                                     <a:latin typeface="Cambria Math" panose="02040503050406030204" pitchFamily="18" charset="0"/>
                                   </a:rPr>
-                                  <m:t>1−</m:t>
+                                  <m:t>−</m:t>
                                 </m:r>
-                                <m:r>
-                                  <a:rPr lang="en-US" i="1" dirty="0" smtClean="0">
-                                    <a:latin typeface="Cambria Math" panose="02040503050406030204" pitchFamily="18" charset="0"/>
-                                  </a:rPr>
-                                  <m:t>𝑦</m:t>
-                                </m:r>
-                              </m:e>
-                            </m:d>
-                            <m:r>
-                              <a:rPr lang="en-US" i="1" dirty="0" smtClean="0">
-                                <a:latin typeface="Cambria Math" panose="02040503050406030204" pitchFamily="18" charset="0"/>
-                              </a:rPr>
-                              <m:t>− </m:t>
-                            </m:r>
-                            <m:d>
-                              <m:dPr>
-                                <m:ctrlPr>
-                                  <a:rPr lang="en-US" i="1" dirty="0" smtClean="0">
-                                    <a:latin typeface="Cambria Math" panose="02040503050406030204" pitchFamily="18" charset="0"/>
-                                  </a:rPr>
-                                </m:ctrlPr>
-                              </m:dPr>
-                              <m:e>
-                                <m:r>
-                                  <a:rPr lang="en-US" i="1" dirty="0" smtClean="0">
-                                    <a:latin typeface="Cambria Math" panose="02040503050406030204" pitchFamily="18" charset="0"/>
-                                  </a:rPr>
-                                  <m:t>1−</m:t>
-                                </m:r>
-                                <m:r>
-                                  <a:rPr lang="en-US" i="1" dirty="0" smtClean="0">
-                                    <a:latin typeface="Cambria Math" panose="02040503050406030204" pitchFamily="18" charset="0"/>
-                                  </a:rPr>
-                                  <m:t>𝑝</m:t>
-                                </m:r>
+                                <m:sSub>
+                                  <m:sSubPr>
+                                    <m:ctrlPr>
+                                      <a:rPr lang="en-IE" b="0" i="1" dirty="0" smtClean="0">
+                                        <a:latin typeface="Cambria Math" panose="02040503050406030204" pitchFamily="18" charset="0"/>
+                                      </a:rPr>
+                                    </m:ctrlPr>
+                                  </m:sSubPr>
+                                  <m:e>
+                                    <m:r>
+                                      <a:rPr lang="en-US" i="1" dirty="0">
+                                        <a:latin typeface="Cambria Math" panose="02040503050406030204" pitchFamily="18" charset="0"/>
+                                      </a:rPr>
+                                      <m:t>𝑝</m:t>
+                                    </m:r>
+                                  </m:e>
+                                  <m:sub>
+                                    <m:r>
+                                      <a:rPr lang="en-IE" b="0" i="1" dirty="0" smtClean="0">
+                                        <a:latin typeface="Cambria Math" panose="02040503050406030204" pitchFamily="18" charset="0"/>
+                                      </a:rPr>
+                                      <m:t>𝑖</m:t>
+                                    </m:r>
+                                  </m:sub>
+                                </m:sSub>
                               </m:e>
                             </m:d>
                           </m:e>
-                        </m:d>
+                        </m:nary>
                       </m:e>
                       <m:sup>
                         <m:r>
-                          <a:rPr lang="en-IE" b="0" i="1" dirty="0" smtClean="0">
+                          <a:rPr lang="en-IE" i="1" dirty="0">
                             <a:latin typeface="Cambria Math" panose="02040503050406030204" pitchFamily="18" charset="0"/>
                           </a:rPr>
                           <m:t>2</m:t>
@@ -10807,6 +8897,162 @@
               </a:p>
               <a:p>
                 <a:r>
+                  <a:rPr lang="en-US" dirty="0"/>
+                  <a:t>Mathematically identical to Mean Square Error</a:t>
+                </a:r>
+              </a:p>
+              <a:p>
+                <a:r>
+                  <a:rPr lang="en-US" dirty="0"/>
+                  <a:t>Sometimes term in sum expressed differently as </a:t>
+                </a:r>
+                <a14:m>
+                  <m:oMath xmlns:m="http://schemas.openxmlformats.org/officeDocument/2006/math">
+                    <m:sSup>
+                      <m:sSupPr>
+                        <m:ctrlPr>
+                          <a:rPr lang="en-IE" b="0" i="1" smtClean="0">
+                            <a:latin typeface="Cambria Math" panose="02040503050406030204" pitchFamily="18" charset="0"/>
+                          </a:rPr>
+                        </m:ctrlPr>
+                      </m:sSupPr>
+                      <m:e>
+                        <m:d>
+                          <m:dPr>
+                            <m:ctrlPr>
+                              <a:rPr lang="en-IE" b="0" i="1" smtClean="0">
+                                <a:latin typeface="Cambria Math" panose="02040503050406030204" pitchFamily="18" charset="0"/>
+                              </a:rPr>
+                            </m:ctrlPr>
+                          </m:dPr>
+                          <m:e>
+                            <m:r>
+                              <a:rPr lang="en-IE" b="0" i="1" smtClean="0">
+                                <a:latin typeface="Cambria Math" panose="02040503050406030204" pitchFamily="18" charset="0"/>
+                              </a:rPr>
+                              <m:t>𝑦</m:t>
+                            </m:r>
+                            <m:r>
+                              <a:rPr lang="en-IE" b="0" i="1" smtClean="0">
+                                <a:latin typeface="Cambria Math" panose="02040503050406030204" pitchFamily="18" charset="0"/>
+                              </a:rPr>
+                              <m:t>−</m:t>
+                            </m:r>
+                            <m:r>
+                              <a:rPr lang="en-IE" b="0" i="1" smtClean="0">
+                                <a:latin typeface="Cambria Math" panose="02040503050406030204" pitchFamily="18" charset="0"/>
+                              </a:rPr>
+                              <m:t>𝑝</m:t>
+                            </m:r>
+                          </m:e>
+                        </m:d>
+                      </m:e>
+                      <m:sup>
+                        <m:r>
+                          <a:rPr lang="en-IE" b="0" i="1" smtClean="0">
+                            <a:latin typeface="Cambria Math" panose="02040503050406030204" pitchFamily="18" charset="0"/>
+                          </a:rPr>
+                          <m:t>2</m:t>
+                        </m:r>
+                      </m:sup>
+                    </m:sSup>
+                    <m:r>
+                      <a:rPr lang="en-IE" b="0" i="1" smtClean="0">
+                        <a:latin typeface="Cambria Math" panose="02040503050406030204" pitchFamily="18" charset="0"/>
+                      </a:rPr>
+                      <m:t>+</m:t>
+                    </m:r>
+                    <m:sSup>
+                      <m:sSupPr>
+                        <m:ctrlPr>
+                          <a:rPr lang="en-IE" b="0" i="1" smtClean="0">
+                            <a:latin typeface="Cambria Math" panose="02040503050406030204" pitchFamily="18" charset="0"/>
+                          </a:rPr>
+                        </m:ctrlPr>
+                      </m:sSupPr>
+                      <m:e>
+                        <m:d>
+                          <m:dPr>
+                            <m:ctrlPr>
+                              <a:rPr lang="en-IE" b="0" i="1" smtClean="0">
+                                <a:latin typeface="Cambria Math" panose="02040503050406030204" pitchFamily="18" charset="0"/>
+                              </a:rPr>
+                            </m:ctrlPr>
+                          </m:dPr>
+                          <m:e>
+                            <m:d>
+                              <m:dPr>
+                                <m:ctrlPr>
+                                  <a:rPr lang="en-IE" b="0" i="1" smtClean="0">
+                                    <a:latin typeface="Cambria Math" panose="02040503050406030204" pitchFamily="18" charset="0"/>
+                                  </a:rPr>
+                                </m:ctrlPr>
+                              </m:dPr>
+                              <m:e>
+                                <m:r>
+                                  <a:rPr lang="en-IE" b="0" i="1" smtClean="0">
+                                    <a:latin typeface="Cambria Math" panose="02040503050406030204" pitchFamily="18" charset="0"/>
+                                  </a:rPr>
+                                  <m:t>1−</m:t>
+                                </m:r>
+                                <m:r>
+                                  <a:rPr lang="en-IE" b="0" i="1" smtClean="0">
+                                    <a:latin typeface="Cambria Math" panose="02040503050406030204" pitchFamily="18" charset="0"/>
+                                  </a:rPr>
+                                  <m:t>𝑦</m:t>
+                                </m:r>
+                              </m:e>
+                            </m:d>
+                            <m:d>
+                              <m:dPr>
+                                <m:ctrlPr>
+                                  <a:rPr lang="en-IE" b="0" i="1" smtClean="0">
+                                    <a:latin typeface="Cambria Math" panose="02040503050406030204" pitchFamily="18" charset="0"/>
+                                  </a:rPr>
+                                </m:ctrlPr>
+                              </m:dPr>
+                              <m:e>
+                                <m:r>
+                                  <a:rPr lang="en-IE" b="0" i="1" smtClean="0">
+                                    <a:latin typeface="Cambria Math" panose="02040503050406030204" pitchFamily="18" charset="0"/>
+                                  </a:rPr>
+                                  <m:t>1−</m:t>
+                                </m:r>
+                                <m:r>
+                                  <a:rPr lang="en-IE" b="0" i="1" smtClean="0">
+                                    <a:latin typeface="Cambria Math" panose="02040503050406030204" pitchFamily="18" charset="0"/>
+                                  </a:rPr>
+                                  <m:t>𝑝</m:t>
+                                </m:r>
+                              </m:e>
+                            </m:d>
+                          </m:e>
+                        </m:d>
+                      </m:e>
+                      <m:sup>
+                        <m:r>
+                          <a:rPr lang="en-IE" b="0" i="1" smtClean="0">
+                            <a:latin typeface="Cambria Math" panose="02040503050406030204" pitchFamily="18" charset="0"/>
+                          </a:rPr>
+                          <m:t>2</m:t>
+                        </m:r>
+                      </m:sup>
+                    </m:sSup>
+                  </m:oMath>
+                </a14:m>
+                <a:r>
+                  <a:rPr lang="en-US" dirty="0"/>
+                  <a:t> </a:t>
+                </a:r>
+              </a:p>
+              <a:p>
+                <a:r>
+                  <a:rPr lang="en-US" dirty="0"/>
+                  <a:t>Mathematically very similar but slightly different range</a:t>
+                </a:r>
+              </a:p>
+              <a:p>
+                <a:r>
                   <a:rPr lang="en-US" dirty="0">
                     <a:solidFill>
                       <a:srgbClr val="009749"/>
@@ -10818,7 +9064,7 @@
             </p:txBody>
           </p:sp>
         </mc:Choice>
-        <mc:Fallback xmlns="">
+        <mc:Fallback>
           <p:sp>
             <p:nvSpPr>
               <p:cNvPr id="3" name="Content Placeholder 2">
@@ -10838,12 +9084,12 @@
             <p:spPr>
               <a:xfrm>
                 <a:off x="838200" y="1825625"/>
-                <a:ext cx="5083277" cy="4149290"/>
+                <a:ext cx="8245839" cy="4149290"/>
               </a:xfrm>
               <a:blipFill>
                 <a:blip r:embed="rId2"/>
                 <a:stretch>
-                  <a:fillRect l="-2161" t="-2349" r="-2881"/>
+                  <a:fillRect l="-1231" t="-2134"/>
                 </a:stretch>
               </a:blipFill>
             </p:spPr>
@@ -10852,7 +9098,7 @@
               <a:lstStyle/>
               <a:p>
                 <a:r>
-                  <a:rPr lang="en-IE">
+                  <a:rPr lang="en-US">
                     <a:noFill/>
                   </a:rPr>
                   <a:t> </a:t>
@@ -10862,34 +9108,6 @@
           </p:sp>
         </mc:Fallback>
       </mc:AlternateContent>
-      <p:graphicFrame>
-        <p:nvGraphicFramePr>
-          <p:cNvPr id="4" name="Chart 0">
-            <a:extLst>
-              <a:ext uri="{FF2B5EF4-FFF2-40B4-BE49-F238E27FC236}">
-                <a16:creationId xmlns:a16="http://schemas.microsoft.com/office/drawing/2014/main" id="{CC77B75B-EC84-5756-5EC3-23A56D524E11}"/>
-              </a:ext>
-            </a:extLst>
-          </p:cNvPr>
-          <p:cNvGraphicFramePr/>
-          <p:nvPr>
-            <p:extLst>
-              <p:ext uri="{D42A27DB-BD31-4B8C-83A1-F6EECF244321}">
-                <p14:modId xmlns:p14="http://schemas.microsoft.com/office/powerpoint/2010/main" val="2919378605"/>
-              </p:ext>
-            </p:extLst>
-          </p:nvPr>
-        </p:nvGraphicFramePr>
-        <p:xfrm>
-          <a:off x="6554675" y="1825625"/>
-          <a:ext cx="5120640" cy="3048000"/>
-        </p:xfrm>
-        <a:graphic>
-          <a:graphicData uri="http://schemas.openxmlformats.org/drawingml/2006/chart">
-            <c:chart xmlns:c="http://schemas.openxmlformats.org/drawingml/2006/chart" xmlns:r="http://schemas.openxmlformats.org/officeDocument/2006/relationships" r:id="rId3"/>
-          </a:graphicData>
-        </a:graphic>
-      </p:graphicFrame>
       <p:sp>
         <p:nvSpPr>
           <p:cNvPr id="5" name="Slide Number Placeholder 4">
@@ -10913,7 +9131,7 @@
           <a:p>
             <a:fld id="{5A064C77-022D-3743-A04E-645624933D1D}" type="slidenum">
               <a:rPr lang="en-US" smtClean="0"/>
-              <a:t>5</a:t>
+              <a:t>6</a:t>
             </a:fld>
             <a:endParaRPr lang="en-US"/>
           </a:p>
@@ -10932,7 +9150,7 @@
 </p:sld>
 </file>
 
-<file path=ppt/slides/slide6.xml><?xml version="1.0" encoding="utf-8"?>
+<file path=ppt/slides/slide7.xml><?xml version="1.0" encoding="utf-8"?>
 <p:sld xmlns:a="http://schemas.openxmlformats.org/drawingml/2006/main" xmlns:r="http://schemas.openxmlformats.org/officeDocument/2006/relationships" xmlns:p="http://schemas.openxmlformats.org/presentationml/2006/main">
   <p:cSld>
     <p:spTree>
@@ -10977,8 +9195,8 @@
           </a:p>
         </p:txBody>
       </p:sp>
-      <mc:AlternateContent xmlns:mc="http://schemas.openxmlformats.org/markup-compatibility/2006" xmlns:a14="http://schemas.microsoft.com/office/drawing/2010/main">
-        <mc:Choice Requires="a14">
+      <mc:AlternateContent xmlns:mc="http://schemas.openxmlformats.org/markup-compatibility/2006">
+        <mc:Choice xmlns:a14="http://schemas.microsoft.com/office/drawing/2010/main" Requires="a14">
           <p:sp>
             <p:nvSpPr>
               <p:cNvPr id="3" name="Content Placeholder 2">
@@ -10998,18 +9216,18 @@
             <p:spPr>
               <a:xfrm>
                 <a:off x="838200" y="1825625"/>
-                <a:ext cx="5783826" cy="4149290"/>
+                <a:ext cx="7518816" cy="4149290"/>
               </a:xfrm>
             </p:spPr>
             <p:txBody>
               <a:bodyPr>
-                <a:normAutofit lnSpcReduction="10000"/>
+                <a:normAutofit/>
               </a:bodyPr>
               <a:lstStyle/>
               <a:p>
                 <a:r>
                   <a:rPr lang="en-US" dirty="0"/>
-                  <a:t>Evaluates the log likelihood of the observation under the predicted distribution.</a:t>
+                  <a:t>Evaluates the (negative) log likelihood of the observation under the predicted distribution.</a:t>
                 </a:r>
               </a:p>
               <a:p>
@@ -11075,13 +9293,10 @@
                       <m:t> = −</m:t>
                     </m:r>
                     <m:r>
-                      <m:rPr>
-                        <m:sty m:val="p"/>
-                      </m:rPr>
-                      <a:rPr lang="en-US" i="1" dirty="0" smtClean="0">
+                      <a:rPr lang="en-IE" b="0" i="1" dirty="0" smtClean="0">
                         <a:latin typeface="Cambria Math" panose="02040503050406030204" pitchFamily="18" charset="0"/>
                       </a:rPr>
-                      <m:t>ln</m:t>
+                      <m:t>𝑙𝑜𝑔</m:t>
                     </m:r>
                     <m:r>
                       <a:rPr lang="en-US" i="1" dirty="0" smtClean="0">
@@ -11216,7 +9431,7 @@
             </p:txBody>
           </p:sp>
         </mc:Choice>
-        <mc:Fallback xmlns="">
+        <mc:Fallback>
           <p:sp>
             <p:nvSpPr>
               <p:cNvPr id="3" name="Content Placeholder 2">
@@ -11236,12 +9451,12 @@
             <p:spPr>
               <a:xfrm>
                 <a:off x="838200" y="1825625"/>
-                <a:ext cx="5783826" cy="4149290"/>
+                <a:ext cx="7518816" cy="4149290"/>
               </a:xfrm>
               <a:blipFill>
                 <a:blip r:embed="rId2"/>
                 <a:stretch>
-                  <a:fillRect l="-1899" t="-3231"/>
+                  <a:fillRect l="-1518" t="-2439"/>
                 </a:stretch>
               </a:blipFill>
             </p:spPr>
@@ -11250,7 +9465,7 @@
               <a:lstStyle/>
               <a:p>
                 <a:r>
-                  <a:rPr lang="en-IE">
+                  <a:rPr lang="en-US">
                     <a:noFill/>
                   </a:rPr>
                   <a:t> </a:t>
@@ -11258,1142 +9473,6 @@
               </a:p>
             </p:txBody>
           </p:sp>
-        </mc:Fallback>
-      </mc:AlternateContent>
-      <mc:AlternateContent xmlns:mc="http://schemas.openxmlformats.org/markup-compatibility/2006" xmlns:a14="http://schemas.microsoft.com/office/drawing/2010/main">
-        <mc:Choice Requires="a14">
-          <p:graphicFrame>
-            <p:nvGraphicFramePr>
-              <p:cNvPr id="4" name="Table 0">
-                <a:extLst>
-                  <a:ext uri="{FF2B5EF4-FFF2-40B4-BE49-F238E27FC236}">
-                    <a16:creationId xmlns:a16="http://schemas.microsoft.com/office/drawing/2014/main" id="{763CCC92-9743-6AD7-7023-78132138DA81}"/>
-                  </a:ext>
-                </a:extLst>
-              </p:cNvPr>
-              <p:cNvGraphicFramePr>
-                <a:graphicFrameLocks noGrp="1"/>
-              </p:cNvGraphicFramePr>
-              <p:nvPr>
-                <p:extLst>
-                  <p:ext uri="{D42A27DB-BD31-4B8C-83A1-F6EECF244321}">
-                    <p14:modId xmlns:p14="http://schemas.microsoft.com/office/powerpoint/2010/main" val="2920631243"/>
-                  </p:ext>
-                </p:extLst>
-              </p:nvPr>
-            </p:nvGraphicFramePr>
-            <p:xfrm>
-              <a:off x="6820146" y="2575560"/>
-              <a:ext cx="4876800" cy="853440"/>
-            </p:xfrm>
-            <a:graphic>
-              <a:graphicData uri="http://schemas.openxmlformats.org/drawingml/2006/table">
-                <a:tbl>
-                  <a:tblPr/>
-                  <a:tblGrid>
-                    <a:gridCol w="1219200">
-                      <a:extLst>
-                        <a:ext uri="{9D8B030D-6E8A-4147-A177-3AD203B41FA5}">
-                          <a16:colId xmlns:a16="http://schemas.microsoft.com/office/drawing/2014/main" val="20000"/>
-                        </a:ext>
-                      </a:extLst>
-                    </a:gridCol>
-                    <a:gridCol w="1219200">
-                      <a:extLst>
-                        <a:ext uri="{9D8B030D-6E8A-4147-A177-3AD203B41FA5}">
-                          <a16:colId xmlns:a16="http://schemas.microsoft.com/office/drawing/2014/main" val="20001"/>
-                        </a:ext>
-                      </a:extLst>
-                    </a:gridCol>
-                    <a:gridCol w="1219200">
-                      <a:extLst>
-                        <a:ext uri="{9D8B030D-6E8A-4147-A177-3AD203B41FA5}">
-                          <a16:colId xmlns:a16="http://schemas.microsoft.com/office/drawing/2014/main" val="20002"/>
-                        </a:ext>
-                      </a:extLst>
-                    </a:gridCol>
-                    <a:gridCol w="1219200">
-                      <a:extLst>
-                        <a:ext uri="{9D8B030D-6E8A-4147-A177-3AD203B41FA5}">
-                          <a16:colId xmlns:a16="http://schemas.microsoft.com/office/drawing/2014/main" val="20003"/>
-                        </a:ext>
-                      </a:extLst>
-                    </a:gridCol>
-                  </a:tblGrid>
-                  <a:tr h="426720">
-                    <a:tc>
-                      <a:txBody>
-                        <a:bodyPr/>
-                        <a:lstStyle/>
-                        <a:p>
-                          <a:pPr marL="0" indent="0">
-                            <a:buNone/>
-                          </a:pPr>
-                          <a14:m>
-                            <m:oMathPara xmlns:m="http://schemas.openxmlformats.org/officeDocument/2006/math">
-                              <m:oMathParaPr>
-                                <m:jc m:val="centerGroup"/>
-                              </m:oMathParaPr>
-                              <m:oMath xmlns:m="http://schemas.openxmlformats.org/officeDocument/2006/math">
-                                <m:r>
-                                  <a:rPr lang="en-IE" sz="1400" b="0" i="1" dirty="0" smtClean="0">
-                                    <a:latin typeface="Cambria Math" panose="02040503050406030204" pitchFamily="18" charset="0"/>
-                                  </a:rPr>
-                                  <m:t>𝜇</m:t>
-                                </m:r>
-                              </m:oMath>
-                            </m:oMathPara>
-                          </a14:m>
-                          <a:endParaRPr lang="en-US" sz="1300" dirty="0"/>
-                        </a:p>
-                      </a:txBody>
-                      <a:tcPr marL="121920" marR="121920" marT="60960" marB="60960">
-                        <a:lnL w="6350" cap="flat" cmpd="sng" algn="ctr">
-                          <a:solidFill>
-                            <a:srgbClr val="0A2342"/>
-                          </a:solidFill>
-                          <a:prstDash val="solid"/>
-                          <a:round/>
-                          <a:headEnd type="none" w="med" len="med"/>
-                          <a:tailEnd type="none" w="med" len="med"/>
-                        </a:lnL>
-                        <a:lnR w="6350" cap="flat" cmpd="sng" algn="ctr">
-                          <a:solidFill>
-                            <a:srgbClr val="0A2342"/>
-                          </a:solidFill>
-                          <a:prstDash val="solid"/>
-                          <a:round/>
-                          <a:headEnd type="none" w="med" len="med"/>
-                          <a:tailEnd type="none" w="med" len="med"/>
-                        </a:lnR>
-                        <a:lnT w="6350" cap="flat" cmpd="sng" algn="ctr">
-                          <a:solidFill>
-                            <a:srgbClr val="0A2342"/>
-                          </a:solidFill>
-                          <a:prstDash val="solid"/>
-                          <a:round/>
-                          <a:headEnd type="none" w="med" len="med"/>
-                          <a:tailEnd type="none" w="med" len="med"/>
-                        </a:lnT>
-                        <a:lnB w="6350" cap="flat" cmpd="sng" algn="ctr">
-                          <a:solidFill>
-                            <a:srgbClr val="0A2342"/>
-                          </a:solidFill>
-                          <a:prstDash val="solid"/>
-                          <a:round/>
-                          <a:headEnd type="none" w="med" len="med"/>
-                          <a:tailEnd type="none" w="med" len="med"/>
-                        </a:lnB>
-                        <a:solidFill>
-                          <a:schemeClr val="bg1"/>
-                        </a:solidFill>
-                      </a:tcPr>
-                    </a:tc>
-                    <a:tc>
-                      <a:txBody>
-                        <a:bodyPr/>
-                        <a:lstStyle/>
-                        <a:p>
-                          <a:pPr marL="0" indent="0">
-                            <a:buNone/>
-                          </a:pPr>
-                          <a14:m>
-                            <m:oMathPara xmlns:m="http://schemas.openxmlformats.org/officeDocument/2006/math">
-                              <m:oMathParaPr>
-                                <m:jc m:val="centerGroup"/>
-                              </m:oMathParaPr>
-                              <m:oMath xmlns:m="http://schemas.openxmlformats.org/officeDocument/2006/math">
-                                <m:r>
-                                  <a:rPr lang="en-IE" sz="1400" b="0" i="1" dirty="0" smtClean="0">
-                                    <a:latin typeface="Cambria Math" panose="02040503050406030204" pitchFamily="18" charset="0"/>
-                                  </a:rPr>
-                                  <m:t>𝜎</m:t>
-                                </m:r>
-                              </m:oMath>
-                            </m:oMathPara>
-                          </a14:m>
-                          <a:endParaRPr lang="en-US" sz="1300" dirty="0"/>
-                        </a:p>
-                      </a:txBody>
-                      <a:tcPr marL="121920" marR="121920" marT="60960" marB="60960">
-                        <a:lnL w="6350" cap="flat" cmpd="sng" algn="ctr">
-                          <a:solidFill>
-                            <a:srgbClr val="0A2342"/>
-                          </a:solidFill>
-                          <a:prstDash val="solid"/>
-                          <a:round/>
-                          <a:headEnd type="none" w="med" len="med"/>
-                          <a:tailEnd type="none" w="med" len="med"/>
-                        </a:lnL>
-                        <a:lnR w="6350" cap="flat" cmpd="sng" algn="ctr">
-                          <a:solidFill>
-                            <a:srgbClr val="0A2342"/>
-                          </a:solidFill>
-                          <a:prstDash val="solid"/>
-                          <a:round/>
-                          <a:headEnd type="none" w="med" len="med"/>
-                          <a:tailEnd type="none" w="med" len="med"/>
-                        </a:lnR>
-                        <a:lnT w="6350" cap="flat" cmpd="sng" algn="ctr">
-                          <a:solidFill>
-                            <a:srgbClr val="0A2342"/>
-                          </a:solidFill>
-                          <a:prstDash val="solid"/>
-                          <a:round/>
-                          <a:headEnd type="none" w="med" len="med"/>
-                          <a:tailEnd type="none" w="med" len="med"/>
-                        </a:lnT>
-                        <a:lnB w="6350" cap="flat" cmpd="sng" algn="ctr">
-                          <a:solidFill>
-                            <a:srgbClr val="0A2342"/>
-                          </a:solidFill>
-                          <a:prstDash val="solid"/>
-                          <a:round/>
-                          <a:headEnd type="none" w="med" len="med"/>
-                          <a:tailEnd type="none" w="med" len="med"/>
-                        </a:lnB>
-                        <a:solidFill>
-                          <a:schemeClr val="bg1"/>
-                        </a:solidFill>
-                      </a:tcPr>
-                    </a:tc>
-                    <a:tc>
-                      <a:txBody>
-                        <a:bodyPr/>
-                        <a:lstStyle/>
-                        <a:p>
-                          <a:pPr marL="0" indent="0">
-                            <a:buNone/>
-                          </a:pPr>
-                          <a14:m>
-                            <m:oMathPara xmlns:m="http://schemas.openxmlformats.org/officeDocument/2006/math">
-                              <m:oMathParaPr>
-                                <m:jc m:val="centerGroup"/>
-                              </m:oMathParaPr>
-                              <m:oMath xmlns:m="http://schemas.openxmlformats.org/officeDocument/2006/math">
-                                <m:r>
-                                  <a:rPr lang="en-US" sz="1300" b="1" i="1" dirty="0" smtClean="0">
-                                    <a:solidFill>
-                                      <a:srgbClr val="000000"/>
-                                    </a:solidFill>
-                                    <a:latin typeface="Cambria Math" panose="02040503050406030204" pitchFamily="18" charset="0"/>
-                                  </a:rPr>
-                                  <m:t>𝒚</m:t>
-                                </m:r>
-                              </m:oMath>
-                            </m:oMathPara>
-                          </a14:m>
-                          <a:endParaRPr lang="en-US" sz="1300" dirty="0"/>
-                        </a:p>
-                      </a:txBody>
-                      <a:tcPr marL="121920" marR="121920" marT="60960" marB="60960">
-                        <a:lnL w="6350" cap="flat" cmpd="sng" algn="ctr">
-                          <a:solidFill>
-                            <a:srgbClr val="0A2342"/>
-                          </a:solidFill>
-                          <a:prstDash val="solid"/>
-                          <a:round/>
-                          <a:headEnd type="none" w="med" len="med"/>
-                          <a:tailEnd type="none" w="med" len="med"/>
-                        </a:lnL>
-                        <a:lnR w="6350" cap="flat" cmpd="sng" algn="ctr">
-                          <a:solidFill>
-                            <a:srgbClr val="0A2342"/>
-                          </a:solidFill>
-                          <a:prstDash val="solid"/>
-                          <a:round/>
-                          <a:headEnd type="none" w="med" len="med"/>
-                          <a:tailEnd type="none" w="med" len="med"/>
-                        </a:lnR>
-                        <a:lnT w="6350" cap="flat" cmpd="sng" algn="ctr">
-                          <a:solidFill>
-                            <a:srgbClr val="0A2342"/>
-                          </a:solidFill>
-                          <a:prstDash val="solid"/>
-                          <a:round/>
-                          <a:headEnd type="none" w="med" len="med"/>
-                          <a:tailEnd type="none" w="med" len="med"/>
-                        </a:lnT>
-                        <a:lnB w="6350" cap="flat" cmpd="sng" algn="ctr">
-                          <a:solidFill>
-                            <a:srgbClr val="0A2342"/>
-                          </a:solidFill>
-                          <a:prstDash val="solid"/>
-                          <a:round/>
-                          <a:headEnd type="none" w="med" len="med"/>
-                          <a:tailEnd type="none" w="med" len="med"/>
-                        </a:lnB>
-                        <a:solidFill>
-                          <a:schemeClr val="bg1"/>
-                        </a:solidFill>
-                      </a:tcPr>
-                    </a:tc>
-                    <a:tc>
-                      <a:txBody>
-                        <a:bodyPr/>
-                        <a:lstStyle/>
-                        <a:p>
-                          <a:pPr marL="0" indent="0">
-                            <a:buNone/>
-                          </a:pPr>
-                          <a14:m>
-                            <m:oMathPara xmlns:m="http://schemas.openxmlformats.org/officeDocument/2006/math">
-                              <m:oMathParaPr>
-                                <m:jc m:val="centerGroup"/>
-                              </m:oMathParaPr>
-                              <m:oMath xmlns:m="http://schemas.openxmlformats.org/officeDocument/2006/math">
-                                <m:r>
-                                  <a:rPr lang="en-US" sz="1300" b="1" i="1" dirty="0" smtClean="0">
-                                    <a:solidFill>
-                                      <a:srgbClr val="000000"/>
-                                    </a:solidFill>
-                                    <a:latin typeface="Cambria Math" panose="02040503050406030204" pitchFamily="18" charset="0"/>
-                                  </a:rPr>
-                                  <m:t>𝑳𝒐𝒈𝑺𝒄𝒐𝒓𝒆</m:t>
-                                </m:r>
-                              </m:oMath>
-                            </m:oMathPara>
-                          </a14:m>
-                          <a:endParaRPr lang="en-US" sz="1300" dirty="0"/>
-                        </a:p>
-                      </a:txBody>
-                      <a:tcPr marL="121920" marR="121920" marT="60960" marB="60960">
-                        <a:lnL w="6350" cap="flat" cmpd="sng" algn="ctr">
-                          <a:solidFill>
-                            <a:srgbClr val="0A2342"/>
-                          </a:solidFill>
-                          <a:prstDash val="solid"/>
-                          <a:round/>
-                          <a:headEnd type="none" w="med" len="med"/>
-                          <a:tailEnd type="none" w="med" len="med"/>
-                        </a:lnL>
-                        <a:lnR w="6350" cap="flat" cmpd="sng" algn="ctr">
-                          <a:solidFill>
-                            <a:srgbClr val="0A2342"/>
-                          </a:solidFill>
-                          <a:prstDash val="solid"/>
-                          <a:round/>
-                          <a:headEnd type="none" w="med" len="med"/>
-                          <a:tailEnd type="none" w="med" len="med"/>
-                        </a:lnR>
-                        <a:lnT w="6350" cap="flat" cmpd="sng" algn="ctr">
-                          <a:solidFill>
-                            <a:srgbClr val="0A2342"/>
-                          </a:solidFill>
-                          <a:prstDash val="solid"/>
-                          <a:round/>
-                          <a:headEnd type="none" w="med" len="med"/>
-                          <a:tailEnd type="none" w="med" len="med"/>
-                        </a:lnT>
-                        <a:lnB w="6350" cap="flat" cmpd="sng" algn="ctr">
-                          <a:solidFill>
-                            <a:srgbClr val="0A2342"/>
-                          </a:solidFill>
-                          <a:prstDash val="solid"/>
-                          <a:round/>
-                          <a:headEnd type="none" w="med" len="med"/>
-                          <a:tailEnd type="none" w="med" len="med"/>
-                        </a:lnB>
-                        <a:solidFill>
-                          <a:schemeClr val="bg1"/>
-                        </a:solidFill>
-                      </a:tcPr>
-                    </a:tc>
-                    <a:extLst>
-                      <a:ext uri="{0D108BD9-81ED-4DB2-BD59-A6C34878D82A}">
-                        <a16:rowId xmlns:a16="http://schemas.microsoft.com/office/drawing/2014/main" val="10000"/>
-                      </a:ext>
-                    </a:extLst>
-                  </a:tr>
-                  <a:tr h="426720">
-                    <a:tc>
-                      <a:txBody>
-                        <a:bodyPr/>
-                        <a:lstStyle/>
-                        <a:p>
-                          <a:pPr marL="0" indent="0">
-                            <a:buNone/>
-                          </a:pPr>
-                          <a:r>
-                            <a:rPr lang="en-US" sz="1300" dirty="0">
-                              <a:solidFill>
-                                <a:srgbClr val="000000"/>
-                              </a:solidFill>
-                            </a:rPr>
-                            <a:t>4.5</a:t>
-                          </a:r>
-                          <a:endParaRPr lang="en-US" sz="1300" dirty="0"/>
-                        </a:p>
-                      </a:txBody>
-                      <a:tcPr marL="121920" marR="121920" marT="60960" marB="60960">
-                        <a:lnL w="6350" cap="flat" cmpd="sng" algn="ctr">
-                          <a:solidFill>
-                            <a:srgbClr val="0A2342"/>
-                          </a:solidFill>
-                          <a:prstDash val="solid"/>
-                          <a:round/>
-                          <a:headEnd type="none" w="med" len="med"/>
-                          <a:tailEnd type="none" w="med" len="med"/>
-                        </a:lnL>
-                        <a:lnR w="6350" cap="flat" cmpd="sng" algn="ctr">
-                          <a:solidFill>
-                            <a:srgbClr val="0A2342"/>
-                          </a:solidFill>
-                          <a:prstDash val="solid"/>
-                          <a:round/>
-                          <a:headEnd type="none" w="med" len="med"/>
-                          <a:tailEnd type="none" w="med" len="med"/>
-                        </a:lnR>
-                        <a:lnT w="6350" cap="flat" cmpd="sng" algn="ctr">
-                          <a:solidFill>
-                            <a:srgbClr val="0A2342"/>
-                          </a:solidFill>
-                          <a:prstDash val="solid"/>
-                          <a:round/>
-                          <a:headEnd type="none" w="med" len="med"/>
-                          <a:tailEnd type="none" w="med" len="med"/>
-                        </a:lnT>
-                        <a:lnB w="6350" cap="flat" cmpd="sng" algn="ctr">
-                          <a:solidFill>
-                            <a:srgbClr val="0A2342"/>
-                          </a:solidFill>
-                          <a:prstDash val="solid"/>
-                          <a:round/>
-                          <a:headEnd type="none" w="med" len="med"/>
-                          <a:tailEnd type="none" w="med" len="med"/>
-                        </a:lnB>
-                        <a:solidFill>
-                          <a:schemeClr val="bg1"/>
-                        </a:solidFill>
-                      </a:tcPr>
-                    </a:tc>
-                    <a:tc>
-                      <a:txBody>
-                        <a:bodyPr/>
-                        <a:lstStyle/>
-                        <a:p>
-                          <a:pPr marL="0" indent="0">
-                            <a:buNone/>
-                          </a:pPr>
-                          <a:r>
-                            <a:rPr lang="en-US" sz="1300" dirty="0">
-                              <a:solidFill>
-                                <a:srgbClr val="000000"/>
-                              </a:solidFill>
-                            </a:rPr>
-                            <a:t>0.8</a:t>
-                          </a:r>
-                          <a:endParaRPr lang="en-US" sz="1300" dirty="0"/>
-                        </a:p>
-                      </a:txBody>
-                      <a:tcPr marL="121920" marR="121920" marT="60960" marB="60960">
-                        <a:lnL w="6350" cap="flat" cmpd="sng" algn="ctr">
-                          <a:solidFill>
-                            <a:srgbClr val="0A2342"/>
-                          </a:solidFill>
-                          <a:prstDash val="solid"/>
-                          <a:round/>
-                          <a:headEnd type="none" w="med" len="med"/>
-                          <a:tailEnd type="none" w="med" len="med"/>
-                        </a:lnL>
-                        <a:lnR w="6350" cap="flat" cmpd="sng" algn="ctr">
-                          <a:solidFill>
-                            <a:srgbClr val="0A2342"/>
-                          </a:solidFill>
-                          <a:prstDash val="solid"/>
-                          <a:round/>
-                          <a:headEnd type="none" w="med" len="med"/>
-                          <a:tailEnd type="none" w="med" len="med"/>
-                        </a:lnR>
-                        <a:lnT w="6350" cap="flat" cmpd="sng" algn="ctr">
-                          <a:solidFill>
-                            <a:srgbClr val="0A2342"/>
-                          </a:solidFill>
-                          <a:prstDash val="solid"/>
-                          <a:round/>
-                          <a:headEnd type="none" w="med" len="med"/>
-                          <a:tailEnd type="none" w="med" len="med"/>
-                        </a:lnT>
-                        <a:lnB w="6350" cap="flat" cmpd="sng" algn="ctr">
-                          <a:solidFill>
-                            <a:srgbClr val="0A2342"/>
-                          </a:solidFill>
-                          <a:prstDash val="solid"/>
-                          <a:round/>
-                          <a:headEnd type="none" w="med" len="med"/>
-                          <a:tailEnd type="none" w="med" len="med"/>
-                        </a:lnB>
-                        <a:solidFill>
-                          <a:schemeClr val="bg1"/>
-                        </a:solidFill>
-                      </a:tcPr>
-                    </a:tc>
-                    <a:tc>
-                      <a:txBody>
-                        <a:bodyPr/>
-                        <a:lstStyle/>
-                        <a:p>
-                          <a:pPr marL="0" indent="0">
-                            <a:buNone/>
-                          </a:pPr>
-                          <a:r>
-                            <a:rPr lang="en-US" sz="1300" dirty="0">
-                              <a:solidFill>
-                                <a:srgbClr val="000000"/>
-                              </a:solidFill>
-                            </a:rPr>
-                            <a:t>5</a:t>
-                          </a:r>
-                          <a:endParaRPr lang="en-US" sz="1300" dirty="0"/>
-                        </a:p>
-                      </a:txBody>
-                      <a:tcPr marL="121920" marR="121920" marT="60960" marB="60960">
-                        <a:lnL w="6350" cap="flat" cmpd="sng" algn="ctr">
-                          <a:solidFill>
-                            <a:srgbClr val="0A2342"/>
-                          </a:solidFill>
-                          <a:prstDash val="solid"/>
-                          <a:round/>
-                          <a:headEnd type="none" w="med" len="med"/>
-                          <a:tailEnd type="none" w="med" len="med"/>
-                        </a:lnL>
-                        <a:lnR w="6350" cap="flat" cmpd="sng" algn="ctr">
-                          <a:solidFill>
-                            <a:srgbClr val="0A2342"/>
-                          </a:solidFill>
-                          <a:prstDash val="solid"/>
-                          <a:round/>
-                          <a:headEnd type="none" w="med" len="med"/>
-                          <a:tailEnd type="none" w="med" len="med"/>
-                        </a:lnR>
-                        <a:lnT w="6350" cap="flat" cmpd="sng" algn="ctr">
-                          <a:solidFill>
-                            <a:srgbClr val="0A2342"/>
-                          </a:solidFill>
-                          <a:prstDash val="solid"/>
-                          <a:round/>
-                          <a:headEnd type="none" w="med" len="med"/>
-                          <a:tailEnd type="none" w="med" len="med"/>
-                        </a:lnT>
-                        <a:lnB w="6350" cap="flat" cmpd="sng" algn="ctr">
-                          <a:solidFill>
-                            <a:srgbClr val="0A2342"/>
-                          </a:solidFill>
-                          <a:prstDash val="solid"/>
-                          <a:round/>
-                          <a:headEnd type="none" w="med" len="med"/>
-                          <a:tailEnd type="none" w="med" len="med"/>
-                        </a:lnB>
-                        <a:solidFill>
-                          <a:schemeClr val="bg1"/>
-                        </a:solidFill>
-                      </a:tcPr>
-                    </a:tc>
-                    <a:tc>
-                      <a:txBody>
-                        <a:bodyPr/>
-                        <a:lstStyle/>
-                        <a:p>
-                          <a:pPr marL="0" indent="0">
-                            <a:buNone/>
-                          </a:pPr>
-                          <a:r>
-                            <a:rPr lang="en-US" sz="1300" dirty="0">
-                              <a:solidFill>
-                                <a:srgbClr val="000000"/>
-                              </a:solidFill>
-                            </a:rPr>
-                            <a:t>0.891</a:t>
-                          </a:r>
-                          <a:endParaRPr lang="en-US" sz="1300" dirty="0"/>
-                        </a:p>
-                      </a:txBody>
-                      <a:tcPr marL="121920" marR="121920" marT="60960" marB="60960">
-                        <a:lnL w="6350" cap="flat" cmpd="sng" algn="ctr">
-                          <a:solidFill>
-                            <a:srgbClr val="0A2342"/>
-                          </a:solidFill>
-                          <a:prstDash val="solid"/>
-                          <a:round/>
-                          <a:headEnd type="none" w="med" len="med"/>
-                          <a:tailEnd type="none" w="med" len="med"/>
-                        </a:lnL>
-                        <a:lnR w="6350" cap="flat" cmpd="sng" algn="ctr">
-                          <a:solidFill>
-                            <a:srgbClr val="0A2342"/>
-                          </a:solidFill>
-                          <a:prstDash val="solid"/>
-                          <a:round/>
-                          <a:headEnd type="none" w="med" len="med"/>
-                          <a:tailEnd type="none" w="med" len="med"/>
-                        </a:lnR>
-                        <a:lnT w="6350" cap="flat" cmpd="sng" algn="ctr">
-                          <a:solidFill>
-                            <a:srgbClr val="0A2342"/>
-                          </a:solidFill>
-                          <a:prstDash val="solid"/>
-                          <a:round/>
-                          <a:headEnd type="none" w="med" len="med"/>
-                          <a:tailEnd type="none" w="med" len="med"/>
-                        </a:lnT>
-                        <a:lnB w="6350" cap="flat" cmpd="sng" algn="ctr">
-                          <a:solidFill>
-                            <a:srgbClr val="0A2342"/>
-                          </a:solidFill>
-                          <a:prstDash val="solid"/>
-                          <a:round/>
-                          <a:headEnd type="none" w="med" len="med"/>
-                          <a:tailEnd type="none" w="med" len="med"/>
-                        </a:lnB>
-                        <a:solidFill>
-                          <a:schemeClr val="bg1"/>
-                        </a:solidFill>
-                      </a:tcPr>
-                    </a:tc>
-                    <a:extLst>
-                      <a:ext uri="{0D108BD9-81ED-4DB2-BD59-A6C34878D82A}">
-                        <a16:rowId xmlns:a16="http://schemas.microsoft.com/office/drawing/2014/main" val="10001"/>
-                      </a:ext>
-                    </a:extLst>
-                  </a:tr>
-                </a:tbl>
-              </a:graphicData>
-            </a:graphic>
-          </p:graphicFrame>
-        </mc:Choice>
-        <mc:Fallback xmlns="">
-          <p:graphicFrame>
-            <p:nvGraphicFramePr>
-              <p:cNvPr id="4" name="Table 0">
-                <a:extLst>
-                  <a:ext uri="{FF2B5EF4-FFF2-40B4-BE49-F238E27FC236}">
-                    <a16:creationId xmlns:a16="http://schemas.microsoft.com/office/drawing/2014/main" id="{763CCC92-9743-6AD7-7023-78132138DA81}"/>
-                  </a:ext>
-                </a:extLst>
-              </p:cNvPr>
-              <p:cNvGraphicFramePr>
-                <a:graphicFrameLocks noGrp="1"/>
-              </p:cNvGraphicFramePr>
-              <p:nvPr>
-                <p:extLst>
-                  <p:ext uri="{D42A27DB-BD31-4B8C-83A1-F6EECF244321}">
-                    <p14:modId xmlns:p14="http://schemas.microsoft.com/office/powerpoint/2010/main" val="2920631243"/>
-                  </p:ext>
-                </p:extLst>
-              </p:nvPr>
-            </p:nvGraphicFramePr>
-            <p:xfrm>
-              <a:off x="6820146" y="2575560"/>
-              <a:ext cx="4876800" cy="853440"/>
-            </p:xfrm>
-            <a:graphic>
-              <a:graphicData uri="http://schemas.openxmlformats.org/drawingml/2006/table">
-                <a:tbl>
-                  <a:tblPr/>
-                  <a:tblGrid>
-                    <a:gridCol w="1219200">
-                      <a:extLst>
-                        <a:ext uri="{9D8B030D-6E8A-4147-A177-3AD203B41FA5}">
-                          <a16:colId xmlns:a16="http://schemas.microsoft.com/office/drawing/2014/main" val="20000"/>
-                        </a:ext>
-                      </a:extLst>
-                    </a:gridCol>
-                    <a:gridCol w="1219200">
-                      <a:extLst>
-                        <a:ext uri="{9D8B030D-6E8A-4147-A177-3AD203B41FA5}">
-                          <a16:colId xmlns:a16="http://schemas.microsoft.com/office/drawing/2014/main" val="20001"/>
-                        </a:ext>
-                      </a:extLst>
-                    </a:gridCol>
-                    <a:gridCol w="1219200">
-                      <a:extLst>
-                        <a:ext uri="{9D8B030D-6E8A-4147-A177-3AD203B41FA5}">
-                          <a16:colId xmlns:a16="http://schemas.microsoft.com/office/drawing/2014/main" val="20002"/>
-                        </a:ext>
-                      </a:extLst>
-                    </a:gridCol>
-                    <a:gridCol w="1219200">
-                      <a:extLst>
-                        <a:ext uri="{9D8B030D-6E8A-4147-A177-3AD203B41FA5}">
-                          <a16:colId xmlns:a16="http://schemas.microsoft.com/office/drawing/2014/main" val="20003"/>
-                        </a:ext>
-                      </a:extLst>
-                    </a:gridCol>
-                  </a:tblGrid>
-                  <a:tr h="426720">
-                    <a:tc>
-                      <a:txBody>
-                        <a:bodyPr/>
-                        <a:lstStyle/>
-                        <a:p>
-                          <a:endParaRPr lang="en-US"/>
-                        </a:p>
-                      </a:txBody>
-                      <a:tcPr marL="121920" marR="121920" marT="60960" marB="60960">
-                        <a:lnL w="6350" cap="flat" cmpd="sng" algn="ctr">
-                          <a:solidFill>
-                            <a:srgbClr val="0A2342"/>
-                          </a:solidFill>
-                          <a:prstDash val="solid"/>
-                          <a:round/>
-                          <a:headEnd type="none" w="med" len="med"/>
-                          <a:tailEnd type="none" w="med" len="med"/>
-                        </a:lnL>
-                        <a:lnR w="6350" cap="flat" cmpd="sng" algn="ctr">
-                          <a:solidFill>
-                            <a:srgbClr val="0A2342"/>
-                          </a:solidFill>
-                          <a:prstDash val="solid"/>
-                          <a:round/>
-                          <a:headEnd type="none" w="med" len="med"/>
-                          <a:tailEnd type="none" w="med" len="med"/>
-                        </a:lnR>
-                        <a:lnT w="6350" cap="flat" cmpd="sng" algn="ctr">
-                          <a:solidFill>
-                            <a:srgbClr val="0A2342"/>
-                          </a:solidFill>
-                          <a:prstDash val="solid"/>
-                          <a:round/>
-                          <a:headEnd type="none" w="med" len="med"/>
-                          <a:tailEnd type="none" w="med" len="med"/>
-                        </a:lnT>
-                        <a:lnB w="6350" cap="flat" cmpd="sng" algn="ctr">
-                          <a:solidFill>
-                            <a:srgbClr val="0A2342"/>
-                          </a:solidFill>
-                          <a:prstDash val="solid"/>
-                          <a:round/>
-                          <a:headEnd type="none" w="med" len="med"/>
-                          <a:tailEnd type="none" w="med" len="med"/>
-                        </a:lnB>
-                        <a:blipFill>
-                          <a:blip r:embed="rId3"/>
-                          <a:stretch>
-                            <a:fillRect l="-1042" r="-301042" b="-102941"/>
-                          </a:stretch>
-                        </a:blipFill>
-                      </a:tcPr>
-                    </a:tc>
-                    <a:tc>
-                      <a:txBody>
-                        <a:bodyPr/>
-                        <a:lstStyle/>
-                        <a:p>
-                          <a:endParaRPr lang="en-US"/>
-                        </a:p>
-                      </a:txBody>
-                      <a:tcPr marL="121920" marR="121920" marT="60960" marB="60960">
-                        <a:lnL w="6350" cap="flat" cmpd="sng" algn="ctr">
-                          <a:solidFill>
-                            <a:srgbClr val="0A2342"/>
-                          </a:solidFill>
-                          <a:prstDash val="solid"/>
-                          <a:round/>
-                          <a:headEnd type="none" w="med" len="med"/>
-                          <a:tailEnd type="none" w="med" len="med"/>
-                        </a:lnL>
-                        <a:lnR w="6350" cap="flat" cmpd="sng" algn="ctr">
-                          <a:solidFill>
-                            <a:srgbClr val="0A2342"/>
-                          </a:solidFill>
-                          <a:prstDash val="solid"/>
-                          <a:round/>
-                          <a:headEnd type="none" w="med" len="med"/>
-                          <a:tailEnd type="none" w="med" len="med"/>
-                        </a:lnR>
-                        <a:lnT w="6350" cap="flat" cmpd="sng" algn="ctr">
-                          <a:solidFill>
-                            <a:srgbClr val="0A2342"/>
-                          </a:solidFill>
-                          <a:prstDash val="solid"/>
-                          <a:round/>
-                          <a:headEnd type="none" w="med" len="med"/>
-                          <a:tailEnd type="none" w="med" len="med"/>
-                        </a:lnT>
-                        <a:lnB w="6350" cap="flat" cmpd="sng" algn="ctr">
-                          <a:solidFill>
-                            <a:srgbClr val="0A2342"/>
-                          </a:solidFill>
-                          <a:prstDash val="solid"/>
-                          <a:round/>
-                          <a:headEnd type="none" w="med" len="med"/>
-                          <a:tailEnd type="none" w="med" len="med"/>
-                        </a:lnB>
-                        <a:blipFill>
-                          <a:blip r:embed="rId3"/>
-                          <a:stretch>
-                            <a:fillRect l="-100000" r="-197938" b="-102941"/>
-                          </a:stretch>
-                        </a:blipFill>
-                      </a:tcPr>
-                    </a:tc>
-                    <a:tc>
-                      <a:txBody>
-                        <a:bodyPr/>
-                        <a:lstStyle/>
-                        <a:p>
-                          <a:endParaRPr lang="en-US"/>
-                        </a:p>
-                      </a:txBody>
-                      <a:tcPr marL="121920" marR="121920" marT="60960" marB="60960">
-                        <a:lnL w="6350" cap="flat" cmpd="sng" algn="ctr">
-                          <a:solidFill>
-                            <a:srgbClr val="0A2342"/>
-                          </a:solidFill>
-                          <a:prstDash val="solid"/>
-                          <a:round/>
-                          <a:headEnd type="none" w="med" len="med"/>
-                          <a:tailEnd type="none" w="med" len="med"/>
-                        </a:lnL>
-                        <a:lnR w="6350" cap="flat" cmpd="sng" algn="ctr">
-                          <a:solidFill>
-                            <a:srgbClr val="0A2342"/>
-                          </a:solidFill>
-                          <a:prstDash val="solid"/>
-                          <a:round/>
-                          <a:headEnd type="none" w="med" len="med"/>
-                          <a:tailEnd type="none" w="med" len="med"/>
-                        </a:lnR>
-                        <a:lnT w="6350" cap="flat" cmpd="sng" algn="ctr">
-                          <a:solidFill>
-                            <a:srgbClr val="0A2342"/>
-                          </a:solidFill>
-                          <a:prstDash val="solid"/>
-                          <a:round/>
-                          <a:headEnd type="none" w="med" len="med"/>
-                          <a:tailEnd type="none" w="med" len="med"/>
-                        </a:lnT>
-                        <a:lnB w="6350" cap="flat" cmpd="sng" algn="ctr">
-                          <a:solidFill>
-                            <a:srgbClr val="0A2342"/>
-                          </a:solidFill>
-                          <a:prstDash val="solid"/>
-                          <a:round/>
-                          <a:headEnd type="none" w="med" len="med"/>
-                          <a:tailEnd type="none" w="med" len="med"/>
-                        </a:lnB>
-                        <a:blipFill>
-                          <a:blip r:embed="rId3"/>
-                          <a:stretch>
-                            <a:fillRect l="-202083" r="-100000" b="-102941"/>
-                          </a:stretch>
-                        </a:blipFill>
-                      </a:tcPr>
-                    </a:tc>
-                    <a:tc>
-                      <a:txBody>
-                        <a:bodyPr/>
-                        <a:lstStyle/>
-                        <a:p>
-                          <a:endParaRPr lang="en-US"/>
-                        </a:p>
-                      </a:txBody>
-                      <a:tcPr marL="121920" marR="121920" marT="60960" marB="60960">
-                        <a:lnL w="6350" cap="flat" cmpd="sng" algn="ctr">
-                          <a:solidFill>
-                            <a:srgbClr val="0A2342"/>
-                          </a:solidFill>
-                          <a:prstDash val="solid"/>
-                          <a:round/>
-                          <a:headEnd type="none" w="med" len="med"/>
-                          <a:tailEnd type="none" w="med" len="med"/>
-                        </a:lnL>
-                        <a:lnR w="6350" cap="flat" cmpd="sng" algn="ctr">
-                          <a:solidFill>
-                            <a:srgbClr val="0A2342"/>
-                          </a:solidFill>
-                          <a:prstDash val="solid"/>
-                          <a:round/>
-                          <a:headEnd type="none" w="med" len="med"/>
-                          <a:tailEnd type="none" w="med" len="med"/>
-                        </a:lnR>
-                        <a:lnT w="6350" cap="flat" cmpd="sng" algn="ctr">
-                          <a:solidFill>
-                            <a:srgbClr val="0A2342"/>
-                          </a:solidFill>
-                          <a:prstDash val="solid"/>
-                          <a:round/>
-                          <a:headEnd type="none" w="med" len="med"/>
-                          <a:tailEnd type="none" w="med" len="med"/>
-                        </a:lnT>
-                        <a:lnB w="6350" cap="flat" cmpd="sng" algn="ctr">
-                          <a:solidFill>
-                            <a:srgbClr val="0A2342"/>
-                          </a:solidFill>
-                          <a:prstDash val="solid"/>
-                          <a:round/>
-                          <a:headEnd type="none" w="med" len="med"/>
-                          <a:tailEnd type="none" w="med" len="med"/>
-                        </a:lnB>
-                        <a:blipFill>
-                          <a:blip r:embed="rId3"/>
-                          <a:stretch>
-                            <a:fillRect l="-302083" b="-102941"/>
-                          </a:stretch>
-                        </a:blipFill>
-                      </a:tcPr>
-                    </a:tc>
-                    <a:extLst>
-                      <a:ext uri="{0D108BD9-81ED-4DB2-BD59-A6C34878D82A}">
-                        <a16:rowId xmlns:a16="http://schemas.microsoft.com/office/drawing/2014/main" val="10000"/>
-                      </a:ext>
-                    </a:extLst>
-                  </a:tr>
-                  <a:tr h="426720">
-                    <a:tc>
-                      <a:txBody>
-                        <a:bodyPr/>
-                        <a:lstStyle/>
-                        <a:p>
-                          <a:pPr marL="0" indent="0">
-                            <a:buNone/>
-                          </a:pPr>
-                          <a:r>
-                            <a:rPr lang="en-US" sz="1300" dirty="0">
-                              <a:solidFill>
-                                <a:srgbClr val="000000"/>
-                              </a:solidFill>
-                            </a:rPr>
-                            <a:t>4.5</a:t>
-                          </a:r>
-                          <a:endParaRPr lang="en-US" sz="1300" dirty="0"/>
-                        </a:p>
-                      </a:txBody>
-                      <a:tcPr marL="121920" marR="121920" marT="60960" marB="60960">
-                        <a:lnL w="6350" cap="flat" cmpd="sng" algn="ctr">
-                          <a:solidFill>
-                            <a:srgbClr val="0A2342"/>
-                          </a:solidFill>
-                          <a:prstDash val="solid"/>
-                          <a:round/>
-                          <a:headEnd type="none" w="med" len="med"/>
-                          <a:tailEnd type="none" w="med" len="med"/>
-                        </a:lnL>
-                        <a:lnR w="6350" cap="flat" cmpd="sng" algn="ctr">
-                          <a:solidFill>
-                            <a:srgbClr val="0A2342"/>
-                          </a:solidFill>
-                          <a:prstDash val="solid"/>
-                          <a:round/>
-                          <a:headEnd type="none" w="med" len="med"/>
-                          <a:tailEnd type="none" w="med" len="med"/>
-                        </a:lnR>
-                        <a:lnT w="6350" cap="flat" cmpd="sng" algn="ctr">
-                          <a:solidFill>
-                            <a:srgbClr val="0A2342"/>
-                          </a:solidFill>
-                          <a:prstDash val="solid"/>
-                          <a:round/>
-                          <a:headEnd type="none" w="med" len="med"/>
-                          <a:tailEnd type="none" w="med" len="med"/>
-                        </a:lnT>
-                        <a:lnB w="6350" cap="flat" cmpd="sng" algn="ctr">
-                          <a:solidFill>
-                            <a:srgbClr val="0A2342"/>
-                          </a:solidFill>
-                          <a:prstDash val="solid"/>
-                          <a:round/>
-                          <a:headEnd type="none" w="med" len="med"/>
-                          <a:tailEnd type="none" w="med" len="med"/>
-                        </a:lnB>
-                        <a:solidFill>
-                          <a:schemeClr val="bg1"/>
-                        </a:solidFill>
-                      </a:tcPr>
-                    </a:tc>
-                    <a:tc>
-                      <a:txBody>
-                        <a:bodyPr/>
-                        <a:lstStyle/>
-                        <a:p>
-                          <a:pPr marL="0" indent="0">
-                            <a:buNone/>
-                          </a:pPr>
-                          <a:r>
-                            <a:rPr lang="en-US" sz="1300" dirty="0">
-                              <a:solidFill>
-                                <a:srgbClr val="000000"/>
-                              </a:solidFill>
-                            </a:rPr>
-                            <a:t>0.8</a:t>
-                          </a:r>
-                          <a:endParaRPr lang="en-US" sz="1300" dirty="0"/>
-                        </a:p>
-                      </a:txBody>
-                      <a:tcPr marL="121920" marR="121920" marT="60960" marB="60960">
-                        <a:lnL w="6350" cap="flat" cmpd="sng" algn="ctr">
-                          <a:solidFill>
-                            <a:srgbClr val="0A2342"/>
-                          </a:solidFill>
-                          <a:prstDash val="solid"/>
-                          <a:round/>
-                          <a:headEnd type="none" w="med" len="med"/>
-                          <a:tailEnd type="none" w="med" len="med"/>
-                        </a:lnL>
-                        <a:lnR w="6350" cap="flat" cmpd="sng" algn="ctr">
-                          <a:solidFill>
-                            <a:srgbClr val="0A2342"/>
-                          </a:solidFill>
-                          <a:prstDash val="solid"/>
-                          <a:round/>
-                          <a:headEnd type="none" w="med" len="med"/>
-                          <a:tailEnd type="none" w="med" len="med"/>
-                        </a:lnR>
-                        <a:lnT w="6350" cap="flat" cmpd="sng" algn="ctr">
-                          <a:solidFill>
-                            <a:srgbClr val="0A2342"/>
-                          </a:solidFill>
-                          <a:prstDash val="solid"/>
-                          <a:round/>
-                          <a:headEnd type="none" w="med" len="med"/>
-                          <a:tailEnd type="none" w="med" len="med"/>
-                        </a:lnT>
-                        <a:lnB w="6350" cap="flat" cmpd="sng" algn="ctr">
-                          <a:solidFill>
-                            <a:srgbClr val="0A2342"/>
-                          </a:solidFill>
-                          <a:prstDash val="solid"/>
-                          <a:round/>
-                          <a:headEnd type="none" w="med" len="med"/>
-                          <a:tailEnd type="none" w="med" len="med"/>
-                        </a:lnB>
-                        <a:solidFill>
-                          <a:schemeClr val="bg1"/>
-                        </a:solidFill>
-                      </a:tcPr>
-                    </a:tc>
-                    <a:tc>
-                      <a:txBody>
-                        <a:bodyPr/>
-                        <a:lstStyle/>
-                        <a:p>
-                          <a:pPr marL="0" indent="0">
-                            <a:buNone/>
-                          </a:pPr>
-                          <a:r>
-                            <a:rPr lang="en-US" sz="1300" dirty="0">
-                              <a:solidFill>
-                                <a:srgbClr val="000000"/>
-                              </a:solidFill>
-                            </a:rPr>
-                            <a:t>5</a:t>
-                          </a:r>
-                          <a:endParaRPr lang="en-US" sz="1300" dirty="0"/>
-                        </a:p>
-                      </a:txBody>
-                      <a:tcPr marL="121920" marR="121920" marT="60960" marB="60960">
-                        <a:lnL w="6350" cap="flat" cmpd="sng" algn="ctr">
-                          <a:solidFill>
-                            <a:srgbClr val="0A2342"/>
-                          </a:solidFill>
-                          <a:prstDash val="solid"/>
-                          <a:round/>
-                          <a:headEnd type="none" w="med" len="med"/>
-                          <a:tailEnd type="none" w="med" len="med"/>
-                        </a:lnL>
-                        <a:lnR w="6350" cap="flat" cmpd="sng" algn="ctr">
-                          <a:solidFill>
-                            <a:srgbClr val="0A2342"/>
-                          </a:solidFill>
-                          <a:prstDash val="solid"/>
-                          <a:round/>
-                          <a:headEnd type="none" w="med" len="med"/>
-                          <a:tailEnd type="none" w="med" len="med"/>
-                        </a:lnR>
-                        <a:lnT w="6350" cap="flat" cmpd="sng" algn="ctr">
-                          <a:solidFill>
-                            <a:srgbClr val="0A2342"/>
-                          </a:solidFill>
-                          <a:prstDash val="solid"/>
-                          <a:round/>
-                          <a:headEnd type="none" w="med" len="med"/>
-                          <a:tailEnd type="none" w="med" len="med"/>
-                        </a:lnT>
-                        <a:lnB w="6350" cap="flat" cmpd="sng" algn="ctr">
-                          <a:solidFill>
-                            <a:srgbClr val="0A2342"/>
-                          </a:solidFill>
-                          <a:prstDash val="solid"/>
-                          <a:round/>
-                          <a:headEnd type="none" w="med" len="med"/>
-                          <a:tailEnd type="none" w="med" len="med"/>
-                        </a:lnB>
-                        <a:solidFill>
-                          <a:schemeClr val="bg1"/>
-                        </a:solidFill>
-                      </a:tcPr>
-                    </a:tc>
-                    <a:tc>
-                      <a:txBody>
-                        <a:bodyPr/>
-                        <a:lstStyle/>
-                        <a:p>
-                          <a:pPr marL="0" indent="0">
-                            <a:buNone/>
-                          </a:pPr>
-                          <a:r>
-                            <a:rPr lang="en-US" sz="1300" dirty="0">
-                              <a:solidFill>
-                                <a:srgbClr val="000000"/>
-                              </a:solidFill>
-                            </a:rPr>
-                            <a:t>0.891</a:t>
-                          </a:r>
-                          <a:endParaRPr lang="en-US" sz="1300" dirty="0"/>
-                        </a:p>
-                      </a:txBody>
-                      <a:tcPr marL="121920" marR="121920" marT="60960" marB="60960">
-                        <a:lnL w="6350" cap="flat" cmpd="sng" algn="ctr">
-                          <a:solidFill>
-                            <a:srgbClr val="0A2342"/>
-                          </a:solidFill>
-                          <a:prstDash val="solid"/>
-                          <a:round/>
-                          <a:headEnd type="none" w="med" len="med"/>
-                          <a:tailEnd type="none" w="med" len="med"/>
-                        </a:lnL>
-                        <a:lnR w="6350" cap="flat" cmpd="sng" algn="ctr">
-                          <a:solidFill>
-                            <a:srgbClr val="0A2342"/>
-                          </a:solidFill>
-                          <a:prstDash val="solid"/>
-                          <a:round/>
-                          <a:headEnd type="none" w="med" len="med"/>
-                          <a:tailEnd type="none" w="med" len="med"/>
-                        </a:lnR>
-                        <a:lnT w="6350" cap="flat" cmpd="sng" algn="ctr">
-                          <a:solidFill>
-                            <a:srgbClr val="0A2342"/>
-                          </a:solidFill>
-                          <a:prstDash val="solid"/>
-                          <a:round/>
-                          <a:headEnd type="none" w="med" len="med"/>
-                          <a:tailEnd type="none" w="med" len="med"/>
-                        </a:lnT>
-                        <a:lnB w="6350" cap="flat" cmpd="sng" algn="ctr">
-                          <a:solidFill>
-                            <a:srgbClr val="0A2342"/>
-                          </a:solidFill>
-                          <a:prstDash val="solid"/>
-                          <a:round/>
-                          <a:headEnd type="none" w="med" len="med"/>
-                          <a:tailEnd type="none" w="med" len="med"/>
-                        </a:lnB>
-                        <a:solidFill>
-                          <a:schemeClr val="bg1"/>
-                        </a:solidFill>
-                      </a:tcPr>
-                    </a:tc>
-                    <a:extLst>
-                      <a:ext uri="{0D108BD9-81ED-4DB2-BD59-A6C34878D82A}">
-                        <a16:rowId xmlns:a16="http://schemas.microsoft.com/office/drawing/2014/main" val="10001"/>
-                      </a:ext>
-                    </a:extLst>
-                  </a:tr>
-                </a:tbl>
-              </a:graphicData>
-            </a:graphic>
-          </p:graphicFrame>
         </mc:Fallback>
       </mc:AlternateContent>
       <p:sp>
@@ -12419,7 +9498,7 @@
           <a:p>
             <a:fld id="{5A064C77-022D-3743-A04E-645624933D1D}" type="slidenum">
               <a:rPr lang="en-US" smtClean="0"/>
-              <a:t>6</a:t>
+              <a:t>7</a:t>
             </a:fld>
             <a:endParaRPr lang="en-US"/>
           </a:p>
@@ -12438,7 +9517,7 @@
 </p:sld>
 </file>
 
-<file path=ppt/slides/slide7.xml><?xml version="1.0" encoding="utf-8"?>
+<file path=ppt/slides/slide8.xml><?xml version="1.0" encoding="utf-8"?>
 <p:sld xmlns:a="http://schemas.openxmlformats.org/drawingml/2006/main" xmlns:r="http://schemas.openxmlformats.org/officeDocument/2006/relationships" xmlns:p="http://schemas.openxmlformats.org/presentationml/2006/main">
   <p:cSld>
     <p:spTree>
@@ -12483,8 +9562,8 @@
           </a:p>
         </p:txBody>
       </p:sp>
-      <mc:AlternateContent xmlns:mc="http://schemas.openxmlformats.org/markup-compatibility/2006" xmlns:a14="http://schemas.microsoft.com/office/drawing/2010/main">
-        <mc:Choice Requires="a14">
+      <mc:AlternateContent xmlns:mc="http://schemas.openxmlformats.org/markup-compatibility/2006">
+        <mc:Choice xmlns:a14="http://schemas.microsoft.com/office/drawing/2010/main" Requires="a14">
           <p:sp>
             <p:nvSpPr>
               <p:cNvPr id="3" name="Content Placeholder 2">
@@ -12509,7 +9588,7 @@
             </p:spPr>
             <p:txBody>
               <a:bodyPr>
-                <a:normAutofit/>
+                <a:normAutofit lnSpcReduction="10000"/>
               </a:bodyPr>
               <a:lstStyle/>
               <a:p>
@@ -12741,6 +9820,36 @@
                 </a:r>
               </a:p>
               <a:p>
+                <a14:m>
+                  <m:oMath xmlns:m="http://schemas.openxmlformats.org/officeDocument/2006/math">
+                    <m:r>
+                      <a:rPr lang="en-US" i="1" dirty="0" smtClean="0">
+                        <a:latin typeface="Cambria Math" panose="02040503050406030204" pitchFamily="18" charset="0"/>
+                      </a:rPr>
+                      <m:t>𝐻</m:t>
+                    </m:r>
+                    <m:r>
+                      <a:rPr lang="en-US" i="1" dirty="0" smtClean="0">
+                        <a:latin typeface="Cambria Math" panose="02040503050406030204" pitchFamily="18" charset="0"/>
+                      </a:rPr>
+                      <m:t>(⋅)</m:t>
+                    </m:r>
+                  </m:oMath>
+                </a14:m>
+                <a:r>
+                  <a:rPr lang="en-US" dirty="0"/>
+                  <a:t> is the </a:t>
+                </a:r>
+                <a:r>
+                  <a:rPr lang="en-US" i="1" dirty="0"/>
+                  <a:t>Heaviside step function </a:t>
+                </a:r>
+                <a:r>
+                  <a:rPr lang="en-US" dirty="0"/>
+                  <a:t>(or the unit step function). Equals 0 if argument is negative or 1 if positive</a:t>
+                </a:r>
+              </a:p>
+              <a:p>
                 <a:r>
                   <a:rPr lang="en-US" dirty="0"/>
                   <a:t>Available in closed form for the normal distribution.</a:t>
@@ -12759,7 +9868,7 @@
             </p:txBody>
           </p:sp>
         </mc:Choice>
-        <mc:Fallback xmlns="">
+        <mc:Fallback>
           <p:sp>
             <p:nvSpPr>
               <p:cNvPr id="3" name="Content Placeholder 2">
@@ -12784,7 +9893,7 @@
               <a:blipFill>
                 <a:blip r:embed="rId2"/>
                 <a:stretch>
-                  <a:fillRect l="-1442" t="-2349" r="-1122"/>
+                  <a:fillRect l="-1500" t="-3354" r="-1833" b="-3659"/>
                 </a:stretch>
               </a:blipFill>
             </p:spPr>
@@ -12793,7 +9902,7 @@
               <a:lstStyle/>
               <a:p>
                 <a:r>
-                  <a:rPr lang="en-IE">
+                  <a:rPr lang="en-US">
                     <a:noFill/>
                   </a:rPr>
                   <a:t> </a:t>
@@ -12826,7 +9935,7 @@
           <a:p>
             <a:fld id="{5A064C77-022D-3743-A04E-645624933D1D}" type="slidenum">
               <a:rPr lang="en-US" smtClean="0"/>
-              <a:t>7</a:t>
+              <a:t>8</a:t>
             </a:fld>
             <a:endParaRPr lang="en-US"/>
           </a:p>
@@ -12836,209 +9945,6 @@
     <p:extLst>
       <p:ext uri="{BB962C8B-B14F-4D97-AF65-F5344CB8AC3E}">
         <p14:creationId xmlns:p14="http://schemas.microsoft.com/office/powerpoint/2010/main" val="4041361958"/>
-      </p:ext>
-    </p:extLst>
-  </p:cSld>
-  <p:clrMapOvr>
-    <a:masterClrMapping/>
-  </p:clrMapOvr>
-</p:sld>
-</file>
-
-<file path=ppt/slides/slide8.xml><?xml version="1.0" encoding="utf-8"?>
-<p:sld xmlns:a="http://schemas.openxmlformats.org/drawingml/2006/main" xmlns:r="http://schemas.openxmlformats.org/officeDocument/2006/relationships" xmlns:p="http://schemas.openxmlformats.org/presentationml/2006/main">
-  <p:cSld>
-    <p:spTree>
-      <p:nvGrpSpPr>
-        <p:cNvPr id="1" name=""/>
-        <p:cNvGrpSpPr/>
-        <p:nvPr/>
-      </p:nvGrpSpPr>
-      <p:grpSpPr>
-        <a:xfrm>
-          <a:off x="0" y="0"/>
-          <a:ext cx="0" cy="0"/>
-          <a:chOff x="0" y="0"/>
-          <a:chExt cx="0" cy="0"/>
-        </a:xfrm>
-      </p:grpSpPr>
-      <p:sp>
-        <p:nvSpPr>
-          <p:cNvPr id="2" name="Title 1">
-            <a:extLst>
-              <a:ext uri="{FF2B5EF4-FFF2-40B4-BE49-F238E27FC236}">
-                <a16:creationId xmlns:a16="http://schemas.microsoft.com/office/drawing/2014/main" id="{DD318252-4496-DC1D-C78F-A2FC8216BFA7}"/>
-              </a:ext>
-            </a:extLst>
-          </p:cNvPr>
-          <p:cNvSpPr>
-            <a:spLocks noGrp="1"/>
-          </p:cNvSpPr>
-          <p:nvPr>
-            <p:ph type="title"/>
-          </p:nvPr>
-        </p:nvSpPr>
-        <p:spPr/>
-        <p:txBody>
-          <a:bodyPr/>
-          <a:lstStyle/>
-          <a:p>
-            <a:r>
-              <a:rPr lang="en-US" dirty="0"/>
-              <a:t>Calibration and sharpness</a:t>
-            </a:r>
-          </a:p>
-        </p:txBody>
-      </p:sp>
-      <p:sp>
-        <p:nvSpPr>
-          <p:cNvPr id="3" name="Content Placeholder 2">
-            <a:extLst>
-              <a:ext uri="{FF2B5EF4-FFF2-40B4-BE49-F238E27FC236}">
-                <a16:creationId xmlns:a16="http://schemas.microsoft.com/office/drawing/2014/main" id="{7025A2D9-9FB8-EB60-BA99-7771EAD6D97D}"/>
-              </a:ext>
-            </a:extLst>
-          </p:cNvPr>
-          <p:cNvSpPr>
-            <a:spLocks noGrp="1"/>
-          </p:cNvSpPr>
-          <p:nvPr>
-            <p:ph idx="1"/>
-          </p:nvPr>
-        </p:nvSpPr>
-        <p:spPr>
-          <a:xfrm>
-            <a:off x="838200" y="1825625"/>
-            <a:ext cx="5164394" cy="4149290"/>
-          </a:xfrm>
-        </p:spPr>
-        <p:txBody>
-          <a:bodyPr>
-            <a:normAutofit/>
-          </a:bodyPr>
-          <a:lstStyle/>
-          <a:p>
-            <a:r>
-              <a:rPr lang="en-US" dirty="0"/>
-              <a:t>Reliability: predicted probabilities match observed frequencies.</a:t>
-            </a:r>
-          </a:p>
-          <a:p>
-            <a:r>
-              <a:rPr lang="en-US" dirty="0"/>
-              <a:t>Sharpness: predictive distributions are as concentrated as possible.</a:t>
-            </a:r>
-          </a:p>
-          <a:p>
-            <a:r>
-              <a:rPr lang="en-US" dirty="0"/>
-              <a:t>Aim: reliability diagrams close to diagonal and narrow prediction intervals.</a:t>
-            </a:r>
-          </a:p>
-        </p:txBody>
-      </p:sp>
-      <p:graphicFrame>
-        <p:nvGraphicFramePr>
-          <p:cNvPr id="4" name="Chart 0">
-            <a:extLst>
-              <a:ext uri="{FF2B5EF4-FFF2-40B4-BE49-F238E27FC236}">
-                <a16:creationId xmlns:a16="http://schemas.microsoft.com/office/drawing/2014/main" id="{64FB3AD5-17A0-490E-2A29-96676CF6A348}"/>
-              </a:ext>
-            </a:extLst>
-          </p:cNvPr>
-          <p:cNvGraphicFramePr/>
-          <p:nvPr>
-            <p:extLst>
-              <p:ext uri="{D42A27DB-BD31-4B8C-83A1-F6EECF244321}">
-                <p14:modId xmlns:p14="http://schemas.microsoft.com/office/powerpoint/2010/main" val="3842082671"/>
-              </p:ext>
-            </p:extLst>
-          </p:nvPr>
-        </p:nvGraphicFramePr>
-        <p:xfrm>
-          <a:off x="6189408" y="1690688"/>
-          <a:ext cx="5608320" cy="3048000"/>
-        </p:xfrm>
-        <a:graphic>
-          <a:graphicData uri="http://schemas.openxmlformats.org/drawingml/2006/chart">
-            <c:chart xmlns:c="http://schemas.openxmlformats.org/drawingml/2006/chart" xmlns:r="http://schemas.openxmlformats.org/officeDocument/2006/relationships" r:id="rId2"/>
-          </a:graphicData>
-        </a:graphic>
-      </p:graphicFrame>
-      <p:sp>
-        <p:nvSpPr>
-          <p:cNvPr id="5" name="Text 2">
-            <a:extLst>
-              <a:ext uri="{FF2B5EF4-FFF2-40B4-BE49-F238E27FC236}">
-                <a16:creationId xmlns:a16="http://schemas.microsoft.com/office/drawing/2014/main" id="{23F12CFE-3280-D206-9724-E662087EFA2F}"/>
-              </a:ext>
-            </a:extLst>
-          </p:cNvPr>
-          <p:cNvSpPr/>
-          <p:nvPr/>
-        </p:nvSpPr>
-        <p:spPr>
-          <a:xfrm>
-            <a:off x="6189408" y="4705752"/>
-            <a:ext cx="5608320" cy="365760"/>
-          </a:xfrm>
-          <a:prstGeom prst="rect">
-            <a:avLst/>
-          </a:prstGeom>
-          <a:solidFill>
-            <a:schemeClr val="bg1"/>
-          </a:solidFill>
-          <a:ln/>
-        </p:spPr>
-        <p:txBody>
-          <a:bodyPr wrap="square" rtlCol="0" anchor="ctr"/>
-          <a:lstStyle/>
-          <a:p>
-            <a:r>
-              <a:rPr lang="en-US" sz="1067" dirty="0">
-                <a:solidFill>
-                  <a:srgbClr val="0A2342"/>
-                </a:solidFill>
-              </a:rPr>
-              <a:t>Reliability diagram</a:t>
-            </a:r>
-            <a:endParaRPr lang="en-US" sz="1067" dirty="0"/>
-          </a:p>
-        </p:txBody>
-      </p:sp>
-      <p:sp>
-        <p:nvSpPr>
-          <p:cNvPr id="6" name="Slide Number Placeholder 5">
-            <a:extLst>
-              <a:ext uri="{FF2B5EF4-FFF2-40B4-BE49-F238E27FC236}">
-                <a16:creationId xmlns:a16="http://schemas.microsoft.com/office/drawing/2014/main" id="{4DA77822-C8CD-9E70-D67D-40EFBC558546}"/>
-              </a:ext>
-            </a:extLst>
-          </p:cNvPr>
-          <p:cNvSpPr>
-            <a:spLocks noGrp="1"/>
-          </p:cNvSpPr>
-          <p:nvPr>
-            <p:ph type="sldNum" sz="quarter" idx="12"/>
-          </p:nvPr>
-        </p:nvSpPr>
-        <p:spPr/>
-        <p:txBody>
-          <a:bodyPr/>
-          <a:lstStyle/>
-          <a:p>
-            <a:fld id="{5A064C77-022D-3743-A04E-645624933D1D}" type="slidenum">
-              <a:rPr lang="en-US" smtClean="0"/>
-              <a:t>8</a:t>
-            </a:fld>
-            <a:endParaRPr lang="en-US"/>
-          </a:p>
-        </p:txBody>
-      </p:sp>
-    </p:spTree>
-    <p:extLst>
-      <p:ext uri="{BB962C8B-B14F-4D97-AF65-F5344CB8AC3E}">
-        <p14:creationId xmlns:p14="http://schemas.microsoft.com/office/powerpoint/2010/main" val="1734932489"/>
       </p:ext>
     </p:extLst>
   </p:cSld>
@@ -13095,8 +10001,8 @@
           </a:p>
         </p:txBody>
       </p:sp>
-      <mc:AlternateContent xmlns:mc="http://schemas.openxmlformats.org/markup-compatibility/2006" xmlns:a14="http://schemas.microsoft.com/office/drawing/2010/main">
-        <mc:Choice Requires="a14">
+      <mc:AlternateContent xmlns:mc="http://schemas.openxmlformats.org/markup-compatibility/2006">
+        <mc:Choice xmlns:a14="http://schemas.microsoft.com/office/drawing/2010/main" Requires="a14">
           <p:sp>
             <p:nvSpPr>
               <p:cNvPr id="3" name="Content Placeholder 2">
@@ -13116,19 +10022,19 @@
             <p:spPr/>
             <p:txBody>
               <a:bodyPr>
-                <a:normAutofit lnSpcReduction="10000"/>
+                <a:normAutofit/>
               </a:bodyPr>
               <a:lstStyle/>
               <a:p>
                 <a:r>
                   <a:rPr lang="en-US" dirty="0"/>
-                  <a:t>Parameterize output distribution using neural network.</a:t>
+                  <a:t>Use a proper scoring rule as the loss function.</a:t>
                 </a:r>
               </a:p>
               <a:p>
                 <a:r>
                   <a:rPr lang="en-US" dirty="0"/>
-                  <a:t>For Gaussian outputs: network outputs </a:t>
+                  <a:t>For Gaussian outputs: the NN outputs e.g. </a:t>
                 </a:r>
                 <a14:m>
                   <m:oMath xmlns:m="http://schemas.openxmlformats.org/officeDocument/2006/math">
@@ -13147,25 +10053,28 @@
                 <a14:m>
                   <m:oMath xmlns:m="http://schemas.openxmlformats.org/officeDocument/2006/math">
                     <m:r>
-                      <m:rPr>
-                        <m:sty m:val="p"/>
-                      </m:rPr>
-                      <a:rPr lang="en-US" i="1" dirty="0" smtClean="0">
+                      <a:rPr lang="en-IE" b="0" i="1" dirty="0" smtClean="0">
                         <a:latin typeface="Cambria Math" panose="02040503050406030204" pitchFamily="18" charset="0"/>
                       </a:rPr>
-                      <m:t>log</m:t>
+                      <m:t>𝑠𝑜𝑓𝑡𝑝𝑙𝑢𝑠</m:t>
                     </m:r>
                     <m:r>
-                      <a:rPr lang="en-US" i="1" dirty="0" smtClean="0">
+                      <a:rPr lang="en-IE" b="0" i="1" dirty="0" smtClean="0">
                         <a:latin typeface="Cambria Math" panose="02040503050406030204" pitchFamily="18" charset="0"/>
                       </a:rPr>
-                      <m:t> </m:t>
+                      <m:t>(</m:t>
                     </m:r>
                     <m:r>
                       <a:rPr lang="en-US" i="1" dirty="0" smtClean="0">
                         <a:latin typeface="Cambria Math" panose="02040503050406030204" pitchFamily="18" charset="0"/>
                       </a:rPr>
                       <m:t>𝜎</m:t>
+                    </m:r>
+                    <m:r>
+                      <a:rPr lang="en-IE" b="0" i="1" dirty="0" smtClean="0">
+                        <a:latin typeface="Cambria Math" panose="02040503050406030204" pitchFamily="18" charset="0"/>
+                      </a:rPr>
+                      <m:t>)</m:t>
                     </m:r>
                   </m:oMath>
                 </a14:m>
@@ -13185,46 +10094,70 @@
                       <a:rPr lang="en-US" i="1" dirty="0" smtClean="0">
                         <a:latin typeface="Cambria Math" panose="02040503050406030204" pitchFamily="18" charset="0"/>
                       </a:rPr>
-                      <m:t> = </m:t>
+                      <m:t> =</m:t>
                     </m:r>
+                  </m:oMath>
+                </a14:m>
+                <a:r>
+                  <a:rPr lang="en-US" dirty="0"/>
+                  <a:t> </a:t>
+                </a:r>
+                <a14:m>
+                  <m:oMath xmlns:m="http://schemas.openxmlformats.org/officeDocument/2006/math">
                     <m:r>
                       <m:rPr>
                         <m:sty m:val="p"/>
                       </m:rPr>
-                      <a:rPr lang="en-US" i="1" dirty="0" smtClean="0">
-                        <a:latin typeface="Cambria Math" panose="02040503050406030204" pitchFamily="18" charset="0"/>
-                      </a:rPr>
-                      <m:t>exp</m:t>
-                    </m:r>
-                    <m:r>
-                      <a:rPr lang="en-US" i="1" dirty="0" smtClean="0">
-                        <a:latin typeface="Cambria Math" panose="02040503050406030204" pitchFamily="18" charset="0"/>
-                      </a:rPr>
-                      <m:t>(</m:t>
-                    </m:r>
-                    <m:r>
-                      <m:rPr>
-                        <m:sty m:val="p"/>
-                      </m:rPr>
-                      <a:rPr lang="en-US" i="1" dirty="0" smtClean="0">
+                      <a:rPr lang="en-US" i="1" dirty="0">
                         <a:latin typeface="Cambria Math" panose="02040503050406030204" pitchFamily="18" charset="0"/>
                       </a:rPr>
                       <m:t>log</m:t>
                     </m:r>
                     <m:r>
-                      <a:rPr lang="en-US" i="1" dirty="0" smtClean="0">
+                      <a:rPr lang="en-IE" i="1" dirty="0">
                         <a:latin typeface="Cambria Math" panose="02040503050406030204" pitchFamily="18" charset="0"/>
                       </a:rPr>
-                      <m:t> </m:t>
+                      <m:t>(1+</m:t>
                     </m:r>
+                    <m:sSup>
+                      <m:sSupPr>
+                        <m:ctrlPr>
+                          <a:rPr lang="en-IE" i="1" dirty="0">
+                            <a:latin typeface="Cambria Math" panose="02040503050406030204" pitchFamily="18" charset="0"/>
+                          </a:rPr>
+                        </m:ctrlPr>
+                      </m:sSupPr>
+                      <m:e>
+                        <m:r>
+                          <a:rPr lang="en-IE" i="1" dirty="0">
+                            <a:latin typeface="Cambria Math" panose="02040503050406030204" pitchFamily="18" charset="0"/>
+                          </a:rPr>
+                          <m:t>𝑒</m:t>
+                        </m:r>
+                      </m:e>
+                      <m:sup>
+                        <m:acc>
+                          <m:accPr>
+                            <m:chr m:val="̂"/>
+                            <m:ctrlPr>
+                              <a:rPr lang="en-IE" i="1" dirty="0">
+                                <a:latin typeface="Cambria Math" panose="02040503050406030204" pitchFamily="18" charset="0"/>
+                              </a:rPr>
+                            </m:ctrlPr>
+                          </m:accPr>
+                          <m:e>
+                            <m:r>
+                              <a:rPr lang="en-IE" i="1" dirty="0">
+                                <a:latin typeface="Cambria Math" panose="02040503050406030204" pitchFamily="18" charset="0"/>
+                              </a:rPr>
+                              <m:t>𝑦</m:t>
+                            </m:r>
+                          </m:e>
+                        </m:acc>
+                      </m:sup>
+                    </m:sSup>
                     <m:r>
-                      <a:rPr lang="en-US" i="1" dirty="0" smtClean="0">
-                        <a:latin typeface="Cambria Math" panose="02040503050406030204" pitchFamily="18" charset="0"/>
-                      </a:rPr>
-                      <m:t>𝜎</m:t>
-                    </m:r>
-                    <m:r>
-                      <a:rPr lang="en-US" i="1" dirty="0" smtClean="0">
+                      <a:rPr lang="en-IE" i="1" dirty="0">
                         <a:latin typeface="Cambria Math" panose="02040503050406030204" pitchFamily="18" charset="0"/>
                       </a:rPr>
                       <m:t>)</m:t>
@@ -13384,7 +10317,7 @@
             </p:txBody>
           </p:sp>
         </mc:Choice>
-        <mc:Fallback xmlns="">
+        <mc:Fallback>
           <p:sp>
             <p:nvSpPr>
               <p:cNvPr id="3" name="Content Placeholder 2">
@@ -13405,7 +10338,7 @@
               <a:blipFill>
                 <a:blip r:embed="rId2"/>
                 <a:stretch>
-                  <a:fillRect l="-1315" t="-3231" r="-950"/>
+                  <a:fillRect l="-1368" t="-2439"/>
                 </a:stretch>
               </a:blipFill>
             </p:spPr>
@@ -13414,7 +10347,7 @@
               <a:lstStyle/>
               <a:p>
                 <a:r>
-                  <a:rPr lang="en-IE">
+                  <a:rPr lang="en-US">
                     <a:noFill/>
                   </a:rPr>
                   <a:t> </a:t>

--- a/slides/day 4/D4C2_ProbNNs.pptx
+++ b/slides/day 4/D4C2_ProbNNs.pptx
@@ -5,7 +5,7 @@
     <p:sldMasterId id="2147483648" r:id="rId1"/>
   </p:sldMasterIdLst>
   <p:notesMasterIdLst>
-    <p:notesMasterId r:id="rId25"/>
+    <p:notesMasterId r:id="rId26"/>
   </p:notesMasterIdLst>
   <p:sldIdLst>
     <p:sldId id="256" r:id="rId2"/>
@@ -30,7 +30,8 @@
     <p:sldId id="285" r:id="rId21"/>
     <p:sldId id="392" r:id="rId22"/>
     <p:sldId id="321" r:id="rId23"/>
-    <p:sldId id="322" r:id="rId24"/>
+    <p:sldId id="393" r:id="rId24"/>
+    <p:sldId id="322" r:id="rId25"/>
   </p:sldIdLst>
   <p:sldSz cx="12192000" cy="6858000"/>
   <p:notesSz cx="6858000" cy="9144000"/>
@@ -6058,8 +6059,8 @@
           </a:p>
         </p:txBody>
       </p:sp>
-      <mc:AlternateContent xmlns:mc="http://schemas.openxmlformats.org/markup-compatibility/2006">
-        <mc:Choice xmlns:a14="http://schemas.microsoft.com/office/drawing/2010/main" Requires="a14">
+      <mc:AlternateContent xmlns:mc="http://schemas.openxmlformats.org/markup-compatibility/2006" xmlns:a14="http://schemas.microsoft.com/office/drawing/2010/main">
+        <mc:Choice Requires="a14">
           <p:sp>
             <p:nvSpPr>
               <p:cNvPr id="3" name="Content Placeholder 2">
@@ -6243,7 +6244,7 @@
             </p:txBody>
           </p:sp>
         </mc:Choice>
-        <mc:Fallback>
+        <mc:Fallback xmlns="">
           <p:sp>
             <p:nvSpPr>
               <p:cNvPr id="3" name="Content Placeholder 2">
@@ -7474,6 +7475,140 @@
 </file>
 
 <file path=ppt/slides/slide23.xml><?xml version="1.0" encoding="utf-8"?>
+<p:sld xmlns:a="http://schemas.openxmlformats.org/drawingml/2006/main" xmlns:r="http://schemas.openxmlformats.org/officeDocument/2006/relationships" xmlns:p="http://schemas.openxmlformats.org/presentationml/2006/main">
+  <p:cSld>
+    <p:spTree>
+      <p:nvGrpSpPr>
+        <p:cNvPr id="1" name="">
+          <a:extLst>
+            <a:ext uri="{FF2B5EF4-FFF2-40B4-BE49-F238E27FC236}">
+              <a16:creationId xmlns:a16="http://schemas.microsoft.com/office/drawing/2014/main" id="{9C777CDE-44D9-EBDF-7F78-493D9CF8D161}"/>
+            </a:ext>
+          </a:extLst>
+        </p:cNvPr>
+        <p:cNvGrpSpPr/>
+        <p:nvPr/>
+      </p:nvGrpSpPr>
+      <p:grpSpPr>
+        <a:xfrm>
+          <a:off x="0" y="0"/>
+          <a:ext cx="0" cy="0"/>
+          <a:chOff x="0" y="0"/>
+          <a:chExt cx="0" cy="0"/>
+        </a:xfrm>
+      </p:grpSpPr>
+      <p:sp>
+        <p:nvSpPr>
+          <p:cNvPr id="2" name="Title 1">
+            <a:extLst>
+              <a:ext uri="{FF2B5EF4-FFF2-40B4-BE49-F238E27FC236}">
+                <a16:creationId xmlns:a16="http://schemas.microsoft.com/office/drawing/2014/main" id="{F5FFCD34-26A7-B397-4655-7BBA4D03C81A}"/>
+              </a:ext>
+            </a:extLst>
+          </p:cNvPr>
+          <p:cNvSpPr>
+            <a:spLocks noGrp="1"/>
+          </p:cNvSpPr>
+          <p:nvPr>
+            <p:ph type="title"/>
+          </p:nvPr>
+        </p:nvSpPr>
+        <p:spPr/>
+        <p:txBody>
+          <a:bodyPr/>
+          <a:lstStyle/>
+          <a:p>
+            <a:r>
+              <a:rPr lang="en-US" dirty="0"/>
+              <a:t>Feedback please</a:t>
+            </a:r>
+          </a:p>
+        </p:txBody>
+      </p:sp>
+      <p:sp>
+        <p:nvSpPr>
+          <p:cNvPr id="3" name="Content Placeholder 2">
+            <a:extLst>
+              <a:ext uri="{FF2B5EF4-FFF2-40B4-BE49-F238E27FC236}">
+                <a16:creationId xmlns:a16="http://schemas.microsoft.com/office/drawing/2014/main" id="{341AD32A-58F8-8E03-0B09-653DE23F052F}"/>
+              </a:ext>
+            </a:extLst>
+          </p:cNvPr>
+          <p:cNvSpPr>
+            <a:spLocks noGrp="1"/>
+          </p:cNvSpPr>
+          <p:nvPr>
+            <p:ph idx="1"/>
+          </p:nvPr>
+        </p:nvSpPr>
+        <p:spPr/>
+        <p:txBody>
+          <a:bodyPr/>
+          <a:lstStyle/>
+          <a:p>
+            <a:r>
+              <a:rPr lang="en-US" dirty="0"/>
+              <a:t>https://</a:t>
+            </a:r>
+            <a:r>
+              <a:rPr lang="en-US" dirty="0" err="1"/>
+              <a:t>forms.gle</a:t>
+            </a:r>
+            <a:r>
+              <a:rPr lang="en-US" dirty="0"/>
+              <a:t>/7FTGrtsM6r9B3MXR8</a:t>
+            </a:r>
+            <a:endParaRPr lang="en-US" dirty="0">
+              <a:latin typeface="Courier New" panose="02070309020205020404" pitchFamily="49" charset="0"/>
+              <a:cs typeface="Courier New" panose="02070309020205020404" pitchFamily="49" charset="0"/>
+            </a:endParaRPr>
+          </a:p>
+        </p:txBody>
+      </p:sp>
+      <p:pic>
+        <p:nvPicPr>
+          <p:cNvPr id="5" name="Picture 4" descr="A qr code on a white background&#10;&#10;AI-generated content may be incorrect.">
+            <a:extLst>
+              <a:ext uri="{FF2B5EF4-FFF2-40B4-BE49-F238E27FC236}">
+                <a16:creationId xmlns:a16="http://schemas.microsoft.com/office/drawing/2014/main" id="{976D47D2-AF63-4EDD-35B0-586D3DBD62AB}"/>
+              </a:ext>
+            </a:extLst>
+          </p:cNvPr>
+          <p:cNvPicPr>
+            <a:picLocks noChangeAspect="1"/>
+          </p:cNvPicPr>
+          <p:nvPr/>
+        </p:nvPicPr>
+        <p:blipFill>
+          <a:blip r:embed="rId2"/>
+          <a:stretch>
+            <a:fillRect/>
+          </a:stretch>
+        </p:blipFill>
+        <p:spPr>
+          <a:xfrm>
+            <a:off x="1063052" y="3089042"/>
+            <a:ext cx="2788170" cy="2788170"/>
+          </a:xfrm>
+          <a:prstGeom prst="rect">
+            <a:avLst/>
+          </a:prstGeom>
+        </p:spPr>
+      </p:pic>
+    </p:spTree>
+    <p:extLst>
+      <p:ext uri="{BB962C8B-B14F-4D97-AF65-F5344CB8AC3E}">
+        <p14:creationId xmlns:p14="http://schemas.microsoft.com/office/powerpoint/2010/main" val="590297403"/>
+      </p:ext>
+    </p:extLst>
+  </p:cSld>
+  <p:clrMapOvr>
+    <a:masterClrMapping/>
+  </p:clrMapOvr>
+</p:sld>
+</file>
+
+<file path=ppt/slides/slide24.xml><?xml version="1.0" encoding="utf-8"?>
 <p:sld xmlns:a="http://schemas.openxmlformats.org/drawingml/2006/main" xmlns:r="http://schemas.openxmlformats.org/officeDocument/2006/relationships" xmlns:p="http://schemas.openxmlformats.org/presentationml/2006/main">
   <p:cSld>
     <p:spTree>
@@ -8650,8 +8785,8 @@
           </a:p>
         </p:txBody>
       </p:sp>
-      <mc:AlternateContent xmlns:mc="http://schemas.openxmlformats.org/markup-compatibility/2006">
-        <mc:Choice xmlns:a14="http://schemas.microsoft.com/office/drawing/2010/main" Requires="a14">
+      <mc:AlternateContent xmlns:mc="http://schemas.openxmlformats.org/markup-compatibility/2006" xmlns:a14="http://schemas.microsoft.com/office/drawing/2010/main">
+        <mc:Choice Requires="a14">
           <p:sp>
             <p:nvSpPr>
               <p:cNvPr id="3" name="Content Placeholder 2">
@@ -9064,7 +9199,7 @@
             </p:txBody>
           </p:sp>
         </mc:Choice>
-        <mc:Fallback>
+        <mc:Fallback xmlns="">
           <p:sp>
             <p:nvSpPr>
               <p:cNvPr id="3" name="Content Placeholder 2">
@@ -9195,8 +9330,8 @@
           </a:p>
         </p:txBody>
       </p:sp>
-      <mc:AlternateContent xmlns:mc="http://schemas.openxmlformats.org/markup-compatibility/2006">
-        <mc:Choice xmlns:a14="http://schemas.microsoft.com/office/drawing/2010/main" Requires="a14">
+      <mc:AlternateContent xmlns:mc="http://schemas.openxmlformats.org/markup-compatibility/2006" xmlns:a14="http://schemas.microsoft.com/office/drawing/2010/main">
+        <mc:Choice Requires="a14">
           <p:sp>
             <p:nvSpPr>
               <p:cNvPr id="3" name="Content Placeholder 2">
@@ -9431,7 +9566,7 @@
             </p:txBody>
           </p:sp>
         </mc:Choice>
-        <mc:Fallback>
+        <mc:Fallback xmlns="">
           <p:sp>
             <p:nvSpPr>
               <p:cNvPr id="3" name="Content Placeholder 2">
@@ -9562,8 +9697,8 @@
           </a:p>
         </p:txBody>
       </p:sp>
-      <mc:AlternateContent xmlns:mc="http://schemas.openxmlformats.org/markup-compatibility/2006">
-        <mc:Choice xmlns:a14="http://schemas.microsoft.com/office/drawing/2010/main" Requires="a14">
+      <mc:AlternateContent xmlns:mc="http://schemas.openxmlformats.org/markup-compatibility/2006" xmlns:a14="http://schemas.microsoft.com/office/drawing/2010/main">
+        <mc:Choice Requires="a14">
           <p:sp>
             <p:nvSpPr>
               <p:cNvPr id="3" name="Content Placeholder 2">
@@ -9868,7 +10003,7 @@
             </p:txBody>
           </p:sp>
         </mc:Choice>
-        <mc:Fallback>
+        <mc:Fallback xmlns="">
           <p:sp>
             <p:nvSpPr>
               <p:cNvPr id="3" name="Content Placeholder 2">
@@ -10001,8 +10136,8 @@
           </a:p>
         </p:txBody>
       </p:sp>
-      <mc:AlternateContent xmlns:mc="http://schemas.openxmlformats.org/markup-compatibility/2006">
-        <mc:Choice xmlns:a14="http://schemas.microsoft.com/office/drawing/2010/main" Requires="a14">
+      <mc:AlternateContent xmlns:mc="http://schemas.openxmlformats.org/markup-compatibility/2006" xmlns:a14="http://schemas.microsoft.com/office/drawing/2010/main">
+        <mc:Choice Requires="a14">
           <p:sp>
             <p:nvSpPr>
               <p:cNvPr id="3" name="Content Placeholder 2">
@@ -10317,7 +10452,7 @@
             </p:txBody>
           </p:sp>
         </mc:Choice>
-        <mc:Fallback>
+        <mc:Fallback xmlns="">
           <p:sp>
             <p:nvSpPr>
               <p:cNvPr id="3" name="Content Placeholder 2">
